--- a/ietf123-Madrid/Slides/chair-slides-bmwg-ippm.pptx
+++ b/ietf123-Madrid/Slides/chair-slides-bmwg-ippm.pptx
@@ -6,62 +6,65 @@
     <p:sldMasterId id="2147483665" r:id="rId5"/>
   </p:sldMasterIdLst>
   <p:notesMasterIdLst>
-    <p:notesMasterId r:id="rId16"/>
+    <p:notesMasterId r:id="rId19"/>
   </p:notesMasterIdLst>
   <p:sldIdLst>
     <p:sldId id="256" r:id="rId6"/>
     <p:sldId id="257" r:id="rId7"/>
     <p:sldId id="258" r:id="rId8"/>
-    <p:sldId id="267" r:id="rId9"/>
-    <p:sldId id="259" r:id="rId10"/>
-    <p:sldId id="261" r:id="rId11"/>
-    <p:sldId id="263" r:id="rId12"/>
-    <p:sldId id="264" r:id="rId13"/>
-    <p:sldId id="266" r:id="rId14"/>
-    <p:sldId id="260" r:id="rId15"/>
+    <p:sldId id="259" r:id="rId9"/>
+    <p:sldId id="270" r:id="rId10"/>
+    <p:sldId id="268" r:id="rId11"/>
+    <p:sldId id="267" r:id="rId12"/>
+    <p:sldId id="261" r:id="rId13"/>
+    <p:sldId id="263" r:id="rId14"/>
+    <p:sldId id="264" r:id="rId15"/>
+    <p:sldId id="266" r:id="rId16"/>
+    <p:sldId id="269" r:id="rId17"/>
+    <p:sldId id="260" r:id="rId18"/>
   </p:sldIdLst>
   <p:sldSz cx="9144000" cy="5143500" type="screen16x9"/>
   <p:notesSz cx="6858000" cy="9144000"/>
   <p:embeddedFontLst>
     <p:embeddedFont>
       <p:font typeface="Inter" panose="020B0604020202020204" charset="0"/>
-      <p:regular r:id="rId17"/>
-      <p:bold r:id="rId18"/>
-      <p:italic r:id="rId19"/>
-      <p:boldItalic r:id="rId20"/>
+      <p:regular r:id="rId20"/>
+      <p:bold r:id="rId21"/>
+      <p:italic r:id="rId22"/>
+      <p:boldItalic r:id="rId23"/>
     </p:embeddedFont>
     <p:embeddedFont>
       <p:font typeface="Montserrat" panose="00000500000000000000" pitchFamily="2" charset="0"/>
-      <p:regular r:id="rId21"/>
-      <p:bold r:id="rId22"/>
-      <p:italic r:id="rId23"/>
-      <p:boldItalic r:id="rId24"/>
+      <p:regular r:id="rId24"/>
+      <p:bold r:id="rId25"/>
+      <p:italic r:id="rId26"/>
+      <p:boldItalic r:id="rId27"/>
     </p:embeddedFont>
     <p:embeddedFont>
       <p:font typeface="Open Sans" panose="020B0606030504020204" pitchFamily="34" charset="0"/>
-      <p:regular r:id="rId25"/>
-      <p:bold r:id="rId26"/>
-      <p:italic r:id="rId27"/>
-      <p:boldItalic r:id="rId28"/>
+      <p:regular r:id="rId28"/>
+      <p:bold r:id="rId29"/>
+      <p:italic r:id="rId30"/>
+      <p:boldItalic r:id="rId31"/>
     </p:embeddedFont>
     <p:embeddedFont>
       <p:font typeface="Open Sans Medium" panose="020B0604020202020204" charset="0"/>
-      <p:regular r:id="rId29"/>
-      <p:bold r:id="rId30"/>
-      <p:italic r:id="rId31"/>
-      <p:boldItalic r:id="rId32"/>
+      <p:regular r:id="rId32"/>
+      <p:bold r:id="rId33"/>
+      <p:italic r:id="rId34"/>
+      <p:boldItalic r:id="rId35"/>
     </p:embeddedFont>
     <p:embeddedFont>
       <p:font typeface="Open Sans SemiBold" panose="020B0706030804020204" pitchFamily="34" charset="0"/>
-      <p:bold r:id="rId33"/>
-      <p:boldItalic r:id="rId34"/>
+      <p:bold r:id="rId36"/>
+      <p:boldItalic r:id="rId37"/>
     </p:embeddedFont>
     <p:embeddedFont>
       <p:font typeface="Roboto" panose="02000000000000000000" pitchFamily="2" charset="0"/>
-      <p:regular r:id="rId35"/>
-      <p:bold r:id="rId36"/>
-      <p:italic r:id="rId37"/>
-      <p:boldItalic r:id="rId38"/>
+      <p:regular r:id="rId38"/>
+      <p:bold r:id="rId39"/>
+      <p:italic r:id="rId40"/>
+      <p:boldItalic r:id="rId41"/>
     </p:embeddedFont>
   </p:embeddedFontLst>
   <p:defaultTextStyle>
@@ -315,7 +318,7 @@
 <file path=ppt/revisionInfo.xml><?xml version="1.0" encoding="utf-8"?>
 <p1510:revInfo xmlns:a="http://schemas.openxmlformats.org/drawingml/2006/main" xmlns:r="http://schemas.openxmlformats.org/officeDocument/2006/relationships" xmlns:p1510="http://schemas.microsoft.com/office/powerpoint/2015/10/main">
   <p1510:revLst>
-    <p1510:client id="{4403439A-50EC-49D8-B7F6-3D7264685FDE}" v="2" dt="2025-07-10T05:54:46.754"/>
+    <p1510:client id="{4403439A-50EC-49D8-B7F6-3D7264685FDE}" v="3" dt="2025-07-10T05:56:58.467"/>
   </p1510:revLst>
 </p1510:revInfo>
 </file>
@@ -324,8 +327,8 @@
 <pc:chgInfo xmlns:a="http://schemas.openxmlformats.org/drawingml/2006/main" xmlns:r="http://schemas.openxmlformats.org/officeDocument/2006/relationships" xmlns:ac="http://schemas.microsoft.com/office/drawing/2013/main/command" xmlns:pc="http://schemas.microsoft.com/office/powerpoint/2013/main/command">
   <pc:docChgLst>
     <pc:chgData name="Graf Thomas, SCS-INI-NET-VNC-E2E" userId="487bc3e3-9ce7-4cdd-b7b4-8899ea88d289" providerId="ADAL" clId="{4403439A-50EC-49D8-B7F6-3D7264685FDE}"/>
-    <pc:docChg chg="custSel addSld modSld">
-      <pc:chgData name="Graf Thomas, SCS-INI-NET-VNC-E2E" userId="487bc3e3-9ce7-4cdd-b7b4-8899ea88d289" providerId="ADAL" clId="{4403439A-50EC-49D8-B7F6-3D7264685FDE}" dt="2025-07-10T05:55:23.367" v="116" actId="6549"/>
+    <pc:docChg chg="undo custSel addSld modSld sldOrd">
+      <pc:chgData name="Graf Thomas, SCS-INI-NET-VNC-E2E" userId="487bc3e3-9ce7-4cdd-b7b4-8899ea88d289" providerId="ADAL" clId="{4403439A-50EC-49D8-B7F6-3D7264685FDE}" dt="2025-07-10T06:23:26.507" v="750" actId="20577"/>
       <pc:docMkLst>
         <pc:docMk/>
       </pc:docMkLst>
@@ -343,6 +346,13 @@
             <ac:spMk id="99" creationId="{00000000-0000-0000-0000-000000000000}"/>
           </ac:spMkLst>
         </pc:spChg>
+      </pc:sldChg>
+      <pc:sldChg chg="ord">
+        <pc:chgData name="Graf Thomas, SCS-INI-NET-VNC-E2E" userId="487bc3e3-9ce7-4cdd-b7b4-8899ea88d289" providerId="ADAL" clId="{4403439A-50EC-49D8-B7F6-3D7264685FDE}" dt="2025-07-10T06:22:20.341" v="686"/>
+        <pc:sldMkLst>
+          <pc:docMk/>
+          <pc:sldMk cId="0" sldId="259"/>
+        </pc:sldMkLst>
       </pc:sldChg>
       <pc:sldChg chg="modSp mod">
         <pc:chgData name="Graf Thomas, SCS-INI-NET-VNC-E2E" userId="487bc3e3-9ce7-4cdd-b7b4-8899ea88d289" providerId="ADAL" clId="{4403439A-50EC-49D8-B7F6-3D7264685FDE}" dt="2025-07-10T05:48:14.572" v="76" actId="20577"/>
@@ -436,8 +446,23 @@
           </ac:picMkLst>
         </pc:picChg>
       </pc:sldChg>
+      <pc:sldChg chg="modSp mod">
+        <pc:chgData name="Graf Thomas, SCS-INI-NET-VNC-E2E" userId="487bc3e3-9ce7-4cdd-b7b4-8899ea88d289" providerId="ADAL" clId="{4403439A-50EC-49D8-B7F6-3D7264685FDE}" dt="2025-07-10T06:06:38.835" v="223" actId="14100"/>
+        <pc:sldMkLst>
+          <pc:docMk/>
+          <pc:sldMk cId="1372742302" sldId="266"/>
+        </pc:sldMkLst>
+        <pc:spChg chg="mod">
+          <ac:chgData name="Graf Thomas, SCS-INI-NET-VNC-E2E" userId="487bc3e3-9ce7-4cdd-b7b4-8899ea88d289" providerId="ADAL" clId="{4403439A-50EC-49D8-B7F6-3D7264685FDE}" dt="2025-07-10T06:06:38.835" v="223" actId="14100"/>
+          <ac:spMkLst>
+            <pc:docMk/>
+            <pc:sldMk cId="1372742302" sldId="266"/>
+            <ac:spMk id="2" creationId="{0B9E15DC-F076-98D2-1BDF-BC01FEC9047B}"/>
+          </ac:spMkLst>
+        </pc:spChg>
+      </pc:sldChg>
       <pc:sldChg chg="modSp add mod">
-        <pc:chgData name="Graf Thomas, SCS-INI-NET-VNC-E2E" userId="487bc3e3-9ce7-4cdd-b7b4-8899ea88d289" providerId="ADAL" clId="{4403439A-50EC-49D8-B7F6-3D7264685FDE}" dt="2025-07-10T05:55:23.367" v="116" actId="6549"/>
+        <pc:chgData name="Graf Thomas, SCS-INI-NET-VNC-E2E" userId="487bc3e3-9ce7-4cdd-b7b4-8899ea88d289" providerId="ADAL" clId="{4403439A-50EC-49D8-B7F6-3D7264685FDE}" dt="2025-07-10T06:00:40.529" v="209" actId="20577"/>
         <pc:sldMkLst>
           <pc:docMk/>
           <pc:sldMk cId="1383312952" sldId="267"/>
@@ -451,11 +476,72 @@
           </ac:spMkLst>
         </pc:spChg>
         <pc:spChg chg="mod">
-          <ac:chgData name="Graf Thomas, SCS-INI-NET-VNC-E2E" userId="487bc3e3-9ce7-4cdd-b7b4-8899ea88d289" providerId="ADAL" clId="{4403439A-50EC-49D8-B7F6-3D7264685FDE}" dt="2025-07-10T05:55:23.367" v="116" actId="6549"/>
+          <ac:chgData name="Graf Thomas, SCS-INI-NET-VNC-E2E" userId="487bc3e3-9ce7-4cdd-b7b4-8899ea88d289" providerId="ADAL" clId="{4403439A-50EC-49D8-B7F6-3D7264685FDE}" dt="2025-07-10T06:00:40.529" v="209" actId="20577"/>
           <ac:spMkLst>
             <pc:docMk/>
             <pc:sldMk cId="1383312952" sldId="267"/>
             <ac:spMk id="114" creationId="{00000000-0000-0000-0000-000000000000}"/>
+          </ac:spMkLst>
+        </pc:spChg>
+      </pc:sldChg>
+      <pc:sldChg chg="modSp add mod ord">
+        <pc:chgData name="Graf Thomas, SCS-INI-NET-VNC-E2E" userId="487bc3e3-9ce7-4cdd-b7b4-8899ea88d289" providerId="ADAL" clId="{4403439A-50EC-49D8-B7F6-3D7264685FDE}" dt="2025-07-10T06:00:34.413" v="207" actId="20577"/>
+        <pc:sldMkLst>
+          <pc:docMk/>
+          <pc:sldMk cId="1659843495" sldId="268"/>
+        </pc:sldMkLst>
+        <pc:spChg chg="mod">
+          <ac:chgData name="Graf Thomas, SCS-INI-NET-VNC-E2E" userId="487bc3e3-9ce7-4cdd-b7b4-8899ea88d289" providerId="ADAL" clId="{4403439A-50EC-49D8-B7F6-3D7264685FDE}" dt="2025-07-10T05:56:49.046" v="141" actId="20577"/>
+          <ac:spMkLst>
+            <pc:docMk/>
+            <pc:sldMk cId="1659843495" sldId="268"/>
+            <ac:spMk id="113" creationId="{00000000-0000-0000-0000-000000000000}"/>
+          </ac:spMkLst>
+        </pc:spChg>
+        <pc:spChg chg="mod">
+          <ac:chgData name="Graf Thomas, SCS-INI-NET-VNC-E2E" userId="487bc3e3-9ce7-4cdd-b7b4-8899ea88d289" providerId="ADAL" clId="{4403439A-50EC-49D8-B7F6-3D7264685FDE}" dt="2025-07-10T06:00:34.413" v="207" actId="20577"/>
+          <ac:spMkLst>
+            <pc:docMk/>
+            <pc:sldMk cId="1659843495" sldId="268"/>
+            <ac:spMk id="114" creationId="{00000000-0000-0000-0000-000000000000}"/>
+          </ac:spMkLst>
+        </pc:spChg>
+      </pc:sldChg>
+      <pc:sldChg chg="modSp add mod">
+        <pc:chgData name="Graf Thomas, SCS-INI-NET-VNC-E2E" userId="487bc3e3-9ce7-4cdd-b7b4-8899ea88d289" providerId="ADAL" clId="{4403439A-50EC-49D8-B7F6-3D7264685FDE}" dt="2025-07-10T06:19:40.757" v="684" actId="20577"/>
+        <pc:sldMkLst>
+          <pc:docMk/>
+          <pc:sldMk cId="2128497270" sldId="269"/>
+        </pc:sldMkLst>
+        <pc:spChg chg="mod">
+          <ac:chgData name="Graf Thomas, SCS-INI-NET-VNC-E2E" userId="487bc3e3-9ce7-4cdd-b7b4-8899ea88d289" providerId="ADAL" clId="{4403439A-50EC-49D8-B7F6-3D7264685FDE}" dt="2025-07-10T06:19:40.757" v="684" actId="20577"/>
+          <ac:spMkLst>
+            <pc:docMk/>
+            <pc:sldMk cId="2128497270" sldId="269"/>
+            <ac:spMk id="3" creationId="{FED4E835-D652-159B-D0CD-7FC58A509645}"/>
+          </ac:spMkLst>
+        </pc:spChg>
+      </pc:sldChg>
+      <pc:sldChg chg="modSp add mod ord">
+        <pc:chgData name="Graf Thomas, SCS-INI-NET-VNC-E2E" userId="487bc3e3-9ce7-4cdd-b7b4-8899ea88d289" providerId="ADAL" clId="{4403439A-50EC-49D8-B7F6-3D7264685FDE}" dt="2025-07-10T06:23:26.507" v="750" actId="20577"/>
+        <pc:sldMkLst>
+          <pc:docMk/>
+          <pc:sldMk cId="2434865477" sldId="270"/>
+        </pc:sldMkLst>
+        <pc:spChg chg="mod">
+          <ac:chgData name="Graf Thomas, SCS-INI-NET-VNC-E2E" userId="487bc3e3-9ce7-4cdd-b7b4-8899ea88d289" providerId="ADAL" clId="{4403439A-50EC-49D8-B7F6-3D7264685FDE}" dt="2025-07-10T06:23:00.206" v="716" actId="20577"/>
+          <ac:spMkLst>
+            <pc:docMk/>
+            <pc:sldMk cId="2434865477" sldId="270"/>
+            <ac:spMk id="2" creationId="{0B9E15DC-F076-98D2-1BDF-BC01FEC9047B}"/>
+          </ac:spMkLst>
+        </pc:spChg>
+        <pc:spChg chg="mod">
+          <ac:chgData name="Graf Thomas, SCS-INI-NET-VNC-E2E" userId="487bc3e3-9ce7-4cdd-b7b4-8899ea88d289" providerId="ADAL" clId="{4403439A-50EC-49D8-B7F6-3D7264685FDE}" dt="2025-07-10T06:23:26.507" v="750" actId="20577"/>
+          <ac:spMkLst>
+            <pc:docMk/>
+            <pc:sldMk cId="2434865477" sldId="270"/>
+            <ac:spMk id="3" creationId="{DA4A6F5D-9442-B583-BAB9-5A102B90EC22}"/>
           </ac:spMkLst>
         </pc:spChg>
       </pc:sldChg>
@@ -1059,6 +1145,250 @@
 </p:notes>
 </file>
 
+<file path=ppt/notesSlides/notesSlide10.xml><?xml version="1.0" encoding="utf-8"?>
+<p:notes xmlns:a="http://schemas.openxmlformats.org/drawingml/2006/main" xmlns:r="http://schemas.openxmlformats.org/officeDocument/2006/relationships" xmlns:p="http://schemas.openxmlformats.org/presentationml/2006/main">
+  <p:cSld>
+    <p:spTree>
+      <p:nvGrpSpPr>
+        <p:cNvPr id="1" name=""/>
+        <p:cNvGrpSpPr/>
+        <p:nvPr/>
+      </p:nvGrpSpPr>
+      <p:grpSpPr>
+        <a:xfrm>
+          <a:off x="0" y="0"/>
+          <a:ext cx="0" cy="0"/>
+          <a:chOff x="0" y="0"/>
+          <a:chExt cx="0" cy="0"/>
+        </a:xfrm>
+      </p:grpSpPr>
+      <p:sp>
+        <p:nvSpPr>
+          <p:cNvPr id="2" name="Slide Image Placeholder 1"/>
+          <p:cNvSpPr>
+            <a:spLocks noGrp="1" noRot="1" noChangeAspect="1"/>
+          </p:cNvSpPr>
+          <p:nvPr>
+            <p:ph type="sldImg"/>
+          </p:nvPr>
+        </p:nvSpPr>
+        <p:spPr>
+          <a:xfrm>
+            <a:off x="381000" y="685800"/>
+            <a:ext cx="6096000" cy="3429000"/>
+          </a:xfrm>
+        </p:spPr>
+      </p:sp>
+      <p:sp>
+        <p:nvSpPr>
+          <p:cNvPr id="3" name="Notes Placeholder 2"/>
+          <p:cNvSpPr>
+            <a:spLocks noGrp="1"/>
+          </p:cNvSpPr>
+          <p:nvPr>
+            <p:ph type="body" idx="1"/>
+          </p:nvPr>
+        </p:nvSpPr>
+        <p:spPr/>
+        <p:txBody>
+          <a:bodyPr/>
+          <a:lstStyle/>
+          <a:p>
+            <a:endParaRPr lang="en-US" dirty="0"/>
+          </a:p>
+        </p:txBody>
+      </p:sp>
+    </p:spTree>
+    <p:extLst>
+      <p:ext uri="{BB962C8B-B14F-4D97-AF65-F5344CB8AC3E}">
+        <p14:creationId xmlns:p14="http://schemas.microsoft.com/office/powerpoint/2010/main" val="708108404"/>
+      </p:ext>
+    </p:extLst>
+  </p:cSld>
+  <p:clrMapOvr>
+    <a:masterClrMapping/>
+  </p:clrMapOvr>
+</p:notes>
+</file>
+
+<file path=ppt/notesSlides/notesSlide11.xml><?xml version="1.0" encoding="utf-8"?>
+<p:notes xmlns:a="http://schemas.openxmlformats.org/drawingml/2006/main" xmlns:r="http://schemas.openxmlformats.org/officeDocument/2006/relationships" xmlns:p="http://schemas.openxmlformats.org/presentationml/2006/main">
+  <p:cSld>
+    <p:spTree>
+      <p:nvGrpSpPr>
+        <p:cNvPr id="1" name=""/>
+        <p:cNvGrpSpPr/>
+        <p:nvPr/>
+      </p:nvGrpSpPr>
+      <p:grpSpPr>
+        <a:xfrm>
+          <a:off x="0" y="0"/>
+          <a:ext cx="0" cy="0"/>
+          <a:chOff x="0" y="0"/>
+          <a:chExt cx="0" cy="0"/>
+        </a:xfrm>
+      </p:grpSpPr>
+      <p:sp>
+        <p:nvSpPr>
+          <p:cNvPr id="2" name="Slide Image Placeholder 1"/>
+          <p:cNvSpPr>
+            <a:spLocks noGrp="1" noRot="1" noChangeAspect="1"/>
+          </p:cNvSpPr>
+          <p:nvPr>
+            <p:ph type="sldImg"/>
+          </p:nvPr>
+        </p:nvSpPr>
+        <p:spPr>
+          <a:xfrm>
+            <a:off x="381000" y="685800"/>
+            <a:ext cx="6096000" cy="3429000"/>
+          </a:xfrm>
+        </p:spPr>
+      </p:sp>
+      <p:sp>
+        <p:nvSpPr>
+          <p:cNvPr id="3" name="Notes Placeholder 2"/>
+          <p:cNvSpPr>
+            <a:spLocks noGrp="1"/>
+          </p:cNvSpPr>
+          <p:nvPr>
+            <p:ph type="body" idx="1"/>
+          </p:nvPr>
+        </p:nvSpPr>
+        <p:spPr/>
+        <p:txBody>
+          <a:bodyPr/>
+          <a:lstStyle/>
+          <a:p>
+            <a:endParaRPr lang="en-US" dirty="0"/>
+          </a:p>
+        </p:txBody>
+      </p:sp>
+    </p:spTree>
+    <p:extLst>
+      <p:ext uri="{BB962C8B-B14F-4D97-AF65-F5344CB8AC3E}">
+        <p14:creationId xmlns:p14="http://schemas.microsoft.com/office/powerpoint/2010/main" val="2444723583"/>
+      </p:ext>
+    </p:extLst>
+  </p:cSld>
+  <p:clrMapOvr>
+    <a:masterClrMapping/>
+  </p:clrMapOvr>
+</p:notes>
+</file>
+
+<file path=ppt/notesSlides/notesSlide12.xml><?xml version="1.0" encoding="utf-8"?>
+<p:notes xmlns:a="http://schemas.openxmlformats.org/drawingml/2006/main" xmlns:r="http://schemas.openxmlformats.org/officeDocument/2006/relationships" xmlns:p="http://schemas.openxmlformats.org/presentationml/2006/main" showMasterSp="0" showMasterPhAnim="0">
+  <p:cSld>
+    <p:spTree>
+      <p:nvGrpSpPr>
+        <p:cNvPr id="1" name="Shape 124"/>
+        <p:cNvGrpSpPr/>
+        <p:nvPr/>
+      </p:nvGrpSpPr>
+      <p:grpSpPr>
+        <a:xfrm>
+          <a:off x="0" y="0"/>
+          <a:ext cx="0" cy="0"/>
+          <a:chOff x="0" y="0"/>
+          <a:chExt cx="0" cy="0"/>
+        </a:xfrm>
+      </p:grpSpPr>
+      <p:sp>
+        <p:nvSpPr>
+          <p:cNvPr id="125" name="Google Shape;125;g71a2a6c778_0_2:notes"/>
+          <p:cNvSpPr>
+            <a:spLocks noGrp="1" noRot="1" noChangeAspect="1"/>
+          </p:cNvSpPr>
+          <p:nvPr>
+            <p:ph type="sldImg" idx="2"/>
+          </p:nvPr>
+        </p:nvSpPr>
+        <p:spPr>
+          <a:xfrm>
+            <a:off x="381000" y="685800"/>
+            <a:ext cx="6096000" cy="3429000"/>
+          </a:xfrm>
+          <a:custGeom>
+            <a:avLst/>
+            <a:gdLst/>
+            <a:ahLst/>
+            <a:cxnLst/>
+            <a:rect l="l" t="t" r="r" b="b"/>
+            <a:pathLst>
+              <a:path w="120000" h="120000" extrusionOk="0">
+                <a:moveTo>
+                  <a:pt x="0" y="0"/>
+                </a:moveTo>
+                <a:lnTo>
+                  <a:pt x="120000" y="0"/>
+                </a:lnTo>
+                <a:lnTo>
+                  <a:pt x="120000" y="120000"/>
+                </a:lnTo>
+                <a:lnTo>
+                  <a:pt x="0" y="120000"/>
+                </a:lnTo>
+                <a:close/>
+              </a:path>
+            </a:pathLst>
+          </a:custGeom>
+          <a:noFill/>
+          <a:ln>
+            <a:noFill/>
+          </a:ln>
+        </p:spPr>
+      </p:sp>
+      <p:sp>
+        <p:nvSpPr>
+          <p:cNvPr id="126" name="Google Shape;126;g71a2a6c778_0_2:notes"/>
+          <p:cNvSpPr txBox="1">
+            <a:spLocks noGrp="1"/>
+          </p:cNvSpPr>
+          <p:nvPr>
+            <p:ph type="body" idx="1"/>
+          </p:nvPr>
+        </p:nvSpPr>
+        <p:spPr>
+          <a:xfrm>
+            <a:off x="914400" y="4343400"/>
+            <a:ext cx="5029200" cy="4114800"/>
+          </a:xfrm>
+          <a:prstGeom prst="rect">
+            <a:avLst/>
+          </a:prstGeom>
+          <a:noFill/>
+          <a:ln>
+            <a:noFill/>
+          </a:ln>
+        </p:spPr>
+        <p:txBody>
+          <a:bodyPr spcFirstLastPara="1" wrap="square" lIns="91425" tIns="45700" rIns="91425" bIns="45700" anchor="t" anchorCtr="0">
+            <a:noAutofit/>
+          </a:bodyPr>
+          <a:lstStyle/>
+          <a:p>
+            <a:pPr marL="0" lvl="0" indent="0" algn="l" rtl="0">
+              <a:spcBef>
+                <a:spcPts val="0"/>
+              </a:spcBef>
+              <a:spcAft>
+                <a:spcPts val="0"/>
+              </a:spcAft>
+              <a:buNone/>
+            </a:pPr>
+            <a:endParaRPr/>
+          </a:p>
+        </p:txBody>
+      </p:sp>
+    </p:spTree>
+  </p:cSld>
+  <p:clrMapOvr>
+    <a:masterClrMapping/>
+  </p:clrMapOvr>
+</p:notes>
+</file>
+
 <file path=ppt/notesSlides/notesSlide2.xml><?xml version="1.0" encoding="utf-8"?>
 <p:notes xmlns:a="http://schemas.openxmlformats.org/drawingml/2006/main" xmlns:r="http://schemas.openxmlformats.org/officeDocument/2006/relationships" xmlns:p="http://schemas.openxmlformats.org/presentationml/2006/main" showMasterSp="0" showMasterPhAnim="0">
   <p:cSld>
@@ -1826,6 +2156,184 @@
   <p:cSld>
     <p:spTree>
       <p:nvGrpSpPr>
+        <p:cNvPr id="1" name="Shape 115"/>
+        <p:cNvGrpSpPr/>
+        <p:nvPr/>
+      </p:nvGrpSpPr>
+      <p:grpSpPr>
+        <a:xfrm>
+          <a:off x="0" y="0"/>
+          <a:ext cx="0" cy="0"/>
+          <a:chOff x="0" y="0"/>
+          <a:chExt cx="0" cy="0"/>
+        </a:xfrm>
+      </p:grpSpPr>
+      <p:sp>
+        <p:nvSpPr>
+          <p:cNvPr id="116" name="Google Shape;116;ga9a795ffbb_0_0:notes"/>
+          <p:cNvSpPr>
+            <a:spLocks noGrp="1" noRot="1" noChangeAspect="1"/>
+          </p:cNvSpPr>
+          <p:nvPr>
+            <p:ph type="sldImg" idx="2"/>
+          </p:nvPr>
+        </p:nvSpPr>
+        <p:spPr>
+          <a:xfrm>
+            <a:off x="381000" y="685800"/>
+            <a:ext cx="6096000" cy="3429000"/>
+          </a:xfrm>
+          <a:custGeom>
+            <a:avLst/>
+            <a:gdLst/>
+            <a:ahLst/>
+            <a:cxnLst/>
+            <a:rect l="l" t="t" r="r" b="b"/>
+            <a:pathLst>
+              <a:path w="120000" h="120000" extrusionOk="0">
+                <a:moveTo>
+                  <a:pt x="0" y="0"/>
+                </a:moveTo>
+                <a:lnTo>
+                  <a:pt x="120000" y="0"/>
+                </a:lnTo>
+                <a:lnTo>
+                  <a:pt x="120000" y="120000"/>
+                </a:lnTo>
+                <a:lnTo>
+                  <a:pt x="0" y="120000"/>
+                </a:lnTo>
+                <a:close/>
+              </a:path>
+            </a:pathLst>
+          </a:custGeom>
+          <a:noFill/>
+          <a:ln>
+            <a:noFill/>
+          </a:ln>
+        </p:spPr>
+      </p:sp>
+      <p:sp>
+        <p:nvSpPr>
+          <p:cNvPr id="117" name="Google Shape;117;ga9a795ffbb_0_0:notes"/>
+          <p:cNvSpPr txBox="1">
+            <a:spLocks noGrp="1"/>
+          </p:cNvSpPr>
+          <p:nvPr>
+            <p:ph type="body" idx="1"/>
+          </p:nvPr>
+        </p:nvSpPr>
+        <p:spPr>
+          <a:xfrm>
+            <a:off x="914400" y="4343400"/>
+            <a:ext cx="5029200" cy="4114800"/>
+          </a:xfrm>
+          <a:prstGeom prst="rect">
+            <a:avLst/>
+          </a:prstGeom>
+          <a:noFill/>
+          <a:ln>
+            <a:noFill/>
+          </a:ln>
+        </p:spPr>
+        <p:txBody>
+          <a:bodyPr spcFirstLastPara="1" wrap="square" lIns="91425" tIns="45700" rIns="91425" bIns="45700" anchor="t" anchorCtr="0">
+            <a:noAutofit/>
+          </a:bodyPr>
+          <a:lstStyle/>
+          <a:p>
+            <a:pPr marL="0" lvl="0" indent="0" algn="l" rtl="0">
+              <a:spcBef>
+                <a:spcPts val="0"/>
+              </a:spcBef>
+              <a:spcAft>
+                <a:spcPts val="0"/>
+              </a:spcAft>
+              <a:buNone/>
+            </a:pPr>
+            <a:endParaRPr/>
+          </a:p>
+        </p:txBody>
+      </p:sp>
+    </p:spTree>
+  </p:cSld>
+  <p:clrMapOvr>
+    <a:masterClrMapping/>
+  </p:clrMapOvr>
+</p:notes>
+</file>
+
+<file path=ppt/notesSlides/notesSlide5.xml><?xml version="1.0" encoding="utf-8"?>
+<p:notes xmlns:a="http://schemas.openxmlformats.org/drawingml/2006/main" xmlns:r="http://schemas.openxmlformats.org/officeDocument/2006/relationships" xmlns:p="http://schemas.openxmlformats.org/presentationml/2006/main">
+  <p:cSld>
+    <p:spTree>
+      <p:nvGrpSpPr>
+        <p:cNvPr id="1" name=""/>
+        <p:cNvGrpSpPr/>
+        <p:nvPr/>
+      </p:nvGrpSpPr>
+      <p:grpSpPr>
+        <a:xfrm>
+          <a:off x="0" y="0"/>
+          <a:ext cx="0" cy="0"/>
+          <a:chOff x="0" y="0"/>
+          <a:chExt cx="0" cy="0"/>
+        </a:xfrm>
+      </p:grpSpPr>
+      <p:sp>
+        <p:nvSpPr>
+          <p:cNvPr id="2" name="Slide Image Placeholder 1"/>
+          <p:cNvSpPr>
+            <a:spLocks noGrp="1" noRot="1" noChangeAspect="1"/>
+          </p:cNvSpPr>
+          <p:nvPr>
+            <p:ph type="sldImg"/>
+          </p:nvPr>
+        </p:nvSpPr>
+        <p:spPr>
+          <a:xfrm>
+            <a:off x="381000" y="685800"/>
+            <a:ext cx="6096000" cy="3429000"/>
+          </a:xfrm>
+        </p:spPr>
+      </p:sp>
+      <p:sp>
+        <p:nvSpPr>
+          <p:cNvPr id="3" name="Notes Placeholder 2"/>
+          <p:cNvSpPr>
+            <a:spLocks noGrp="1"/>
+          </p:cNvSpPr>
+          <p:nvPr>
+            <p:ph type="body" idx="1"/>
+          </p:nvPr>
+        </p:nvSpPr>
+        <p:spPr/>
+        <p:txBody>
+          <a:bodyPr/>
+          <a:lstStyle/>
+          <a:p>
+            <a:endParaRPr lang="en-US" dirty="0"/>
+          </a:p>
+        </p:txBody>
+      </p:sp>
+    </p:spTree>
+    <p:extLst>
+      <p:ext uri="{BB962C8B-B14F-4D97-AF65-F5344CB8AC3E}">
+        <p14:creationId xmlns:p14="http://schemas.microsoft.com/office/powerpoint/2010/main" val="2202304697"/>
+      </p:ext>
+    </p:extLst>
+  </p:cSld>
+  <p:clrMapOvr>
+    <a:masterClrMapping/>
+  </p:clrMapOvr>
+</p:notes>
+</file>
+
+<file path=ppt/notesSlides/notesSlide6.xml><?xml version="1.0" encoding="utf-8"?>
+<p:notes xmlns:a="http://schemas.openxmlformats.org/drawingml/2006/main" xmlns:r="http://schemas.openxmlformats.org/officeDocument/2006/relationships" xmlns:p="http://schemas.openxmlformats.org/presentationml/2006/main" showMasterSp="0" showMasterPhAnim="0">
+  <p:cSld>
+    <p:spTree>
+      <p:nvGrpSpPr>
         <p:cNvPr id="1" name="Shape 109"/>
         <p:cNvGrpSpPr/>
         <p:nvPr/>
@@ -1934,7 +2442,7 @@
     </p:spTree>
     <p:extLst>
       <p:ext uri="{BB962C8B-B14F-4D97-AF65-F5344CB8AC3E}">
-        <p14:creationId xmlns:p14="http://schemas.microsoft.com/office/powerpoint/2010/main" val="2480220569"/>
+        <p14:creationId xmlns:p14="http://schemas.microsoft.com/office/powerpoint/2010/main" val="3055337792"/>
       </p:ext>
     </p:extLst>
   </p:cSld>
@@ -1944,12 +2452,12 @@
 </p:notes>
 </file>
 
-<file path=ppt/notesSlides/notesSlide5.xml><?xml version="1.0" encoding="utf-8"?>
+<file path=ppt/notesSlides/notesSlide7.xml><?xml version="1.0" encoding="utf-8"?>
 <p:notes xmlns:a="http://schemas.openxmlformats.org/drawingml/2006/main" xmlns:r="http://schemas.openxmlformats.org/officeDocument/2006/relationships" xmlns:p="http://schemas.openxmlformats.org/presentationml/2006/main" showMasterSp="0" showMasterPhAnim="0">
   <p:cSld>
     <p:spTree>
       <p:nvGrpSpPr>
-        <p:cNvPr id="1" name="Shape 115"/>
+        <p:cNvPr id="1" name="Shape 109"/>
         <p:cNvGrpSpPr/>
         <p:nvPr/>
       </p:nvGrpSpPr>
@@ -1963,7 +2471,7 @@
       </p:grpSpPr>
       <p:sp>
         <p:nvSpPr>
-          <p:cNvPr id="116" name="Google Shape;116;ga9a795ffbb_0_0:notes"/>
+          <p:cNvPr id="110" name="Google Shape;110;g232da09745f_0_0:notes"/>
           <p:cNvSpPr>
             <a:spLocks noGrp="1" noRot="1" noChangeAspect="1"/>
           </p:cNvSpPr>
@@ -2001,14 +2509,20 @@
             </a:pathLst>
           </a:custGeom>
           <a:noFill/>
-          <a:ln>
-            <a:noFill/>
+          <a:ln w="9525" cap="flat" cmpd="sng">
+            <a:solidFill>
+              <a:srgbClr val="000000"/>
+            </a:solidFill>
+            <a:prstDash val="solid"/>
+            <a:round/>
+            <a:headEnd type="none" w="sm" len="sm"/>
+            <a:tailEnd type="none" w="sm" len="sm"/>
           </a:ln>
         </p:spPr>
       </p:sp>
       <p:sp>
         <p:nvSpPr>
-          <p:cNvPr id="117" name="Google Shape;117;ga9a795ffbb_0_0:notes"/>
+          <p:cNvPr id="111" name="Google Shape;111;g232da09745f_0_0:notes"/>
           <p:cNvSpPr txBox="1">
             <a:spLocks noGrp="1"/>
           </p:cNvSpPr>
@@ -2018,8 +2532,8 @@
         </p:nvSpPr>
         <p:spPr>
           <a:xfrm>
-            <a:off x="914400" y="4343400"/>
-            <a:ext cx="5029200" cy="4114800"/>
+            <a:off x="685800" y="4343400"/>
+            <a:ext cx="5486400" cy="4114800"/>
           </a:xfrm>
           <a:prstGeom prst="rect">
             <a:avLst/>
@@ -2030,7 +2544,7 @@
           </a:ln>
         </p:spPr>
         <p:txBody>
-          <a:bodyPr spcFirstLastPara="1" wrap="square" lIns="91425" tIns="45700" rIns="91425" bIns="45700" anchor="t" anchorCtr="0">
+          <a:bodyPr spcFirstLastPara="1" wrap="square" lIns="91425" tIns="91425" rIns="91425" bIns="91425" anchor="t" anchorCtr="0">
             <a:noAutofit/>
           </a:bodyPr>
           <a:lstStyle/>
@@ -2049,6 +2563,11 @@
         </p:txBody>
       </p:sp>
     </p:spTree>
+    <p:extLst>
+      <p:ext uri="{BB962C8B-B14F-4D97-AF65-F5344CB8AC3E}">
+        <p14:creationId xmlns:p14="http://schemas.microsoft.com/office/powerpoint/2010/main" val="2480220569"/>
+      </p:ext>
+    </p:extLst>
   </p:cSld>
   <p:clrMapOvr>
     <a:masterClrMapping/>
@@ -2056,7 +2575,7 @@
 </p:notes>
 </file>
 
-<file path=ppt/notesSlides/notesSlide6.xml><?xml version="1.0" encoding="utf-8"?>
+<file path=ppt/notesSlides/notesSlide8.xml><?xml version="1.0" encoding="utf-8"?>
 <p:notes xmlns:a="http://schemas.openxmlformats.org/drawingml/2006/main" xmlns:r="http://schemas.openxmlformats.org/officeDocument/2006/relationships" xmlns:p="http://schemas.openxmlformats.org/presentationml/2006/main">
   <p:cSld>
     <p:spTree>
@@ -2122,7 +2641,7 @@
 </p:notes>
 </file>
 
-<file path=ppt/notesSlides/notesSlide7.xml><?xml version="1.0" encoding="utf-8"?>
+<file path=ppt/notesSlides/notesSlide9.xml><?xml version="1.0" encoding="utf-8"?>
 <p:notes xmlns:a="http://schemas.openxmlformats.org/drawingml/2006/main" xmlns:r="http://schemas.openxmlformats.org/officeDocument/2006/relationships" xmlns:p="http://schemas.openxmlformats.org/presentationml/2006/main">
   <p:cSld>
     <p:spTree>
@@ -2181,184 +2700,6 @@
         <p14:creationId xmlns:p14="http://schemas.microsoft.com/office/powerpoint/2010/main" val="653003301"/>
       </p:ext>
     </p:extLst>
-  </p:cSld>
-  <p:clrMapOvr>
-    <a:masterClrMapping/>
-  </p:clrMapOvr>
-</p:notes>
-</file>
-
-<file path=ppt/notesSlides/notesSlide8.xml><?xml version="1.0" encoding="utf-8"?>
-<p:notes xmlns:a="http://schemas.openxmlformats.org/drawingml/2006/main" xmlns:r="http://schemas.openxmlformats.org/officeDocument/2006/relationships" xmlns:p="http://schemas.openxmlformats.org/presentationml/2006/main">
-  <p:cSld>
-    <p:spTree>
-      <p:nvGrpSpPr>
-        <p:cNvPr id="1" name=""/>
-        <p:cNvGrpSpPr/>
-        <p:nvPr/>
-      </p:nvGrpSpPr>
-      <p:grpSpPr>
-        <a:xfrm>
-          <a:off x="0" y="0"/>
-          <a:ext cx="0" cy="0"/>
-          <a:chOff x="0" y="0"/>
-          <a:chExt cx="0" cy="0"/>
-        </a:xfrm>
-      </p:grpSpPr>
-      <p:sp>
-        <p:nvSpPr>
-          <p:cNvPr id="2" name="Slide Image Placeholder 1"/>
-          <p:cNvSpPr>
-            <a:spLocks noGrp="1" noRot="1" noChangeAspect="1"/>
-          </p:cNvSpPr>
-          <p:nvPr>
-            <p:ph type="sldImg"/>
-          </p:nvPr>
-        </p:nvSpPr>
-        <p:spPr>
-          <a:xfrm>
-            <a:off x="381000" y="685800"/>
-            <a:ext cx="6096000" cy="3429000"/>
-          </a:xfrm>
-        </p:spPr>
-      </p:sp>
-      <p:sp>
-        <p:nvSpPr>
-          <p:cNvPr id="3" name="Notes Placeholder 2"/>
-          <p:cNvSpPr>
-            <a:spLocks noGrp="1"/>
-          </p:cNvSpPr>
-          <p:nvPr>
-            <p:ph type="body" idx="1"/>
-          </p:nvPr>
-        </p:nvSpPr>
-        <p:spPr/>
-        <p:txBody>
-          <a:bodyPr/>
-          <a:lstStyle/>
-          <a:p>
-            <a:endParaRPr lang="en-US" dirty="0"/>
-          </a:p>
-        </p:txBody>
-      </p:sp>
-    </p:spTree>
-    <p:extLst>
-      <p:ext uri="{BB962C8B-B14F-4D97-AF65-F5344CB8AC3E}">
-        <p14:creationId xmlns:p14="http://schemas.microsoft.com/office/powerpoint/2010/main" val="708108404"/>
-      </p:ext>
-    </p:extLst>
-  </p:cSld>
-  <p:clrMapOvr>
-    <a:masterClrMapping/>
-  </p:clrMapOvr>
-</p:notes>
-</file>
-
-<file path=ppt/notesSlides/notesSlide9.xml><?xml version="1.0" encoding="utf-8"?>
-<p:notes xmlns:a="http://schemas.openxmlformats.org/drawingml/2006/main" xmlns:r="http://schemas.openxmlformats.org/officeDocument/2006/relationships" xmlns:p="http://schemas.openxmlformats.org/presentationml/2006/main" showMasterSp="0" showMasterPhAnim="0">
-  <p:cSld>
-    <p:spTree>
-      <p:nvGrpSpPr>
-        <p:cNvPr id="1" name="Shape 124"/>
-        <p:cNvGrpSpPr/>
-        <p:nvPr/>
-      </p:nvGrpSpPr>
-      <p:grpSpPr>
-        <a:xfrm>
-          <a:off x="0" y="0"/>
-          <a:ext cx="0" cy="0"/>
-          <a:chOff x="0" y="0"/>
-          <a:chExt cx="0" cy="0"/>
-        </a:xfrm>
-      </p:grpSpPr>
-      <p:sp>
-        <p:nvSpPr>
-          <p:cNvPr id="125" name="Google Shape;125;g71a2a6c778_0_2:notes"/>
-          <p:cNvSpPr>
-            <a:spLocks noGrp="1" noRot="1" noChangeAspect="1"/>
-          </p:cNvSpPr>
-          <p:nvPr>
-            <p:ph type="sldImg" idx="2"/>
-          </p:nvPr>
-        </p:nvSpPr>
-        <p:spPr>
-          <a:xfrm>
-            <a:off x="381000" y="685800"/>
-            <a:ext cx="6096000" cy="3429000"/>
-          </a:xfrm>
-          <a:custGeom>
-            <a:avLst/>
-            <a:gdLst/>
-            <a:ahLst/>
-            <a:cxnLst/>
-            <a:rect l="l" t="t" r="r" b="b"/>
-            <a:pathLst>
-              <a:path w="120000" h="120000" extrusionOk="0">
-                <a:moveTo>
-                  <a:pt x="0" y="0"/>
-                </a:moveTo>
-                <a:lnTo>
-                  <a:pt x="120000" y="0"/>
-                </a:lnTo>
-                <a:lnTo>
-                  <a:pt x="120000" y="120000"/>
-                </a:lnTo>
-                <a:lnTo>
-                  <a:pt x="0" y="120000"/>
-                </a:lnTo>
-                <a:close/>
-              </a:path>
-            </a:pathLst>
-          </a:custGeom>
-          <a:noFill/>
-          <a:ln>
-            <a:noFill/>
-          </a:ln>
-        </p:spPr>
-      </p:sp>
-      <p:sp>
-        <p:nvSpPr>
-          <p:cNvPr id="126" name="Google Shape;126;g71a2a6c778_0_2:notes"/>
-          <p:cNvSpPr txBox="1">
-            <a:spLocks noGrp="1"/>
-          </p:cNvSpPr>
-          <p:nvPr>
-            <p:ph type="body" idx="1"/>
-          </p:nvPr>
-        </p:nvSpPr>
-        <p:spPr>
-          <a:xfrm>
-            <a:off x="914400" y="4343400"/>
-            <a:ext cx="5029200" cy="4114800"/>
-          </a:xfrm>
-          <a:prstGeom prst="rect">
-            <a:avLst/>
-          </a:prstGeom>
-          <a:noFill/>
-          <a:ln>
-            <a:noFill/>
-          </a:ln>
-        </p:spPr>
-        <p:txBody>
-          <a:bodyPr spcFirstLastPara="1" wrap="square" lIns="91425" tIns="45700" rIns="91425" bIns="45700" anchor="t" anchorCtr="0">
-            <a:noAutofit/>
-          </a:bodyPr>
-          <a:lstStyle/>
-          <a:p>
-            <a:pPr marL="0" lvl="0" indent="0" algn="l" rtl="0">
-              <a:spcBef>
-                <a:spcPts val="0"/>
-              </a:spcBef>
-              <a:spcAft>
-                <a:spcPts val="0"/>
-              </a:spcAft>
-              <a:buNone/>
-            </a:pPr>
-            <a:endParaRPr/>
-          </a:p>
-        </p:txBody>
-      </p:sp>
-    </p:spTree>
   </p:cSld>
   <p:clrMapOvr>
     <a:masterClrMapping/>
@@ -18539,6 +18880,914 @@
 </file>
 
 <file path=ppt/slides/slide10.xml><?xml version="1.0" encoding="utf-8"?>
+<p:sld xmlns:a="http://schemas.openxmlformats.org/drawingml/2006/main" xmlns:r="http://schemas.openxmlformats.org/officeDocument/2006/relationships" xmlns:p="http://schemas.openxmlformats.org/presentationml/2006/main">
+  <p:cSld>
+    <p:spTree>
+      <p:nvGrpSpPr>
+        <p:cNvPr id="1" name=""/>
+        <p:cNvGrpSpPr/>
+        <p:nvPr/>
+      </p:nvGrpSpPr>
+      <p:grpSpPr>
+        <a:xfrm>
+          <a:off x="0" y="0"/>
+          <a:ext cx="0" cy="0"/>
+          <a:chOff x="0" y="0"/>
+          <a:chExt cx="0" cy="0"/>
+        </a:xfrm>
+      </p:grpSpPr>
+      <p:sp>
+        <p:nvSpPr>
+          <p:cNvPr id="2" name="Title 1">
+            <a:extLst>
+              <a:ext uri="{FF2B5EF4-FFF2-40B4-BE49-F238E27FC236}">
+                <a16:creationId xmlns:a16="http://schemas.microsoft.com/office/drawing/2014/main" id="{0B9E15DC-F076-98D2-1BDF-BC01FEC9047B}"/>
+              </a:ext>
+            </a:extLst>
+          </p:cNvPr>
+          <p:cNvSpPr>
+            <a:spLocks noGrp="1"/>
+          </p:cNvSpPr>
+          <p:nvPr>
+            <p:ph type="title"/>
+          </p:nvPr>
+        </p:nvSpPr>
+        <p:spPr/>
+        <p:txBody>
+          <a:bodyPr anchor="ctr"/>
+          <a:lstStyle/>
+          <a:p>
+            <a:r>
+              <a:rPr lang="en-US" dirty="0"/>
+              <a:t>Agenda</a:t>
+            </a:r>
+            <a:r>
+              <a:rPr lang="en-001" dirty="0"/>
+              <a:t> – </a:t>
+            </a:r>
+            <a:r>
+              <a:rPr lang="de-CH" dirty="0" err="1"/>
+              <a:t>Proposed</a:t>
+            </a:r>
+            <a:r>
+              <a:rPr lang="de-CH" dirty="0"/>
+              <a:t> Work</a:t>
+            </a:r>
+            <a:endParaRPr lang="en-US" dirty="0"/>
+          </a:p>
+        </p:txBody>
+      </p:sp>
+      <p:sp>
+        <p:nvSpPr>
+          <p:cNvPr id="4" name="Slide Number Placeholder 3">
+            <a:extLst>
+              <a:ext uri="{FF2B5EF4-FFF2-40B4-BE49-F238E27FC236}">
+                <a16:creationId xmlns:a16="http://schemas.microsoft.com/office/drawing/2014/main" id="{D216BDC7-4DE9-D9D5-0725-BBEF6CFE8DF1}"/>
+              </a:ext>
+            </a:extLst>
+          </p:cNvPr>
+          <p:cNvSpPr>
+            <a:spLocks noGrp="1"/>
+          </p:cNvSpPr>
+          <p:nvPr>
+            <p:ph type="sldNum" idx="12"/>
+          </p:nvPr>
+        </p:nvSpPr>
+        <p:spPr/>
+        <p:txBody>
+          <a:bodyPr/>
+          <a:lstStyle/>
+          <a:p>
+            <a:pPr marL="0" lvl="0" indent="0" algn="r" rtl="0">
+              <a:spcBef>
+                <a:spcPts val="0"/>
+              </a:spcBef>
+              <a:spcAft>
+                <a:spcPts val="0"/>
+              </a:spcAft>
+              <a:buNone/>
+            </a:pPr>
+            <a:fld id="{00000000-1234-1234-1234-123412341234}" type="slidenum">
+              <a:rPr lang="en-US" smtClean="0"/>
+              <a:t>10</a:t>
+            </a:fld>
+            <a:endParaRPr lang="en-US"/>
+          </a:p>
+        </p:txBody>
+      </p:sp>
+      <p:sp>
+        <p:nvSpPr>
+          <p:cNvPr id="5" name="TextBox 4">
+            <a:extLst>
+              <a:ext uri="{FF2B5EF4-FFF2-40B4-BE49-F238E27FC236}">
+                <a16:creationId xmlns:a16="http://schemas.microsoft.com/office/drawing/2014/main" id="{4415A45C-D066-654C-3989-5671669230C8}"/>
+              </a:ext>
+            </a:extLst>
+          </p:cNvPr>
+          <p:cNvSpPr txBox="1"/>
+          <p:nvPr/>
+        </p:nvSpPr>
+        <p:spPr>
+          <a:xfrm>
+            <a:off x="1665297" y="3410195"/>
+            <a:ext cx="2657324" cy="246221"/>
+          </a:xfrm>
+          <a:prstGeom prst="rect">
+            <a:avLst/>
+          </a:prstGeom>
+          <a:noFill/>
+        </p:spPr>
+        <p:txBody>
+          <a:bodyPr wrap="square">
+            <a:spAutoFit/>
+          </a:bodyPr>
+          <a:lstStyle/>
+          <a:p>
+            <a:r>
+              <a:rPr lang="en-GB" sz="1000" dirty="0">
+                <a:solidFill>
+                  <a:schemeClr val="accent4"/>
+                </a:solidFill>
+                <a:latin typeface="Inter" panose="020B0604020202020204" charset="0"/>
+                <a:ea typeface="Inter" panose="020B0604020202020204" charset="0"/>
+              </a:rPr>
+              <a:t>draft-</a:t>
+            </a:r>
+            <a:r>
+              <a:rPr lang="en-GB" sz="1000" dirty="0" err="1">
+                <a:solidFill>
+                  <a:schemeClr val="accent4"/>
+                </a:solidFill>
+                <a:latin typeface="Inter" panose="020B0604020202020204" charset="0"/>
+                <a:ea typeface="Inter" panose="020B0604020202020204" charset="0"/>
+              </a:rPr>
+              <a:t>ietf</a:t>
+            </a:r>
+            <a:r>
+              <a:rPr lang="en-GB" sz="1000" dirty="0">
+                <a:solidFill>
+                  <a:schemeClr val="accent4"/>
+                </a:solidFill>
+                <a:latin typeface="Inter" panose="020B0604020202020204" charset="0"/>
+                <a:ea typeface="Inter" panose="020B0604020202020204" charset="0"/>
+              </a:rPr>
+              <a:t>-opsawg-</a:t>
+            </a:r>
+            <a:r>
+              <a:rPr lang="en-GB" sz="1000" dirty="0" err="1">
+                <a:solidFill>
+                  <a:schemeClr val="accent4"/>
+                </a:solidFill>
+                <a:latin typeface="Inter" panose="020B0604020202020204" charset="0"/>
+                <a:ea typeface="Inter" panose="020B0604020202020204" charset="0"/>
+              </a:rPr>
+              <a:t>oam</a:t>
+            </a:r>
+            <a:r>
+              <a:rPr lang="en-GB" sz="1000" dirty="0">
+                <a:solidFill>
+                  <a:schemeClr val="accent4"/>
+                </a:solidFill>
+                <a:latin typeface="Inter" panose="020B0604020202020204" charset="0"/>
+                <a:ea typeface="Inter" panose="020B0604020202020204" charset="0"/>
+              </a:rPr>
+              <a:t>-characterization</a:t>
+            </a:r>
+            <a:endParaRPr lang="de-CH" sz="1000" dirty="0">
+              <a:solidFill>
+                <a:schemeClr val="accent4"/>
+              </a:solidFill>
+              <a:latin typeface="Inter" panose="020B0604020202020204" charset="0"/>
+              <a:ea typeface="Inter" panose="020B0604020202020204" charset="0"/>
+            </a:endParaRPr>
+          </a:p>
+        </p:txBody>
+      </p:sp>
+      <p:sp>
+        <p:nvSpPr>
+          <p:cNvPr id="6" name="TextBox 5">
+            <a:extLst>
+              <a:ext uri="{FF2B5EF4-FFF2-40B4-BE49-F238E27FC236}">
+                <a16:creationId xmlns:a16="http://schemas.microsoft.com/office/drawing/2014/main" id="{56370054-45B6-FE84-EE9A-AAE2E1DB87A7}"/>
+              </a:ext>
+            </a:extLst>
+          </p:cNvPr>
+          <p:cNvSpPr txBox="1"/>
+          <p:nvPr/>
+        </p:nvSpPr>
+        <p:spPr>
+          <a:xfrm>
+            <a:off x="5431544" y="3410194"/>
+            <a:ext cx="939358" cy="246221"/>
+          </a:xfrm>
+          <a:prstGeom prst="rect">
+            <a:avLst/>
+          </a:prstGeom>
+          <a:noFill/>
+        </p:spPr>
+        <p:txBody>
+          <a:bodyPr wrap="square">
+            <a:spAutoFit/>
+          </a:bodyPr>
+          <a:lstStyle/>
+          <a:p>
+            <a:r>
+              <a:rPr lang="en-GB" sz="1000" dirty="0">
+                <a:solidFill>
+                  <a:schemeClr val="accent4"/>
+                </a:solidFill>
+                <a:latin typeface="Inter" panose="020B0604020202020204" charset="0"/>
+                <a:ea typeface="Inter" panose="020B0604020202020204" charset="0"/>
+              </a:rPr>
+              <a:t>T. Graf</a:t>
+            </a:r>
+            <a:endParaRPr lang="de-CH" sz="1000" dirty="0">
+              <a:solidFill>
+                <a:schemeClr val="accent4"/>
+              </a:solidFill>
+              <a:latin typeface="Inter" panose="020B0604020202020204" charset="0"/>
+              <a:ea typeface="Inter" panose="020B0604020202020204" charset="0"/>
+            </a:endParaRPr>
+          </a:p>
+        </p:txBody>
+      </p:sp>
+      <p:pic>
+        <p:nvPicPr>
+          <p:cNvPr id="10" name="Picture 9">
+            <a:extLst>
+              <a:ext uri="{FF2B5EF4-FFF2-40B4-BE49-F238E27FC236}">
+                <a16:creationId xmlns:a16="http://schemas.microsoft.com/office/drawing/2014/main" id="{2F01ACCD-F730-EE43-3E47-AC8C0118F619}"/>
+              </a:ext>
+            </a:extLst>
+          </p:cNvPr>
+          <p:cNvPicPr>
+            <a:picLocks noChangeAspect="1"/>
+          </p:cNvPicPr>
+          <p:nvPr/>
+        </p:nvPicPr>
+        <p:blipFill>
+          <a:blip r:embed="rId3"/>
+          <a:stretch>
+            <a:fillRect/>
+          </a:stretch>
+        </p:blipFill>
+        <p:spPr>
+          <a:xfrm>
+            <a:off x="471900" y="2362298"/>
+            <a:ext cx="7973538" cy="2095792"/>
+          </a:xfrm>
+          <a:prstGeom prst="rect">
+            <a:avLst/>
+          </a:prstGeom>
+        </p:spPr>
+      </p:pic>
+    </p:spTree>
+    <p:extLst>
+      <p:ext uri="{BB962C8B-B14F-4D97-AF65-F5344CB8AC3E}">
+        <p14:creationId xmlns:p14="http://schemas.microsoft.com/office/powerpoint/2010/main" val="703495152"/>
+      </p:ext>
+    </p:extLst>
+  </p:cSld>
+  <p:clrMapOvr>
+    <a:masterClrMapping/>
+  </p:clrMapOvr>
+</p:sld>
+</file>
+
+<file path=ppt/slides/slide11.xml><?xml version="1.0" encoding="utf-8"?>
+<p:sld xmlns:a="http://schemas.openxmlformats.org/drawingml/2006/main" xmlns:r="http://schemas.openxmlformats.org/officeDocument/2006/relationships" xmlns:p="http://schemas.openxmlformats.org/presentationml/2006/main">
+  <p:cSld>
+    <p:spTree>
+      <p:nvGrpSpPr>
+        <p:cNvPr id="1" name=""/>
+        <p:cNvGrpSpPr/>
+        <p:nvPr/>
+      </p:nvGrpSpPr>
+      <p:grpSpPr>
+        <a:xfrm>
+          <a:off x="0" y="0"/>
+          <a:ext cx="0" cy="0"/>
+          <a:chOff x="0" y="0"/>
+          <a:chExt cx="0" cy="0"/>
+        </a:xfrm>
+      </p:grpSpPr>
+      <p:sp>
+        <p:nvSpPr>
+          <p:cNvPr id="2" name="Title 1">
+            <a:extLst>
+              <a:ext uri="{FF2B5EF4-FFF2-40B4-BE49-F238E27FC236}">
+                <a16:creationId xmlns:a16="http://schemas.microsoft.com/office/drawing/2014/main" id="{0B9E15DC-F076-98D2-1BDF-BC01FEC9047B}"/>
+              </a:ext>
+            </a:extLst>
+          </p:cNvPr>
+          <p:cNvSpPr>
+            <a:spLocks noGrp="1"/>
+          </p:cNvSpPr>
+          <p:nvPr>
+            <p:ph type="title"/>
+          </p:nvPr>
+        </p:nvSpPr>
+        <p:spPr>
+          <a:xfrm>
+            <a:off x="471899" y="218223"/>
+            <a:ext cx="8395009" cy="1288203"/>
+          </a:xfrm>
+        </p:spPr>
+        <p:txBody>
+          <a:bodyPr anchor="ctr"/>
+          <a:lstStyle/>
+          <a:p>
+            <a:r>
+              <a:rPr lang="de-CH" sz="3200" dirty="0"/>
+              <a:t>BMWG </a:t>
+            </a:r>
+            <a:r>
+              <a:rPr lang="en-001" sz="3200" dirty="0"/>
+              <a:t>Document Updates Since IETF 12</a:t>
+            </a:r>
+            <a:r>
+              <a:rPr lang="de-CH" sz="3200" dirty="0"/>
+              <a:t>2</a:t>
+            </a:r>
+            <a:endParaRPr lang="en-US" sz="3200" dirty="0"/>
+          </a:p>
+        </p:txBody>
+      </p:sp>
+      <p:sp>
+        <p:nvSpPr>
+          <p:cNvPr id="4" name="Slide Number Placeholder 3">
+            <a:extLst>
+              <a:ext uri="{FF2B5EF4-FFF2-40B4-BE49-F238E27FC236}">
+                <a16:creationId xmlns:a16="http://schemas.microsoft.com/office/drawing/2014/main" id="{D216BDC7-4DE9-D9D5-0725-BBEF6CFE8DF1}"/>
+              </a:ext>
+            </a:extLst>
+          </p:cNvPr>
+          <p:cNvSpPr>
+            <a:spLocks noGrp="1"/>
+          </p:cNvSpPr>
+          <p:nvPr>
+            <p:ph type="sldNum" idx="12"/>
+          </p:nvPr>
+        </p:nvSpPr>
+        <p:spPr/>
+        <p:txBody>
+          <a:bodyPr/>
+          <a:lstStyle/>
+          <a:p>
+            <a:pPr marL="0" lvl="0" indent="0" algn="r" rtl="0">
+              <a:spcBef>
+                <a:spcPts val="0"/>
+              </a:spcBef>
+              <a:spcAft>
+                <a:spcPts val="0"/>
+              </a:spcAft>
+              <a:buNone/>
+            </a:pPr>
+            <a:fld id="{00000000-1234-1234-1234-123412341234}" type="slidenum">
+              <a:rPr lang="en-US" smtClean="0"/>
+              <a:t>11</a:t>
+            </a:fld>
+            <a:endParaRPr lang="en-US"/>
+          </a:p>
+        </p:txBody>
+      </p:sp>
+      <p:sp>
+        <p:nvSpPr>
+          <p:cNvPr id="3" name="Text Placeholder 2">
+            <a:extLst>
+              <a:ext uri="{FF2B5EF4-FFF2-40B4-BE49-F238E27FC236}">
+                <a16:creationId xmlns:a16="http://schemas.microsoft.com/office/drawing/2014/main" id="{FED4E835-D652-159B-D0CD-7FC58A509645}"/>
+              </a:ext>
+            </a:extLst>
+          </p:cNvPr>
+          <p:cNvSpPr>
+            <a:spLocks noGrp="1"/>
+          </p:cNvSpPr>
+          <p:nvPr>
+            <p:ph type="body" idx="1"/>
+          </p:nvPr>
+        </p:nvSpPr>
+        <p:spPr>
+          <a:xfrm>
+            <a:off x="471900" y="1919074"/>
+            <a:ext cx="8222100" cy="2710201"/>
+          </a:xfrm>
+        </p:spPr>
+        <p:txBody>
+          <a:bodyPr/>
+          <a:lstStyle/>
+          <a:p>
+            <a:r>
+              <a:rPr lang="de-CH" dirty="0"/>
+              <a:t>Text</a:t>
+            </a:r>
+            <a:endParaRPr lang="en-001" dirty="0"/>
+          </a:p>
+          <a:p>
+            <a:pPr lvl="1"/>
+            <a:r>
+              <a:rPr lang="de-CH" dirty="0"/>
+              <a:t>Text</a:t>
+            </a:r>
+            <a:endParaRPr lang="en-001" dirty="0"/>
+          </a:p>
+          <a:p>
+            <a:r>
+              <a:rPr lang="de-CH" dirty="0"/>
+              <a:t>Text</a:t>
+            </a:r>
+            <a:endParaRPr lang="en-001" dirty="0"/>
+          </a:p>
+          <a:p>
+            <a:pPr lvl="1"/>
+            <a:r>
+              <a:rPr lang="de-CH" dirty="0"/>
+              <a:t>Text</a:t>
+            </a:r>
+            <a:endParaRPr lang="en-001" dirty="0"/>
+          </a:p>
+          <a:p>
+            <a:r>
+              <a:rPr lang="de-CH" dirty="0"/>
+              <a:t>Text</a:t>
+            </a:r>
+            <a:endParaRPr lang="en-001" dirty="0"/>
+          </a:p>
+          <a:p>
+            <a:pPr lvl="1"/>
+            <a:r>
+              <a:rPr lang="de-CH" dirty="0"/>
+              <a:t>Text</a:t>
+            </a:r>
+            <a:endParaRPr lang="en-001" dirty="0"/>
+          </a:p>
+        </p:txBody>
+      </p:sp>
+    </p:spTree>
+    <p:extLst>
+      <p:ext uri="{BB962C8B-B14F-4D97-AF65-F5344CB8AC3E}">
+        <p14:creationId xmlns:p14="http://schemas.microsoft.com/office/powerpoint/2010/main" val="1372742302"/>
+      </p:ext>
+    </p:extLst>
+  </p:cSld>
+  <p:clrMapOvr>
+    <a:masterClrMapping/>
+  </p:clrMapOvr>
+</p:sld>
+</file>
+
+<file path=ppt/slides/slide12.xml><?xml version="1.0" encoding="utf-8"?>
+<p:sld xmlns:a="http://schemas.openxmlformats.org/drawingml/2006/main" xmlns:r="http://schemas.openxmlformats.org/officeDocument/2006/relationships" xmlns:p="http://schemas.openxmlformats.org/presentationml/2006/main">
+  <p:cSld>
+    <p:spTree>
+      <p:nvGrpSpPr>
+        <p:cNvPr id="1" name=""/>
+        <p:cNvGrpSpPr/>
+        <p:nvPr/>
+      </p:nvGrpSpPr>
+      <p:grpSpPr>
+        <a:xfrm>
+          <a:off x="0" y="0"/>
+          <a:ext cx="0" cy="0"/>
+          <a:chOff x="0" y="0"/>
+          <a:chExt cx="0" cy="0"/>
+        </a:xfrm>
+      </p:grpSpPr>
+      <p:sp>
+        <p:nvSpPr>
+          <p:cNvPr id="2" name="Title 1">
+            <a:extLst>
+              <a:ext uri="{FF2B5EF4-FFF2-40B4-BE49-F238E27FC236}">
+                <a16:creationId xmlns:a16="http://schemas.microsoft.com/office/drawing/2014/main" id="{0B9E15DC-F076-98D2-1BDF-BC01FEC9047B}"/>
+              </a:ext>
+            </a:extLst>
+          </p:cNvPr>
+          <p:cNvSpPr>
+            <a:spLocks noGrp="1"/>
+          </p:cNvSpPr>
+          <p:nvPr>
+            <p:ph type="title"/>
+          </p:nvPr>
+        </p:nvSpPr>
+        <p:spPr/>
+        <p:txBody>
+          <a:bodyPr anchor="ctr"/>
+          <a:lstStyle/>
+          <a:p>
+            <a:r>
+              <a:rPr lang="de-CH" sz="3200" dirty="0"/>
+              <a:t>IPPM </a:t>
+            </a:r>
+            <a:r>
+              <a:rPr lang="en-001" sz="3200" dirty="0"/>
+              <a:t>Document Updates Since IETF 12</a:t>
+            </a:r>
+            <a:r>
+              <a:rPr lang="de-CH" sz="3200" dirty="0"/>
+              <a:t>2</a:t>
+            </a:r>
+            <a:endParaRPr lang="en-US" sz="3200" dirty="0"/>
+          </a:p>
+        </p:txBody>
+      </p:sp>
+      <p:sp>
+        <p:nvSpPr>
+          <p:cNvPr id="4" name="Slide Number Placeholder 3">
+            <a:extLst>
+              <a:ext uri="{FF2B5EF4-FFF2-40B4-BE49-F238E27FC236}">
+                <a16:creationId xmlns:a16="http://schemas.microsoft.com/office/drawing/2014/main" id="{D216BDC7-4DE9-D9D5-0725-BBEF6CFE8DF1}"/>
+              </a:ext>
+            </a:extLst>
+          </p:cNvPr>
+          <p:cNvSpPr>
+            <a:spLocks noGrp="1"/>
+          </p:cNvSpPr>
+          <p:nvPr>
+            <p:ph type="sldNum" idx="12"/>
+          </p:nvPr>
+        </p:nvSpPr>
+        <p:spPr/>
+        <p:txBody>
+          <a:bodyPr/>
+          <a:lstStyle/>
+          <a:p>
+            <a:pPr marL="0" lvl="0" indent="0" algn="r" rtl="0">
+              <a:spcBef>
+                <a:spcPts val="0"/>
+              </a:spcBef>
+              <a:spcAft>
+                <a:spcPts val="0"/>
+              </a:spcAft>
+              <a:buNone/>
+            </a:pPr>
+            <a:fld id="{00000000-1234-1234-1234-123412341234}" type="slidenum">
+              <a:rPr lang="en-US" smtClean="0"/>
+              <a:t>12</a:t>
+            </a:fld>
+            <a:endParaRPr lang="en-US"/>
+          </a:p>
+        </p:txBody>
+      </p:sp>
+      <p:sp>
+        <p:nvSpPr>
+          <p:cNvPr id="3" name="Text Placeholder 2">
+            <a:extLst>
+              <a:ext uri="{FF2B5EF4-FFF2-40B4-BE49-F238E27FC236}">
+                <a16:creationId xmlns:a16="http://schemas.microsoft.com/office/drawing/2014/main" id="{FED4E835-D652-159B-D0CD-7FC58A509645}"/>
+              </a:ext>
+            </a:extLst>
+          </p:cNvPr>
+          <p:cNvSpPr>
+            <a:spLocks noGrp="1"/>
+          </p:cNvSpPr>
+          <p:nvPr>
+            <p:ph type="body" idx="1"/>
+          </p:nvPr>
+        </p:nvSpPr>
+        <p:spPr>
+          <a:xfrm>
+            <a:off x="471899" y="1919074"/>
+            <a:ext cx="8505845" cy="2710201"/>
+          </a:xfrm>
+        </p:spPr>
+        <p:txBody>
+          <a:bodyPr/>
+          <a:lstStyle/>
+          <a:p>
+            <a:r>
+              <a:rPr lang="de-CH" b="1" dirty="0"/>
+              <a:t>draft-</a:t>
+            </a:r>
+            <a:r>
+              <a:rPr lang="de-CH" b="1" dirty="0" err="1"/>
+              <a:t>ietf</a:t>
+            </a:r>
+            <a:r>
+              <a:rPr lang="de-CH" b="1" dirty="0"/>
+              <a:t>-ippm-</a:t>
+            </a:r>
+            <a:r>
+              <a:rPr lang="de-CH" b="1" dirty="0" err="1"/>
+              <a:t>capacity</a:t>
+            </a:r>
+            <a:r>
+              <a:rPr lang="de-CH" b="1" dirty="0"/>
+              <a:t>-</a:t>
+            </a:r>
+            <a:r>
+              <a:rPr lang="de-CH" b="1" dirty="0" err="1"/>
+              <a:t>protocol</a:t>
+            </a:r>
+            <a:r>
+              <a:rPr lang="de-CH" dirty="0"/>
+              <a:t> at IESG</a:t>
+            </a:r>
+            <a:endParaRPr lang="en-001" dirty="0"/>
+          </a:p>
+          <a:p>
+            <a:pPr lvl="1"/>
+            <a:r>
+              <a:rPr lang="de-CH" dirty="0" err="1"/>
+              <a:t>Received</a:t>
+            </a:r>
+            <a:r>
+              <a:rPr lang="de-CH" dirty="0"/>
+              <a:t> </a:t>
+            </a:r>
+            <a:r>
+              <a:rPr lang="de-CH" dirty="0" err="1"/>
+              <a:t>reviews</a:t>
+            </a:r>
+            <a:r>
+              <a:rPr lang="de-CH" dirty="0"/>
+              <a:t> </a:t>
+            </a:r>
+            <a:r>
+              <a:rPr lang="de-CH" dirty="0" err="1"/>
+              <a:t>from</a:t>
+            </a:r>
+            <a:r>
+              <a:rPr lang="de-CH" dirty="0"/>
+              <a:t> PERFMETRDIR, GENART and OPSDIR</a:t>
+            </a:r>
+            <a:endParaRPr lang="en-001" dirty="0"/>
+          </a:p>
+          <a:p>
+            <a:r>
+              <a:rPr lang="de-CH" b="1" dirty="0"/>
+              <a:t>draft-</a:t>
+            </a:r>
+            <a:r>
+              <a:rPr lang="de-CH" b="1" dirty="0" err="1"/>
+              <a:t>ietf</a:t>
+            </a:r>
+            <a:r>
+              <a:rPr lang="de-CH" b="1" dirty="0"/>
+              <a:t>-ippm-</a:t>
+            </a:r>
+            <a:r>
+              <a:rPr lang="de-CH" b="1" dirty="0" err="1"/>
+              <a:t>asymmetrical</a:t>
+            </a:r>
+            <a:r>
+              <a:rPr lang="de-CH" b="1" dirty="0"/>
+              <a:t>-</a:t>
+            </a:r>
+            <a:r>
+              <a:rPr lang="de-CH" b="1" dirty="0" err="1"/>
+              <a:t>pkts</a:t>
+            </a:r>
+            <a:r>
+              <a:rPr lang="de-CH" dirty="0"/>
+              <a:t> </a:t>
+            </a:r>
+            <a:r>
+              <a:rPr lang="de-CH" dirty="0" err="1"/>
+              <a:t>working</a:t>
+            </a:r>
+            <a:r>
+              <a:rPr lang="de-CH" dirty="0"/>
+              <a:t> </a:t>
+            </a:r>
+            <a:r>
+              <a:rPr lang="de-CH" dirty="0" err="1"/>
+              <a:t>group</a:t>
+            </a:r>
+            <a:r>
+              <a:rPr lang="de-CH" dirty="0"/>
+              <a:t> last </a:t>
+            </a:r>
+            <a:r>
+              <a:rPr lang="de-CH" dirty="0" err="1"/>
+              <a:t>call</a:t>
+            </a:r>
+            <a:r>
+              <a:rPr lang="de-CH" dirty="0"/>
+              <a:t> </a:t>
+            </a:r>
+            <a:r>
+              <a:rPr lang="de-CH" dirty="0" err="1"/>
+              <a:t>concluded</a:t>
+            </a:r>
+            <a:endParaRPr lang="en-001" dirty="0"/>
+          </a:p>
+          <a:p>
+            <a:pPr lvl="1"/>
+            <a:r>
+              <a:rPr lang="de-CH" dirty="0"/>
+              <a:t>Shepherd </a:t>
+            </a:r>
+            <a:r>
+              <a:rPr lang="de-CH" dirty="0" err="1"/>
+              <a:t>write-up</a:t>
+            </a:r>
+            <a:r>
+              <a:rPr lang="de-CH" dirty="0"/>
+              <a:t> </a:t>
+            </a:r>
+            <a:r>
+              <a:rPr lang="de-CH" dirty="0" err="1"/>
+              <a:t>pending</a:t>
+            </a:r>
+            <a:endParaRPr lang="de-CH" dirty="0"/>
+          </a:p>
+          <a:p>
+            <a:r>
+              <a:rPr lang="de-CH" b="1" dirty="0"/>
+              <a:t>draft-</a:t>
+            </a:r>
+            <a:r>
+              <a:rPr lang="de-CH" b="1" dirty="0" err="1"/>
+              <a:t>ietf</a:t>
+            </a:r>
+            <a:r>
+              <a:rPr lang="de-CH" b="1" dirty="0"/>
+              <a:t>-ippm-on-</a:t>
+            </a:r>
+            <a:r>
+              <a:rPr lang="de-CH" b="1" dirty="0" err="1"/>
+              <a:t>path</a:t>
+            </a:r>
+            <a:r>
+              <a:rPr lang="de-CH" b="1" dirty="0"/>
+              <a:t>-</a:t>
+            </a:r>
+            <a:r>
+              <a:rPr lang="de-CH" b="1" dirty="0" err="1"/>
+              <a:t>telemetry-yang</a:t>
+            </a:r>
+            <a:r>
+              <a:rPr lang="de-CH" b="1" dirty="0"/>
+              <a:t> </a:t>
+            </a:r>
+            <a:r>
+              <a:rPr lang="de-CH" b="1" dirty="0" err="1"/>
+              <a:t>working</a:t>
+            </a:r>
+            <a:r>
+              <a:rPr lang="de-CH" b="1" dirty="0"/>
+              <a:t> </a:t>
+            </a:r>
+            <a:r>
+              <a:rPr lang="de-CH" dirty="0" err="1"/>
+              <a:t>group</a:t>
+            </a:r>
+            <a:r>
+              <a:rPr lang="de-CH" dirty="0"/>
+              <a:t> </a:t>
+            </a:r>
+            <a:r>
+              <a:rPr lang="de-CH" dirty="0" err="1"/>
+              <a:t>adopted</a:t>
+            </a:r>
+            <a:endParaRPr lang="en-001" dirty="0"/>
+          </a:p>
+          <a:p>
+            <a:pPr lvl="1"/>
+            <a:r>
+              <a:rPr lang="de-CH" dirty="0" err="1"/>
+              <a:t>Received</a:t>
+            </a:r>
+            <a:r>
+              <a:rPr lang="de-CH" dirty="0"/>
+              <a:t> and </a:t>
+            </a:r>
+            <a:r>
+              <a:rPr lang="de-CH" dirty="0" err="1"/>
+              <a:t>addressed</a:t>
+            </a:r>
+            <a:r>
+              <a:rPr lang="de-CH" dirty="0"/>
+              <a:t> a YANGDOCTORS review</a:t>
+            </a:r>
+          </a:p>
+          <a:p>
+            <a:r>
+              <a:rPr lang="de-CH" b="1" dirty="0"/>
+              <a:t>draft-</a:t>
+            </a:r>
+            <a:r>
+              <a:rPr lang="de-CH" b="1" dirty="0" err="1"/>
+              <a:t>ietf</a:t>
+            </a:r>
+            <a:r>
+              <a:rPr lang="de-CH" b="1" dirty="0"/>
+              <a:t>-ippm-</a:t>
+            </a:r>
+            <a:r>
+              <a:rPr lang="de-CH" b="1" dirty="0" err="1"/>
+              <a:t>qoo</a:t>
+            </a:r>
+            <a:r>
+              <a:rPr lang="de-CH" dirty="0"/>
+              <a:t> </a:t>
+            </a:r>
+            <a:r>
+              <a:rPr lang="de-CH" dirty="0" err="1"/>
+              <a:t>working</a:t>
+            </a:r>
+            <a:r>
+              <a:rPr lang="de-CH" dirty="0"/>
+              <a:t> </a:t>
+            </a:r>
+            <a:r>
+              <a:rPr lang="de-CH" dirty="0" err="1"/>
+              <a:t>group</a:t>
+            </a:r>
+            <a:r>
+              <a:rPr lang="de-CH" dirty="0"/>
+              <a:t> </a:t>
+            </a:r>
+            <a:r>
+              <a:rPr lang="de-CH" dirty="0" err="1"/>
+              <a:t>adoption</a:t>
+            </a:r>
+            <a:r>
+              <a:rPr lang="de-CH" dirty="0"/>
+              <a:t> in </a:t>
+            </a:r>
+            <a:r>
+              <a:rPr lang="de-CH" dirty="0" err="1"/>
+              <a:t>progress</a:t>
+            </a:r>
+            <a:endParaRPr lang="en-001" dirty="0"/>
+          </a:p>
+          <a:p>
+            <a:pPr lvl="1"/>
+            <a:r>
+              <a:rPr lang="de-CH" dirty="0" err="1"/>
+              <a:t>Received</a:t>
+            </a:r>
+            <a:r>
+              <a:rPr lang="de-CH" dirty="0"/>
+              <a:t> and </a:t>
+            </a:r>
+            <a:r>
+              <a:rPr lang="de-CH" dirty="0" err="1"/>
+              <a:t>addressed</a:t>
+            </a:r>
+            <a:r>
+              <a:rPr lang="de-CH" dirty="0"/>
+              <a:t> </a:t>
+            </a:r>
+            <a:r>
+              <a:rPr lang="de-CH" dirty="0" err="1"/>
+              <a:t>good</a:t>
+            </a:r>
+            <a:r>
+              <a:rPr lang="de-CH" dirty="0"/>
+              <a:t> </a:t>
+            </a:r>
+            <a:r>
+              <a:rPr lang="de-CH" dirty="0" err="1"/>
+              <a:t>feedback</a:t>
+            </a:r>
+            <a:r>
+              <a:rPr lang="de-CH"/>
+              <a:t>. Looking </a:t>
+            </a:r>
+            <a:r>
+              <a:rPr lang="de-CH" dirty="0" err="1"/>
+              <a:t>forward</a:t>
+            </a:r>
+            <a:r>
+              <a:rPr lang="de-CH" dirty="0"/>
+              <a:t> </a:t>
+            </a:r>
+            <a:r>
+              <a:rPr lang="de-CH" dirty="0" err="1"/>
+              <a:t>for</a:t>
+            </a:r>
+            <a:r>
+              <a:rPr lang="de-CH" dirty="0"/>
+              <a:t> </a:t>
+            </a:r>
+            <a:r>
+              <a:rPr lang="de-CH" dirty="0" err="1"/>
+              <a:t>more</a:t>
+            </a:r>
+            <a:r>
+              <a:rPr lang="de-CH" dirty="0"/>
+              <a:t>.</a:t>
+            </a:r>
+            <a:endParaRPr lang="en-001" dirty="0"/>
+          </a:p>
+        </p:txBody>
+      </p:sp>
+    </p:spTree>
+    <p:extLst>
+      <p:ext uri="{BB962C8B-B14F-4D97-AF65-F5344CB8AC3E}">
+        <p14:creationId xmlns:p14="http://schemas.microsoft.com/office/powerpoint/2010/main" val="2128497270"/>
+      </p:ext>
+    </p:extLst>
+  </p:cSld>
+  <p:clrMapOvr>
+    <a:masterClrMapping/>
+  </p:clrMapOvr>
+</p:sld>
+</file>
+
+<file path=ppt/slides/slide13.xml><?xml version="1.0" encoding="utf-8"?>
 <p:sld xmlns:a="http://schemas.openxmlformats.org/drawingml/2006/main" xmlns:r="http://schemas.openxmlformats.org/officeDocument/2006/relationships" xmlns:p="http://schemas.openxmlformats.org/presentationml/2006/main" show="0">
   <p:cSld>
     <p:spTree>
@@ -18885,7 +20134,7 @@
             </a:pPr>
             <a:fld id="{00000000-1234-1234-1234-123412341234}" type="slidenum">
               <a:rPr lang="en-US"/>
-              <a:t>10</a:t>
+              <a:t>13</a:t>
             </a:fld>
             <a:endParaRPr/>
           </a:p>
@@ -20112,296 +21361,6 @@
   <p:cSld>
     <p:spTree>
       <p:nvGrpSpPr>
-        <p:cNvPr id="1" name="Shape 112"/>
-        <p:cNvGrpSpPr/>
-        <p:nvPr/>
-      </p:nvGrpSpPr>
-      <p:grpSpPr>
-        <a:xfrm>
-          <a:off x="0" y="0"/>
-          <a:ext cx="0" cy="0"/>
-          <a:chOff x="0" y="0"/>
-          <a:chExt cx="0" cy="0"/>
-        </a:xfrm>
-      </p:grpSpPr>
-      <p:sp>
-        <p:nvSpPr>
-          <p:cNvPr id="113" name="Google Shape;113;p21"/>
-          <p:cNvSpPr txBox="1">
-            <a:spLocks noGrp="1"/>
-          </p:cNvSpPr>
-          <p:nvPr>
-            <p:ph type="title"/>
-          </p:nvPr>
-        </p:nvSpPr>
-        <p:spPr>
-          <a:xfrm>
-            <a:off x="401925" y="16350"/>
-            <a:ext cx="8523000" cy="602700"/>
-          </a:xfrm>
-          <a:prstGeom prst="rect">
-            <a:avLst/>
-          </a:prstGeom>
-          <a:noFill/>
-          <a:ln>
-            <a:noFill/>
-          </a:ln>
-        </p:spPr>
-        <p:txBody>
-          <a:bodyPr spcFirstLastPara="1" wrap="square" lIns="91425" tIns="91425" rIns="91425" bIns="91425" anchor="b" anchorCtr="0">
-            <a:noAutofit/>
-          </a:bodyPr>
-          <a:lstStyle/>
-          <a:p>
-            <a:pPr marL="0" marR="0" lvl="0" indent="0" algn="l" rtl="0">
-              <a:lnSpc>
-                <a:spcPct val="100000"/>
-              </a:lnSpc>
-              <a:spcBef>
-                <a:spcPts val="0"/>
-              </a:spcBef>
-              <a:spcAft>
-                <a:spcPts val="0"/>
-              </a:spcAft>
-              <a:buClr>
-                <a:schemeClr val="lt1"/>
-              </a:buClr>
-              <a:buSzPts val="3200"/>
-              <a:buFont typeface="Open Sans SemiBold"/>
-              <a:buNone/>
-            </a:pPr>
-            <a:r>
-              <a:rPr lang="en-US" sz="2400" dirty="0"/>
-              <a:t>IPPM charter</a:t>
-            </a:r>
-            <a:endParaRPr sz="2400" b="0" i="0" u="none" strike="noStrike" cap="none" dirty="0">
-              <a:solidFill>
-                <a:schemeClr val="lt1"/>
-              </a:solidFill>
-              <a:latin typeface="Open Sans"/>
-              <a:ea typeface="Open Sans"/>
-              <a:cs typeface="Open Sans"/>
-              <a:sym typeface="Open Sans"/>
-            </a:endParaRPr>
-          </a:p>
-        </p:txBody>
-      </p:sp>
-      <p:sp>
-        <p:nvSpPr>
-          <p:cNvPr id="114" name="Google Shape;114;p21"/>
-          <p:cNvSpPr txBox="1">
-            <a:spLocks noGrp="1"/>
-          </p:cNvSpPr>
-          <p:nvPr>
-            <p:ph type="body" idx="4294967295"/>
-          </p:nvPr>
-        </p:nvSpPr>
-        <p:spPr>
-          <a:xfrm>
-            <a:off x="401925" y="722400"/>
-            <a:ext cx="7871700" cy="3698700"/>
-          </a:xfrm>
-          <a:prstGeom prst="rect">
-            <a:avLst/>
-          </a:prstGeom>
-          <a:noFill/>
-          <a:ln>
-            <a:noFill/>
-          </a:ln>
-        </p:spPr>
-        <p:txBody>
-          <a:bodyPr spcFirstLastPara="1" wrap="square" lIns="91425" tIns="91425" rIns="91425" bIns="91425" anchor="t" anchorCtr="0">
-            <a:noAutofit/>
-          </a:bodyPr>
-          <a:lstStyle/>
-          <a:p>
-            <a:pPr marL="457200" marR="0" lvl="0" indent="-311150" algn="l" rtl="0">
-              <a:lnSpc>
-                <a:spcPct val="115000"/>
-              </a:lnSpc>
-              <a:spcBef>
-                <a:spcPts val="600"/>
-              </a:spcBef>
-              <a:spcAft>
-                <a:spcPts val="0"/>
-              </a:spcAft>
-              <a:buClr>
-                <a:srgbClr val="434343"/>
-              </a:buClr>
-              <a:buSzPts val="1300"/>
-              <a:buFont typeface="Inter"/>
-              <a:buChar char="●"/>
-            </a:pPr>
-            <a:r>
-              <a:rPr lang="en-US" sz="1300" dirty="0">
-                <a:solidFill>
-                  <a:srgbClr val="434343"/>
-                </a:solidFill>
-                <a:latin typeface="Inter"/>
-                <a:ea typeface="Inter"/>
-                <a:cs typeface="Inter"/>
-                <a:sym typeface="Inter"/>
-              </a:rPr>
-              <a:t>Charter: </a:t>
-            </a:r>
-            <a:r>
-              <a:rPr lang="en-US" sz="1300" dirty="0">
-                <a:solidFill>
-                  <a:srgbClr val="434343"/>
-                </a:solidFill>
-                <a:latin typeface="Inter"/>
-                <a:ea typeface="Inter"/>
-                <a:cs typeface="Inter"/>
-                <a:sym typeface="Inter"/>
-                <a:hlinkClick r:id="rId3"/>
-              </a:rPr>
-              <a:t>https://datatracker.ietf.org/group/ippm/about/</a:t>
-            </a:r>
-            <a:endParaRPr lang="en-US" sz="1300" dirty="0">
-              <a:solidFill>
-                <a:srgbClr val="434343"/>
-              </a:solidFill>
-              <a:latin typeface="Inter"/>
-              <a:ea typeface="Inter"/>
-              <a:cs typeface="Inter"/>
-              <a:sym typeface="Inter"/>
-            </a:endParaRPr>
-          </a:p>
-          <a:p>
-            <a:pPr marL="457200" marR="0" lvl="0" indent="-311150" algn="l" rtl="0">
-              <a:lnSpc>
-                <a:spcPct val="115000"/>
-              </a:lnSpc>
-              <a:spcBef>
-                <a:spcPts val="600"/>
-              </a:spcBef>
-              <a:spcAft>
-                <a:spcPts val="0"/>
-              </a:spcAft>
-              <a:buClr>
-                <a:srgbClr val="434343"/>
-              </a:buClr>
-              <a:buSzPts val="1300"/>
-              <a:buFont typeface="Inter"/>
-              <a:buChar char="●"/>
-            </a:pPr>
-            <a:r>
-              <a:rPr lang="en-US" sz="1300" dirty="0">
-                <a:solidFill>
-                  <a:srgbClr val="434343"/>
-                </a:solidFill>
-                <a:latin typeface="Inter"/>
-                <a:ea typeface="Inter"/>
-                <a:cs typeface="Inter"/>
-                <a:sym typeface="Inter"/>
-              </a:rPr>
-              <a:t>The IP Performance Measurement (IPPM) Working Group develops and maintains standard metrics that can be applied to the quality, performance, and reliability of Internet data delivery services and applications running over transport layer protocols (e.g. TCP, UDP) over IP. It also develops </a:t>
-            </a:r>
-            <a:r>
-              <a:rPr lang="en-US" sz="1300" dirty="0" err="1">
-                <a:solidFill>
-                  <a:srgbClr val="434343"/>
-                </a:solidFill>
-                <a:latin typeface="Inter"/>
-                <a:ea typeface="Inter"/>
-                <a:cs typeface="Inter"/>
-                <a:sym typeface="Inter"/>
-              </a:rPr>
-              <a:t>andmaintains</a:t>
-            </a:r>
-            <a:r>
-              <a:rPr lang="en-US" sz="1300" dirty="0">
-                <a:solidFill>
-                  <a:srgbClr val="434343"/>
-                </a:solidFill>
-                <a:latin typeface="Inter"/>
-                <a:ea typeface="Inter"/>
-                <a:cs typeface="Inter"/>
-                <a:sym typeface="Inter"/>
-              </a:rPr>
-              <a:t> methodologies and protocols for the measurement of these metrics. These metrics, protocols, and methodologies are designed such that they can be used by network operators, end users, or independent testing groups. </a:t>
-            </a:r>
-            <a:r>
-              <a:rPr lang="en-US" sz="1300" dirty="0" err="1">
-                <a:solidFill>
-                  <a:srgbClr val="434343"/>
-                </a:solidFill>
-                <a:latin typeface="Inter"/>
-                <a:ea typeface="Inter"/>
-                <a:cs typeface="Inter"/>
-                <a:sym typeface="Inter"/>
-              </a:rPr>
-              <a:t>Metricsdeveloped</a:t>
-            </a:r>
-            <a:r>
-              <a:rPr lang="en-US" sz="1300" dirty="0">
-                <a:solidFill>
-                  <a:srgbClr val="434343"/>
-                </a:solidFill>
-                <a:latin typeface="Inter"/>
-                <a:ea typeface="Inter"/>
-                <a:cs typeface="Inter"/>
-                <a:sym typeface="Inter"/>
-              </a:rPr>
-              <a:t> by the IPPM WG are intended to provide unbiased </a:t>
-            </a:r>
-            <a:r>
-              <a:rPr lang="en-US" sz="1300">
-                <a:solidFill>
-                  <a:srgbClr val="434343"/>
-                </a:solidFill>
-                <a:latin typeface="Inter"/>
-                <a:ea typeface="Inter"/>
-                <a:cs typeface="Inter"/>
-                <a:sym typeface="Inter"/>
-              </a:rPr>
-              <a:t>quantitativeperformance</a:t>
-            </a:r>
-            <a:r>
-              <a:rPr lang="en-US" sz="1300" dirty="0">
-                <a:solidFill>
-                  <a:srgbClr val="434343"/>
-                </a:solidFill>
-                <a:latin typeface="Inter"/>
-                <a:ea typeface="Inter"/>
-                <a:cs typeface="Inter"/>
-                <a:sym typeface="Inter"/>
-              </a:rPr>
-              <a:t> measurements.</a:t>
-            </a:r>
-          </a:p>
-        </p:txBody>
-      </p:sp>
-    </p:spTree>
-    <p:extLst>
-      <p:ext uri="{BB962C8B-B14F-4D97-AF65-F5344CB8AC3E}">
-        <p14:creationId xmlns:p14="http://schemas.microsoft.com/office/powerpoint/2010/main" val="1383312952"/>
-      </p:ext>
-    </p:extLst>
-  </p:cSld>
-  <p:clrMapOvr>
-    <a:masterClrMapping/>
-  </p:clrMapOvr>
-  <mc:AlternateContent xmlns:mc="http://schemas.openxmlformats.org/markup-compatibility/2006">
-    <mc:Choice xmlns:p14="http://schemas.microsoft.com/office/powerpoint/2010/main" Requires="p14">
-      <p:transition spd="med" p14:dur="700">
-        <p:fade/>
-      </p:transition>
-    </mc:Choice>
-    <mc:Fallback>
-      <p:transition spd="med">
-        <p:fade/>
-      </p:transition>
-    </mc:Fallback>
-  </mc:AlternateContent>
-</p:sld>
-</file>
-
-<file path=ppt/slides/slide5.xml><?xml version="1.0" encoding="utf-8"?>
-<p:sld xmlns:a="http://schemas.openxmlformats.org/drawingml/2006/main" xmlns:r="http://schemas.openxmlformats.org/officeDocument/2006/relationships" xmlns:p="http://schemas.openxmlformats.org/presentationml/2006/main">
-  <p:cSld>
-    <p:spTree>
-      <p:nvGrpSpPr>
         <p:cNvPr id="1" name="Shape 118"/>
         <p:cNvGrpSpPr/>
         <p:nvPr/>
@@ -20818,7 +21777,7 @@
             </a:pPr>
             <a:fld id="{00000000-1234-1234-1234-123412341234}" type="slidenum">
               <a:rPr lang="en-US"/>
-              <a:t>5</a:t>
+              <a:t>4</a:t>
             </a:fld>
             <a:endParaRPr/>
           </a:p>
@@ -20928,7 +21887,898 @@
 </p:sld>
 </file>
 
+<file path=ppt/slides/slide5.xml><?xml version="1.0" encoding="utf-8"?>
+<p:sld xmlns:a="http://schemas.openxmlformats.org/drawingml/2006/main" xmlns:r="http://schemas.openxmlformats.org/officeDocument/2006/relationships" xmlns:p="http://schemas.openxmlformats.org/presentationml/2006/main">
+  <p:cSld>
+    <p:spTree>
+      <p:nvGrpSpPr>
+        <p:cNvPr id="1" name=""/>
+        <p:cNvGrpSpPr/>
+        <p:nvPr/>
+      </p:nvGrpSpPr>
+      <p:grpSpPr>
+        <a:xfrm>
+          <a:off x="0" y="0"/>
+          <a:ext cx="0" cy="0"/>
+          <a:chOff x="0" y="0"/>
+          <a:chExt cx="0" cy="0"/>
+        </a:xfrm>
+      </p:grpSpPr>
+      <p:sp>
+        <p:nvSpPr>
+          <p:cNvPr id="2" name="Title 1">
+            <a:extLst>
+              <a:ext uri="{FF2B5EF4-FFF2-40B4-BE49-F238E27FC236}">
+                <a16:creationId xmlns:a16="http://schemas.microsoft.com/office/drawing/2014/main" id="{0B9E15DC-F076-98D2-1BDF-BC01FEC9047B}"/>
+              </a:ext>
+            </a:extLst>
+          </p:cNvPr>
+          <p:cNvSpPr>
+            <a:spLocks noGrp="1"/>
+          </p:cNvSpPr>
+          <p:nvPr>
+            <p:ph type="title"/>
+          </p:nvPr>
+        </p:nvSpPr>
+        <p:spPr/>
+        <p:txBody>
+          <a:bodyPr anchor="ctr"/>
+          <a:lstStyle/>
+          <a:p>
+            <a:r>
+              <a:rPr lang="de-CH" dirty="0"/>
+              <a:t>Joint BMWG and IPPM Meeting</a:t>
+            </a:r>
+            <a:endParaRPr lang="en-US" dirty="0"/>
+          </a:p>
+        </p:txBody>
+      </p:sp>
+      <p:sp>
+        <p:nvSpPr>
+          <p:cNvPr id="3" name="Text Placeholder 2">
+            <a:extLst>
+              <a:ext uri="{FF2B5EF4-FFF2-40B4-BE49-F238E27FC236}">
+                <a16:creationId xmlns:a16="http://schemas.microsoft.com/office/drawing/2014/main" id="{DA4A6F5D-9442-B583-BAB9-5A102B90EC22}"/>
+              </a:ext>
+            </a:extLst>
+          </p:cNvPr>
+          <p:cNvSpPr>
+            <a:spLocks noGrp="1"/>
+          </p:cNvSpPr>
+          <p:nvPr>
+            <p:ph type="body" idx="1"/>
+          </p:nvPr>
+        </p:nvSpPr>
+        <p:spPr/>
+        <p:txBody>
+          <a:bodyPr/>
+          <a:lstStyle/>
+          <a:p>
+            <a:r>
+              <a:rPr lang="de-CH" dirty="0"/>
+              <a:t>A </a:t>
+            </a:r>
+            <a:r>
+              <a:rPr lang="de-CH" dirty="0" err="1"/>
+              <a:t>few</a:t>
+            </a:r>
+            <a:r>
+              <a:rPr lang="de-CH" dirty="0"/>
+              <a:t> </a:t>
+            </a:r>
+            <a:r>
+              <a:rPr lang="de-CH" dirty="0" err="1"/>
+              <a:t>words</a:t>
+            </a:r>
+            <a:r>
+              <a:rPr lang="de-CH" dirty="0"/>
+              <a:t> </a:t>
+            </a:r>
+            <a:r>
+              <a:rPr lang="de-CH" dirty="0" err="1"/>
+              <a:t>from</a:t>
+            </a:r>
+            <a:r>
+              <a:rPr lang="de-CH" dirty="0"/>
+              <a:t> </a:t>
+            </a:r>
+            <a:r>
+              <a:rPr lang="de-CH" dirty="0" err="1"/>
+              <a:t>our</a:t>
+            </a:r>
+            <a:r>
+              <a:rPr lang="de-CH" dirty="0"/>
+              <a:t> </a:t>
+            </a:r>
+            <a:r>
+              <a:rPr lang="de-CH" dirty="0" err="1"/>
+              <a:t>beloved</a:t>
+            </a:r>
+            <a:r>
+              <a:rPr lang="de-CH" dirty="0"/>
+              <a:t> AD</a:t>
+            </a:r>
+            <a:endParaRPr lang="en-001" dirty="0"/>
+          </a:p>
+        </p:txBody>
+      </p:sp>
+      <p:sp>
+        <p:nvSpPr>
+          <p:cNvPr id="4" name="Slide Number Placeholder 3">
+            <a:extLst>
+              <a:ext uri="{FF2B5EF4-FFF2-40B4-BE49-F238E27FC236}">
+                <a16:creationId xmlns:a16="http://schemas.microsoft.com/office/drawing/2014/main" id="{D216BDC7-4DE9-D9D5-0725-BBEF6CFE8DF1}"/>
+              </a:ext>
+            </a:extLst>
+          </p:cNvPr>
+          <p:cNvSpPr>
+            <a:spLocks noGrp="1"/>
+          </p:cNvSpPr>
+          <p:nvPr>
+            <p:ph type="sldNum" idx="12"/>
+          </p:nvPr>
+        </p:nvSpPr>
+        <p:spPr/>
+        <p:txBody>
+          <a:bodyPr/>
+          <a:lstStyle/>
+          <a:p>
+            <a:pPr marL="0" lvl="0" indent="0" algn="r" rtl="0">
+              <a:spcBef>
+                <a:spcPts val="0"/>
+              </a:spcBef>
+              <a:spcAft>
+                <a:spcPts val="0"/>
+              </a:spcAft>
+              <a:buNone/>
+            </a:pPr>
+            <a:fld id="{00000000-1234-1234-1234-123412341234}" type="slidenum">
+              <a:rPr lang="en-US" smtClean="0"/>
+              <a:t>5</a:t>
+            </a:fld>
+            <a:endParaRPr lang="en-US"/>
+          </a:p>
+        </p:txBody>
+      </p:sp>
+    </p:spTree>
+    <p:extLst>
+      <p:ext uri="{BB962C8B-B14F-4D97-AF65-F5344CB8AC3E}">
+        <p14:creationId xmlns:p14="http://schemas.microsoft.com/office/powerpoint/2010/main" val="2434865477"/>
+      </p:ext>
+    </p:extLst>
+  </p:cSld>
+  <p:clrMapOvr>
+    <a:masterClrMapping/>
+  </p:clrMapOvr>
+</p:sld>
+</file>
+
 <file path=ppt/slides/slide6.xml><?xml version="1.0" encoding="utf-8"?>
+<p:sld xmlns:a="http://schemas.openxmlformats.org/drawingml/2006/main" xmlns:r="http://schemas.openxmlformats.org/officeDocument/2006/relationships" xmlns:p="http://schemas.openxmlformats.org/presentationml/2006/main">
+  <p:cSld>
+    <p:spTree>
+      <p:nvGrpSpPr>
+        <p:cNvPr id="1" name="Shape 112"/>
+        <p:cNvGrpSpPr/>
+        <p:nvPr/>
+      </p:nvGrpSpPr>
+      <p:grpSpPr>
+        <a:xfrm>
+          <a:off x="0" y="0"/>
+          <a:ext cx="0" cy="0"/>
+          <a:chOff x="0" y="0"/>
+          <a:chExt cx="0" cy="0"/>
+        </a:xfrm>
+      </p:grpSpPr>
+      <p:sp>
+        <p:nvSpPr>
+          <p:cNvPr id="113" name="Google Shape;113;p21"/>
+          <p:cNvSpPr txBox="1">
+            <a:spLocks noGrp="1"/>
+          </p:cNvSpPr>
+          <p:nvPr>
+            <p:ph type="title"/>
+          </p:nvPr>
+        </p:nvSpPr>
+        <p:spPr>
+          <a:xfrm>
+            <a:off x="401925" y="16350"/>
+            <a:ext cx="8523000" cy="602700"/>
+          </a:xfrm>
+          <a:prstGeom prst="rect">
+            <a:avLst/>
+          </a:prstGeom>
+          <a:noFill/>
+          <a:ln>
+            <a:noFill/>
+          </a:ln>
+        </p:spPr>
+        <p:txBody>
+          <a:bodyPr spcFirstLastPara="1" wrap="square" lIns="91425" tIns="91425" rIns="91425" bIns="91425" anchor="b" anchorCtr="0">
+            <a:noAutofit/>
+          </a:bodyPr>
+          <a:lstStyle/>
+          <a:p>
+            <a:pPr marL="0" marR="0" lvl="0" indent="0" algn="l" rtl="0">
+              <a:lnSpc>
+                <a:spcPct val="100000"/>
+              </a:lnSpc>
+              <a:spcBef>
+                <a:spcPts val="0"/>
+              </a:spcBef>
+              <a:spcAft>
+                <a:spcPts val="0"/>
+              </a:spcAft>
+              <a:buClr>
+                <a:schemeClr val="lt1"/>
+              </a:buClr>
+              <a:buSzPts val="3200"/>
+              <a:buFont typeface="Open Sans SemiBold"/>
+              <a:buNone/>
+            </a:pPr>
+            <a:r>
+              <a:rPr lang="en-US" sz="2400" dirty="0"/>
+              <a:t>BMWG charter</a:t>
+            </a:r>
+            <a:endParaRPr sz="2400" b="0" i="0" u="none" strike="noStrike" cap="none" dirty="0">
+              <a:solidFill>
+                <a:schemeClr val="lt1"/>
+              </a:solidFill>
+              <a:latin typeface="Open Sans"/>
+              <a:ea typeface="Open Sans"/>
+              <a:cs typeface="Open Sans"/>
+              <a:sym typeface="Open Sans"/>
+            </a:endParaRPr>
+          </a:p>
+        </p:txBody>
+      </p:sp>
+      <p:sp>
+        <p:nvSpPr>
+          <p:cNvPr id="114" name="Google Shape;114;p21"/>
+          <p:cNvSpPr txBox="1">
+            <a:spLocks noGrp="1"/>
+          </p:cNvSpPr>
+          <p:nvPr>
+            <p:ph type="body" idx="4294967295"/>
+          </p:nvPr>
+        </p:nvSpPr>
+        <p:spPr>
+          <a:xfrm>
+            <a:off x="401925" y="722400"/>
+            <a:ext cx="7871700" cy="3698700"/>
+          </a:xfrm>
+          <a:prstGeom prst="rect">
+            <a:avLst/>
+          </a:prstGeom>
+          <a:noFill/>
+          <a:ln>
+            <a:noFill/>
+          </a:ln>
+        </p:spPr>
+        <p:txBody>
+          <a:bodyPr spcFirstLastPara="1" wrap="square" lIns="91425" tIns="91425" rIns="91425" bIns="91425" anchor="t" anchorCtr="0">
+            <a:noAutofit/>
+          </a:bodyPr>
+          <a:lstStyle/>
+          <a:p>
+            <a:pPr marL="146050" marR="0" lvl="0" indent="0" algn="l" rtl="0">
+              <a:lnSpc>
+                <a:spcPct val="115000"/>
+              </a:lnSpc>
+              <a:spcBef>
+                <a:spcPts val="600"/>
+              </a:spcBef>
+              <a:spcAft>
+                <a:spcPts val="0"/>
+              </a:spcAft>
+              <a:buClr>
+                <a:srgbClr val="434343"/>
+              </a:buClr>
+              <a:buSzPts val="1300"/>
+              <a:buNone/>
+            </a:pPr>
+            <a:endParaRPr lang="en-US" sz="1300" dirty="0">
+              <a:solidFill>
+                <a:srgbClr val="434343"/>
+              </a:solidFill>
+              <a:latin typeface="Inter"/>
+              <a:ea typeface="Inter"/>
+              <a:cs typeface="Inter"/>
+              <a:sym typeface="Inter"/>
+            </a:endParaRPr>
+          </a:p>
+          <a:p>
+            <a:pPr marL="457200" marR="0" lvl="0" indent="-311150" algn="l" rtl="0">
+              <a:lnSpc>
+                <a:spcPct val="115000"/>
+              </a:lnSpc>
+              <a:spcBef>
+                <a:spcPts val="600"/>
+              </a:spcBef>
+              <a:spcAft>
+                <a:spcPts val="0"/>
+              </a:spcAft>
+              <a:buClr>
+                <a:srgbClr val="434343"/>
+              </a:buClr>
+              <a:buSzPts val="1300"/>
+              <a:buFont typeface="Inter"/>
+              <a:buChar char="●"/>
+            </a:pPr>
+            <a:r>
+              <a:rPr lang="en-US" sz="1300" dirty="0">
+                <a:solidFill>
+                  <a:srgbClr val="434343"/>
+                </a:solidFill>
+                <a:latin typeface="Inter"/>
+                <a:ea typeface="Inter"/>
+                <a:cs typeface="Inter"/>
+                <a:sym typeface="Inter"/>
+              </a:rPr>
+              <a:t>The Benchmarking Methodology Working Group (BMWG) will continue to produce a series of recommendations concerning the </a:t>
+            </a:r>
+            <a:r>
+              <a:rPr lang="en-US" sz="1300" b="1" dirty="0">
+                <a:solidFill>
+                  <a:srgbClr val="434343"/>
+                </a:solidFill>
+                <a:latin typeface="Inter"/>
+                <a:ea typeface="Inter"/>
+                <a:cs typeface="Inter"/>
+                <a:sym typeface="Inter"/>
+              </a:rPr>
+              <a:t>key performance characteristics of internetworking technologies, or benchmarks for network devices, systems, and services. </a:t>
+            </a:r>
+            <a:r>
+              <a:rPr lang="en-US" sz="1300" dirty="0">
+                <a:solidFill>
+                  <a:srgbClr val="434343"/>
+                </a:solidFill>
+                <a:latin typeface="Inter"/>
+                <a:ea typeface="Inter"/>
+                <a:cs typeface="Inter"/>
+                <a:sym typeface="Inter"/>
+              </a:rPr>
+              <a:t>Taking a view of networking divided into planes, the scope of work includes benchmarks for the management, control, and forwarding planes. </a:t>
+            </a:r>
+          </a:p>
+          <a:p>
+            <a:pPr marL="457200" marR="0" lvl="0" indent="-311150" algn="l" rtl="0">
+              <a:lnSpc>
+                <a:spcPct val="115000"/>
+              </a:lnSpc>
+              <a:spcBef>
+                <a:spcPts val="600"/>
+              </a:spcBef>
+              <a:spcAft>
+                <a:spcPts val="0"/>
+              </a:spcAft>
+              <a:buClr>
+                <a:srgbClr val="434343"/>
+              </a:buClr>
+              <a:buSzPts val="1300"/>
+              <a:buFont typeface="Inter"/>
+              <a:buChar char="●"/>
+            </a:pPr>
+            <a:r>
+              <a:rPr lang="en-US" sz="1300" dirty="0">
+                <a:solidFill>
+                  <a:srgbClr val="434343"/>
+                </a:solidFill>
+                <a:latin typeface="Inter"/>
+                <a:ea typeface="Inter"/>
+                <a:cs typeface="Inter"/>
+                <a:sym typeface="Inter"/>
+              </a:rPr>
+              <a:t>The scope of BMWG has been extended to develop methods for virtual network functions (VNF) and their unique supporting infrastructure (such as SDN Controllers and </a:t>
+            </a:r>
+            <a:r>
+              <a:rPr lang="en-US" sz="1300" dirty="0" err="1">
+                <a:solidFill>
+                  <a:srgbClr val="434343"/>
+                </a:solidFill>
+                <a:latin typeface="Inter"/>
+                <a:ea typeface="Inter"/>
+                <a:cs typeface="Inter"/>
+                <a:sym typeface="Inter"/>
+              </a:rPr>
+              <a:t>vSwitches</a:t>
+            </a:r>
+            <a:r>
+              <a:rPr lang="en-US" sz="1300" dirty="0">
+                <a:solidFill>
+                  <a:srgbClr val="434343"/>
+                </a:solidFill>
+                <a:latin typeface="Inter"/>
+                <a:ea typeface="Inter"/>
+                <a:cs typeface="Inter"/>
+                <a:sym typeface="Inter"/>
+              </a:rPr>
+              <a:t>). Benchmarks for platform capacity and performance characteristics of virtual routers, firewalls (and other security functions), signaling control gateways, and other forms of gateways are included. The benchmarks will foster comparisons between physical and virtual network functions, and also cover unique features of Network Function Virtualization systems. Also, with the emergence of virtualized test systems, specifications for test system calibration are also in-scope.</a:t>
+            </a:r>
+          </a:p>
+          <a:p>
+            <a:pPr marL="146050" marR="0" lvl="0" indent="0" algn="l" rtl="0">
+              <a:lnSpc>
+                <a:spcPct val="115000"/>
+              </a:lnSpc>
+              <a:spcBef>
+                <a:spcPts val="600"/>
+              </a:spcBef>
+              <a:spcAft>
+                <a:spcPts val="0"/>
+              </a:spcAft>
+              <a:buClr>
+                <a:srgbClr val="434343"/>
+              </a:buClr>
+              <a:buSzPts val="1300"/>
+              <a:buNone/>
+            </a:pPr>
+            <a:endParaRPr lang="en-US" sz="1300" b="1" dirty="0">
+              <a:solidFill>
+                <a:srgbClr val="434343"/>
+              </a:solidFill>
+              <a:latin typeface="Inter"/>
+              <a:ea typeface="Inter"/>
+              <a:cs typeface="Inter"/>
+              <a:sym typeface="Inter"/>
+            </a:endParaRPr>
+          </a:p>
+          <a:p>
+            <a:pPr marL="146050" marR="0" lvl="0" indent="0" algn="l" rtl="0">
+              <a:lnSpc>
+                <a:spcPct val="115000"/>
+              </a:lnSpc>
+              <a:spcBef>
+                <a:spcPts val="600"/>
+              </a:spcBef>
+              <a:spcAft>
+                <a:spcPts val="0"/>
+              </a:spcAft>
+              <a:buClr>
+                <a:srgbClr val="434343"/>
+              </a:buClr>
+              <a:buSzPts val="1300"/>
+              <a:buNone/>
+            </a:pPr>
+            <a:r>
+              <a:rPr lang="en-US" sz="1300" b="1" dirty="0">
+                <a:solidFill>
+                  <a:srgbClr val="434343"/>
+                </a:solidFill>
+                <a:latin typeface="Inter"/>
+                <a:ea typeface="Inter"/>
+                <a:cs typeface="Inter"/>
+                <a:sym typeface="Inter"/>
+              </a:rPr>
+              <a:t>Full Charter: </a:t>
+            </a:r>
+            <a:r>
+              <a:rPr lang="en-US" sz="1300" dirty="0">
+                <a:solidFill>
+                  <a:srgbClr val="434343"/>
+                </a:solidFill>
+                <a:latin typeface="Inter"/>
+                <a:ea typeface="Inter"/>
+                <a:cs typeface="Inter"/>
+                <a:sym typeface="Inter"/>
+                <a:hlinkClick r:id="rId3"/>
+              </a:rPr>
+              <a:t>https://datatracker.ietf.org/group/bmwg/about/</a:t>
+            </a:r>
+            <a:endParaRPr lang="en-US" sz="1300" dirty="0">
+              <a:solidFill>
+                <a:srgbClr val="434343"/>
+              </a:solidFill>
+              <a:latin typeface="Inter"/>
+              <a:ea typeface="Inter"/>
+              <a:cs typeface="Inter"/>
+              <a:sym typeface="Inter"/>
+            </a:endParaRPr>
+          </a:p>
+        </p:txBody>
+      </p:sp>
+    </p:spTree>
+    <p:extLst>
+      <p:ext uri="{BB962C8B-B14F-4D97-AF65-F5344CB8AC3E}">
+        <p14:creationId xmlns:p14="http://schemas.microsoft.com/office/powerpoint/2010/main" val="1659843495"/>
+      </p:ext>
+    </p:extLst>
+  </p:cSld>
+  <p:clrMapOvr>
+    <a:masterClrMapping/>
+  </p:clrMapOvr>
+  <mc:AlternateContent xmlns:mc="http://schemas.openxmlformats.org/markup-compatibility/2006" xmlns:p14="http://schemas.microsoft.com/office/powerpoint/2010/main">
+    <mc:Choice Requires="p14">
+      <p:transition spd="med" p14:dur="700">
+        <p:fade/>
+      </p:transition>
+    </mc:Choice>
+    <mc:Fallback xmlns="">
+      <p:transition spd="med">
+        <p:fade/>
+      </p:transition>
+    </mc:Fallback>
+  </mc:AlternateContent>
+</p:sld>
+</file>
+
+<file path=ppt/slides/slide7.xml><?xml version="1.0" encoding="utf-8"?>
+<p:sld xmlns:a="http://schemas.openxmlformats.org/drawingml/2006/main" xmlns:r="http://schemas.openxmlformats.org/officeDocument/2006/relationships" xmlns:p="http://schemas.openxmlformats.org/presentationml/2006/main">
+  <p:cSld>
+    <p:spTree>
+      <p:nvGrpSpPr>
+        <p:cNvPr id="1" name="Shape 112"/>
+        <p:cNvGrpSpPr/>
+        <p:nvPr/>
+      </p:nvGrpSpPr>
+      <p:grpSpPr>
+        <a:xfrm>
+          <a:off x="0" y="0"/>
+          <a:ext cx="0" cy="0"/>
+          <a:chOff x="0" y="0"/>
+          <a:chExt cx="0" cy="0"/>
+        </a:xfrm>
+      </p:grpSpPr>
+      <p:sp>
+        <p:nvSpPr>
+          <p:cNvPr id="113" name="Google Shape;113;p21"/>
+          <p:cNvSpPr txBox="1">
+            <a:spLocks noGrp="1"/>
+          </p:cNvSpPr>
+          <p:nvPr>
+            <p:ph type="title"/>
+          </p:nvPr>
+        </p:nvSpPr>
+        <p:spPr>
+          <a:xfrm>
+            <a:off x="401925" y="16350"/>
+            <a:ext cx="8523000" cy="602700"/>
+          </a:xfrm>
+          <a:prstGeom prst="rect">
+            <a:avLst/>
+          </a:prstGeom>
+          <a:noFill/>
+          <a:ln>
+            <a:noFill/>
+          </a:ln>
+        </p:spPr>
+        <p:txBody>
+          <a:bodyPr spcFirstLastPara="1" wrap="square" lIns="91425" tIns="91425" rIns="91425" bIns="91425" anchor="b" anchorCtr="0">
+            <a:noAutofit/>
+          </a:bodyPr>
+          <a:lstStyle/>
+          <a:p>
+            <a:pPr marL="0" marR="0" lvl="0" indent="0" algn="l" rtl="0">
+              <a:lnSpc>
+                <a:spcPct val="100000"/>
+              </a:lnSpc>
+              <a:spcBef>
+                <a:spcPts val="0"/>
+              </a:spcBef>
+              <a:spcAft>
+                <a:spcPts val="0"/>
+              </a:spcAft>
+              <a:buClr>
+                <a:schemeClr val="lt1"/>
+              </a:buClr>
+              <a:buSzPts val="3200"/>
+              <a:buFont typeface="Open Sans SemiBold"/>
+              <a:buNone/>
+            </a:pPr>
+            <a:r>
+              <a:rPr lang="en-US" sz="2400" dirty="0"/>
+              <a:t>IPPM charter</a:t>
+            </a:r>
+            <a:endParaRPr sz="2400" b="0" i="0" u="none" strike="noStrike" cap="none" dirty="0">
+              <a:solidFill>
+                <a:schemeClr val="lt1"/>
+              </a:solidFill>
+              <a:latin typeface="Open Sans"/>
+              <a:ea typeface="Open Sans"/>
+              <a:cs typeface="Open Sans"/>
+              <a:sym typeface="Open Sans"/>
+            </a:endParaRPr>
+          </a:p>
+        </p:txBody>
+      </p:sp>
+      <p:sp>
+        <p:nvSpPr>
+          <p:cNvPr id="114" name="Google Shape;114;p21"/>
+          <p:cNvSpPr txBox="1">
+            <a:spLocks noGrp="1"/>
+          </p:cNvSpPr>
+          <p:nvPr>
+            <p:ph type="body" idx="4294967295"/>
+          </p:nvPr>
+        </p:nvSpPr>
+        <p:spPr>
+          <a:xfrm>
+            <a:off x="401925" y="722400"/>
+            <a:ext cx="7871700" cy="3698700"/>
+          </a:xfrm>
+          <a:prstGeom prst="rect">
+            <a:avLst/>
+          </a:prstGeom>
+          <a:noFill/>
+          <a:ln>
+            <a:noFill/>
+          </a:ln>
+        </p:spPr>
+        <p:txBody>
+          <a:bodyPr spcFirstLastPara="1" wrap="square" lIns="91425" tIns="91425" rIns="91425" bIns="91425" anchor="t" anchorCtr="0">
+            <a:noAutofit/>
+          </a:bodyPr>
+          <a:lstStyle/>
+          <a:p>
+            <a:pPr marL="457200" marR="0" lvl="0" indent="-311150" algn="l" rtl="0">
+              <a:lnSpc>
+                <a:spcPct val="115000"/>
+              </a:lnSpc>
+              <a:spcBef>
+                <a:spcPts val="600"/>
+              </a:spcBef>
+              <a:spcAft>
+                <a:spcPts val="0"/>
+              </a:spcAft>
+              <a:buClr>
+                <a:srgbClr val="434343"/>
+              </a:buClr>
+              <a:buSzPts val="1300"/>
+              <a:buFont typeface="Inter"/>
+              <a:buChar char="●"/>
+            </a:pPr>
+            <a:endParaRPr lang="en-US" sz="1300" dirty="0">
+              <a:solidFill>
+                <a:srgbClr val="434343"/>
+              </a:solidFill>
+              <a:latin typeface="Inter"/>
+              <a:ea typeface="Inter"/>
+              <a:cs typeface="Inter"/>
+              <a:sym typeface="Inter"/>
+            </a:endParaRPr>
+          </a:p>
+          <a:p>
+            <a:pPr marL="457200" marR="0" lvl="0" indent="-311150" algn="l" rtl="0">
+              <a:lnSpc>
+                <a:spcPct val="115000"/>
+              </a:lnSpc>
+              <a:spcBef>
+                <a:spcPts val="600"/>
+              </a:spcBef>
+              <a:spcAft>
+                <a:spcPts val="0"/>
+              </a:spcAft>
+              <a:buClr>
+                <a:srgbClr val="434343"/>
+              </a:buClr>
+              <a:buSzPts val="1300"/>
+              <a:buFont typeface="Inter"/>
+              <a:buChar char="●"/>
+            </a:pPr>
+            <a:r>
+              <a:rPr lang="en-US" sz="1300" dirty="0">
+                <a:solidFill>
+                  <a:srgbClr val="434343"/>
+                </a:solidFill>
+                <a:latin typeface="Inter"/>
+                <a:ea typeface="Inter"/>
+                <a:cs typeface="Inter"/>
+                <a:sym typeface="Inter"/>
+              </a:rPr>
+              <a:t>The IP Performance Measurement (IPPM) Working Group </a:t>
+            </a:r>
+            <a:r>
+              <a:rPr lang="en-US" sz="1300" b="1" dirty="0">
+                <a:solidFill>
+                  <a:srgbClr val="434343"/>
+                </a:solidFill>
+                <a:latin typeface="Inter"/>
+                <a:ea typeface="Inter"/>
+                <a:cs typeface="Inter"/>
+                <a:sym typeface="Inter"/>
+              </a:rPr>
+              <a:t>develops and maintains standard metrics that can be applied to the quality, performance, and reliability of Internet data delivery services and applications running over transport layer protocols (e.g. TCP, UDP) over IP. </a:t>
+            </a:r>
+            <a:r>
+              <a:rPr lang="en-US" sz="1300" dirty="0">
+                <a:solidFill>
+                  <a:srgbClr val="434343"/>
+                </a:solidFill>
+                <a:latin typeface="Inter"/>
+                <a:ea typeface="Inter"/>
+                <a:cs typeface="Inter"/>
+                <a:sym typeface="Inter"/>
+              </a:rPr>
+              <a:t>It also develops and maintains methodologies and protocols for the measurement of these metrics. These metrics, protocols, and methodologies are designed such that they can be used by network operators, end users, or independent testing groups. Metrics developed by the IPPM WG are intended to provide unbiased quantitative performance measurements.</a:t>
+            </a:r>
+          </a:p>
+          <a:p>
+            <a:pPr marL="457200" marR="0" lvl="0" indent="-311150" algn="l" rtl="0">
+              <a:lnSpc>
+                <a:spcPct val="115000"/>
+              </a:lnSpc>
+              <a:spcBef>
+                <a:spcPts val="600"/>
+              </a:spcBef>
+              <a:spcAft>
+                <a:spcPts val="0"/>
+              </a:spcAft>
+              <a:buClr>
+                <a:srgbClr val="434343"/>
+              </a:buClr>
+              <a:buSzPts val="1300"/>
+              <a:buFont typeface="Inter"/>
+              <a:buChar char="●"/>
+            </a:pPr>
+            <a:r>
+              <a:rPr lang="en-US" sz="1300" dirty="0">
+                <a:solidFill>
+                  <a:srgbClr val="434343"/>
+                </a:solidFill>
+                <a:latin typeface="Inter"/>
+                <a:ea typeface="Inter"/>
+                <a:cs typeface="Inter"/>
+                <a:sym typeface="Inter"/>
+              </a:rPr>
+              <a:t>The IPPM WG works to foster commonality and comparability of metrics and measurements across IETF protocols at different layers. Its work is limited to metrics and methodologies which are applicable over transport-layer protocols over IP, and does not specify encapsulations required for measurements over non-IP layers.</a:t>
+            </a:r>
+          </a:p>
+          <a:p>
+            <a:pPr marL="146050" indent="0">
+              <a:spcBef>
+                <a:spcPts val="600"/>
+              </a:spcBef>
+              <a:buClr>
+                <a:srgbClr val="434343"/>
+              </a:buClr>
+              <a:buSzPts val="1300"/>
+              <a:buNone/>
+            </a:pPr>
+            <a:endParaRPr lang="en-US" sz="1300" b="1" dirty="0">
+              <a:solidFill>
+                <a:srgbClr val="434343"/>
+              </a:solidFill>
+              <a:latin typeface="Inter"/>
+              <a:ea typeface="Inter"/>
+              <a:cs typeface="Inter"/>
+              <a:sym typeface="Inter"/>
+            </a:endParaRPr>
+          </a:p>
+          <a:p>
+            <a:pPr marL="146050" indent="0">
+              <a:spcBef>
+                <a:spcPts val="600"/>
+              </a:spcBef>
+              <a:buClr>
+                <a:srgbClr val="434343"/>
+              </a:buClr>
+              <a:buSzPts val="1300"/>
+              <a:buNone/>
+            </a:pPr>
+            <a:endParaRPr lang="en-US" sz="1300" b="1" dirty="0">
+              <a:solidFill>
+                <a:srgbClr val="434343"/>
+              </a:solidFill>
+              <a:latin typeface="Inter"/>
+              <a:ea typeface="Inter"/>
+              <a:cs typeface="Inter"/>
+              <a:sym typeface="Inter"/>
+            </a:endParaRPr>
+          </a:p>
+          <a:p>
+            <a:pPr marL="146050" indent="0">
+              <a:spcBef>
+                <a:spcPts val="600"/>
+              </a:spcBef>
+              <a:buClr>
+                <a:srgbClr val="434343"/>
+              </a:buClr>
+              <a:buSzPts val="1300"/>
+              <a:buNone/>
+            </a:pPr>
+            <a:r>
+              <a:rPr lang="en-US" sz="1300" b="1" dirty="0">
+                <a:solidFill>
+                  <a:srgbClr val="434343"/>
+                </a:solidFill>
+                <a:latin typeface="Inter"/>
+                <a:ea typeface="Inter"/>
+                <a:cs typeface="Inter"/>
+                <a:sym typeface="Inter"/>
+              </a:rPr>
+              <a:t>Full Charter: </a:t>
+            </a:r>
+            <a:r>
+              <a:rPr lang="en-US" sz="1300" dirty="0">
+                <a:solidFill>
+                  <a:srgbClr val="434343"/>
+                </a:solidFill>
+                <a:latin typeface="Inter"/>
+                <a:ea typeface="Inter"/>
+                <a:cs typeface="Inter"/>
+                <a:sym typeface="Inter"/>
+                <a:hlinkClick r:id="rId3"/>
+              </a:rPr>
+              <a:t>https://datatracker.ietf.org/group/ippm/about/</a:t>
+            </a:r>
+            <a:br>
+              <a:rPr lang="en-US" sz="1300" dirty="0">
+                <a:solidFill>
+                  <a:srgbClr val="434343"/>
+                </a:solidFill>
+                <a:latin typeface="Inter"/>
+                <a:ea typeface="Inter"/>
+                <a:cs typeface="Inter"/>
+                <a:sym typeface="Inter"/>
+              </a:rPr>
+            </a:br>
+            <a:endParaRPr lang="en-US" sz="1300" dirty="0">
+              <a:solidFill>
+                <a:srgbClr val="434343"/>
+              </a:solidFill>
+              <a:latin typeface="Inter"/>
+              <a:ea typeface="Inter"/>
+              <a:cs typeface="Inter"/>
+              <a:sym typeface="Inter"/>
+            </a:endParaRPr>
+          </a:p>
+          <a:p>
+            <a:pPr marL="457200" marR="0" lvl="0" indent="-311150" algn="l" rtl="0">
+              <a:lnSpc>
+                <a:spcPct val="115000"/>
+              </a:lnSpc>
+              <a:spcBef>
+                <a:spcPts val="600"/>
+              </a:spcBef>
+              <a:spcAft>
+                <a:spcPts val="0"/>
+              </a:spcAft>
+              <a:buClr>
+                <a:srgbClr val="434343"/>
+              </a:buClr>
+              <a:buSzPts val="1300"/>
+              <a:buFont typeface="Inter"/>
+              <a:buChar char="●"/>
+            </a:pPr>
+            <a:endParaRPr lang="en-US" sz="1300" dirty="0">
+              <a:solidFill>
+                <a:srgbClr val="434343"/>
+              </a:solidFill>
+              <a:latin typeface="Inter"/>
+              <a:ea typeface="Inter"/>
+              <a:cs typeface="Inter"/>
+              <a:sym typeface="Inter"/>
+            </a:endParaRPr>
+          </a:p>
+        </p:txBody>
+      </p:sp>
+    </p:spTree>
+    <p:extLst>
+      <p:ext uri="{BB962C8B-B14F-4D97-AF65-F5344CB8AC3E}">
+        <p14:creationId xmlns:p14="http://schemas.microsoft.com/office/powerpoint/2010/main" val="1383312952"/>
+      </p:ext>
+    </p:extLst>
+  </p:cSld>
+  <p:clrMapOvr>
+    <a:masterClrMapping/>
+  </p:clrMapOvr>
+  <mc:AlternateContent xmlns:mc="http://schemas.openxmlformats.org/markup-compatibility/2006" xmlns:p14="http://schemas.microsoft.com/office/powerpoint/2010/main">
+    <mc:Choice Requires="p14">
+      <p:transition spd="med" p14:dur="700">
+        <p:fade/>
+      </p:transition>
+    </mc:Choice>
+    <mc:Fallback xmlns="">
+      <p:transition spd="med">
+        <p:fade/>
+      </p:transition>
+    </mc:Fallback>
+  </mc:AlternateContent>
+</p:sld>
+</file>
+
+<file path=ppt/slides/slide8.xml><?xml version="1.0" encoding="utf-8"?>
 <p:sld xmlns:a="http://schemas.openxmlformats.org/drawingml/2006/main" xmlns:r="http://schemas.openxmlformats.org/officeDocument/2006/relationships" xmlns:p="http://schemas.openxmlformats.org/presentationml/2006/main">
   <p:cSld>
     <p:spTree>
@@ -21052,7 +22902,7 @@
             </a:pPr>
             <a:fld id="{00000000-1234-1234-1234-123412341234}" type="slidenum">
               <a:rPr lang="en-US" smtClean="0"/>
-              <a:t>6</a:t>
+              <a:t>8</a:t>
             </a:fld>
             <a:endParaRPr lang="en-US"/>
           </a:p>
@@ -21071,7 +22921,7 @@
 </p:sld>
 </file>
 
-<file path=ppt/slides/slide7.xml><?xml version="1.0" encoding="utf-8"?>
+<file path=ppt/slides/slide9.xml><?xml version="1.0" encoding="utf-8"?>
 <p:sld xmlns:a="http://schemas.openxmlformats.org/drawingml/2006/main" xmlns:r="http://schemas.openxmlformats.org/officeDocument/2006/relationships" xmlns:p="http://schemas.openxmlformats.org/presentationml/2006/main">
   <p:cSld>
     <p:spTree>
@@ -21165,7 +23015,7 @@
             </a:pPr>
             <a:fld id="{00000000-1234-1234-1234-123412341234}" type="slidenum">
               <a:rPr lang="en-US" smtClean="0"/>
-              <a:t>7</a:t>
+              <a:t>9</a:t>
             </a:fld>
             <a:endParaRPr lang="en-US"/>
           </a:p>
@@ -21205,454 +23055,6 @@
     <p:extLst>
       <p:ext uri="{BB962C8B-B14F-4D97-AF65-F5344CB8AC3E}">
         <p14:creationId xmlns:p14="http://schemas.microsoft.com/office/powerpoint/2010/main" val="2332748115"/>
-      </p:ext>
-    </p:extLst>
-  </p:cSld>
-  <p:clrMapOvr>
-    <a:masterClrMapping/>
-  </p:clrMapOvr>
-</p:sld>
-</file>
-
-<file path=ppt/slides/slide8.xml><?xml version="1.0" encoding="utf-8"?>
-<p:sld xmlns:a="http://schemas.openxmlformats.org/drawingml/2006/main" xmlns:r="http://schemas.openxmlformats.org/officeDocument/2006/relationships" xmlns:p="http://schemas.openxmlformats.org/presentationml/2006/main">
-  <p:cSld>
-    <p:spTree>
-      <p:nvGrpSpPr>
-        <p:cNvPr id="1" name=""/>
-        <p:cNvGrpSpPr/>
-        <p:nvPr/>
-      </p:nvGrpSpPr>
-      <p:grpSpPr>
-        <a:xfrm>
-          <a:off x="0" y="0"/>
-          <a:ext cx="0" cy="0"/>
-          <a:chOff x="0" y="0"/>
-          <a:chExt cx="0" cy="0"/>
-        </a:xfrm>
-      </p:grpSpPr>
-      <p:sp>
-        <p:nvSpPr>
-          <p:cNvPr id="2" name="Title 1">
-            <a:extLst>
-              <a:ext uri="{FF2B5EF4-FFF2-40B4-BE49-F238E27FC236}">
-                <a16:creationId xmlns:a16="http://schemas.microsoft.com/office/drawing/2014/main" id="{0B9E15DC-F076-98D2-1BDF-BC01FEC9047B}"/>
-              </a:ext>
-            </a:extLst>
-          </p:cNvPr>
-          <p:cNvSpPr>
-            <a:spLocks noGrp="1"/>
-          </p:cNvSpPr>
-          <p:nvPr>
-            <p:ph type="title"/>
-          </p:nvPr>
-        </p:nvSpPr>
-        <p:spPr/>
-        <p:txBody>
-          <a:bodyPr anchor="ctr"/>
-          <a:lstStyle/>
-          <a:p>
-            <a:r>
-              <a:rPr lang="en-US" dirty="0"/>
-              <a:t>Agenda</a:t>
-            </a:r>
-            <a:r>
-              <a:rPr lang="en-001" dirty="0"/>
-              <a:t> – </a:t>
-            </a:r>
-            <a:r>
-              <a:rPr lang="de-CH" dirty="0" err="1"/>
-              <a:t>Proposed</a:t>
-            </a:r>
-            <a:r>
-              <a:rPr lang="de-CH" dirty="0"/>
-              <a:t> Work</a:t>
-            </a:r>
-            <a:endParaRPr lang="en-US" dirty="0"/>
-          </a:p>
-        </p:txBody>
-      </p:sp>
-      <p:sp>
-        <p:nvSpPr>
-          <p:cNvPr id="4" name="Slide Number Placeholder 3">
-            <a:extLst>
-              <a:ext uri="{FF2B5EF4-FFF2-40B4-BE49-F238E27FC236}">
-                <a16:creationId xmlns:a16="http://schemas.microsoft.com/office/drawing/2014/main" id="{D216BDC7-4DE9-D9D5-0725-BBEF6CFE8DF1}"/>
-              </a:ext>
-            </a:extLst>
-          </p:cNvPr>
-          <p:cNvSpPr>
-            <a:spLocks noGrp="1"/>
-          </p:cNvSpPr>
-          <p:nvPr>
-            <p:ph type="sldNum" idx="12"/>
-          </p:nvPr>
-        </p:nvSpPr>
-        <p:spPr/>
-        <p:txBody>
-          <a:bodyPr/>
-          <a:lstStyle/>
-          <a:p>
-            <a:pPr marL="0" lvl="0" indent="0" algn="r" rtl="0">
-              <a:spcBef>
-                <a:spcPts val="0"/>
-              </a:spcBef>
-              <a:spcAft>
-                <a:spcPts val="0"/>
-              </a:spcAft>
-              <a:buNone/>
-            </a:pPr>
-            <a:fld id="{00000000-1234-1234-1234-123412341234}" type="slidenum">
-              <a:rPr lang="en-US" smtClean="0"/>
-              <a:t>8</a:t>
-            </a:fld>
-            <a:endParaRPr lang="en-US"/>
-          </a:p>
-        </p:txBody>
-      </p:sp>
-      <p:sp>
-        <p:nvSpPr>
-          <p:cNvPr id="5" name="TextBox 4">
-            <a:extLst>
-              <a:ext uri="{FF2B5EF4-FFF2-40B4-BE49-F238E27FC236}">
-                <a16:creationId xmlns:a16="http://schemas.microsoft.com/office/drawing/2014/main" id="{4415A45C-D066-654C-3989-5671669230C8}"/>
-              </a:ext>
-            </a:extLst>
-          </p:cNvPr>
-          <p:cNvSpPr txBox="1"/>
-          <p:nvPr/>
-        </p:nvSpPr>
-        <p:spPr>
-          <a:xfrm>
-            <a:off x="1665297" y="3410195"/>
-            <a:ext cx="2657324" cy="246221"/>
-          </a:xfrm>
-          <a:prstGeom prst="rect">
-            <a:avLst/>
-          </a:prstGeom>
-          <a:noFill/>
-        </p:spPr>
-        <p:txBody>
-          <a:bodyPr wrap="square">
-            <a:spAutoFit/>
-          </a:bodyPr>
-          <a:lstStyle/>
-          <a:p>
-            <a:r>
-              <a:rPr lang="en-GB" sz="1000" dirty="0">
-                <a:solidFill>
-                  <a:schemeClr val="accent4"/>
-                </a:solidFill>
-                <a:latin typeface="Inter" panose="020B0604020202020204" charset="0"/>
-                <a:ea typeface="Inter" panose="020B0604020202020204" charset="0"/>
-              </a:rPr>
-              <a:t>draft-</a:t>
-            </a:r>
-            <a:r>
-              <a:rPr lang="en-GB" sz="1000" dirty="0" err="1">
-                <a:solidFill>
-                  <a:schemeClr val="accent4"/>
-                </a:solidFill>
-                <a:latin typeface="Inter" panose="020B0604020202020204" charset="0"/>
-                <a:ea typeface="Inter" panose="020B0604020202020204" charset="0"/>
-              </a:rPr>
-              <a:t>ietf</a:t>
-            </a:r>
-            <a:r>
-              <a:rPr lang="en-GB" sz="1000" dirty="0">
-                <a:solidFill>
-                  <a:schemeClr val="accent4"/>
-                </a:solidFill>
-                <a:latin typeface="Inter" panose="020B0604020202020204" charset="0"/>
-                <a:ea typeface="Inter" panose="020B0604020202020204" charset="0"/>
-              </a:rPr>
-              <a:t>-opsawg-</a:t>
-            </a:r>
-            <a:r>
-              <a:rPr lang="en-GB" sz="1000" dirty="0" err="1">
-                <a:solidFill>
-                  <a:schemeClr val="accent4"/>
-                </a:solidFill>
-                <a:latin typeface="Inter" panose="020B0604020202020204" charset="0"/>
-                <a:ea typeface="Inter" panose="020B0604020202020204" charset="0"/>
-              </a:rPr>
-              <a:t>oam</a:t>
-            </a:r>
-            <a:r>
-              <a:rPr lang="en-GB" sz="1000" dirty="0">
-                <a:solidFill>
-                  <a:schemeClr val="accent4"/>
-                </a:solidFill>
-                <a:latin typeface="Inter" panose="020B0604020202020204" charset="0"/>
-                <a:ea typeface="Inter" panose="020B0604020202020204" charset="0"/>
-              </a:rPr>
-              <a:t>-characterization</a:t>
-            </a:r>
-            <a:endParaRPr lang="de-CH" sz="1000" dirty="0">
-              <a:solidFill>
-                <a:schemeClr val="accent4"/>
-              </a:solidFill>
-              <a:latin typeface="Inter" panose="020B0604020202020204" charset="0"/>
-              <a:ea typeface="Inter" panose="020B0604020202020204" charset="0"/>
-            </a:endParaRPr>
-          </a:p>
-        </p:txBody>
-      </p:sp>
-      <p:sp>
-        <p:nvSpPr>
-          <p:cNvPr id="6" name="TextBox 5">
-            <a:extLst>
-              <a:ext uri="{FF2B5EF4-FFF2-40B4-BE49-F238E27FC236}">
-                <a16:creationId xmlns:a16="http://schemas.microsoft.com/office/drawing/2014/main" id="{56370054-45B6-FE84-EE9A-AAE2E1DB87A7}"/>
-              </a:ext>
-            </a:extLst>
-          </p:cNvPr>
-          <p:cNvSpPr txBox="1"/>
-          <p:nvPr/>
-        </p:nvSpPr>
-        <p:spPr>
-          <a:xfrm>
-            <a:off x="5431544" y="3410194"/>
-            <a:ext cx="939358" cy="246221"/>
-          </a:xfrm>
-          <a:prstGeom prst="rect">
-            <a:avLst/>
-          </a:prstGeom>
-          <a:noFill/>
-        </p:spPr>
-        <p:txBody>
-          <a:bodyPr wrap="square">
-            <a:spAutoFit/>
-          </a:bodyPr>
-          <a:lstStyle/>
-          <a:p>
-            <a:r>
-              <a:rPr lang="en-GB" sz="1000" dirty="0">
-                <a:solidFill>
-                  <a:schemeClr val="accent4"/>
-                </a:solidFill>
-                <a:latin typeface="Inter" panose="020B0604020202020204" charset="0"/>
-                <a:ea typeface="Inter" panose="020B0604020202020204" charset="0"/>
-              </a:rPr>
-              <a:t>T. Graf</a:t>
-            </a:r>
-            <a:endParaRPr lang="de-CH" sz="1000" dirty="0">
-              <a:solidFill>
-                <a:schemeClr val="accent4"/>
-              </a:solidFill>
-              <a:latin typeface="Inter" panose="020B0604020202020204" charset="0"/>
-              <a:ea typeface="Inter" panose="020B0604020202020204" charset="0"/>
-            </a:endParaRPr>
-          </a:p>
-        </p:txBody>
-      </p:sp>
-      <p:pic>
-        <p:nvPicPr>
-          <p:cNvPr id="10" name="Picture 9">
-            <a:extLst>
-              <a:ext uri="{FF2B5EF4-FFF2-40B4-BE49-F238E27FC236}">
-                <a16:creationId xmlns:a16="http://schemas.microsoft.com/office/drawing/2014/main" id="{2F01ACCD-F730-EE43-3E47-AC8C0118F619}"/>
-              </a:ext>
-            </a:extLst>
-          </p:cNvPr>
-          <p:cNvPicPr>
-            <a:picLocks noChangeAspect="1"/>
-          </p:cNvPicPr>
-          <p:nvPr/>
-        </p:nvPicPr>
-        <p:blipFill>
-          <a:blip r:embed="rId3"/>
-          <a:stretch>
-            <a:fillRect/>
-          </a:stretch>
-        </p:blipFill>
-        <p:spPr>
-          <a:xfrm>
-            <a:off x="471900" y="2362298"/>
-            <a:ext cx="7973538" cy="2095792"/>
-          </a:xfrm>
-          <a:prstGeom prst="rect">
-            <a:avLst/>
-          </a:prstGeom>
-        </p:spPr>
-      </p:pic>
-    </p:spTree>
-    <p:extLst>
-      <p:ext uri="{BB962C8B-B14F-4D97-AF65-F5344CB8AC3E}">
-        <p14:creationId xmlns:p14="http://schemas.microsoft.com/office/powerpoint/2010/main" val="703495152"/>
-      </p:ext>
-    </p:extLst>
-  </p:cSld>
-  <p:clrMapOvr>
-    <a:masterClrMapping/>
-  </p:clrMapOvr>
-</p:sld>
-</file>
-
-<file path=ppt/slides/slide9.xml><?xml version="1.0" encoding="utf-8"?>
-<p:sld xmlns:a="http://schemas.openxmlformats.org/drawingml/2006/main" xmlns:r="http://schemas.openxmlformats.org/officeDocument/2006/relationships" xmlns:p="http://schemas.openxmlformats.org/presentationml/2006/main">
-  <p:cSld>
-    <p:spTree>
-      <p:nvGrpSpPr>
-        <p:cNvPr id="1" name=""/>
-        <p:cNvGrpSpPr/>
-        <p:nvPr/>
-      </p:nvGrpSpPr>
-      <p:grpSpPr>
-        <a:xfrm>
-          <a:off x="0" y="0"/>
-          <a:ext cx="0" cy="0"/>
-          <a:chOff x="0" y="0"/>
-          <a:chExt cx="0" cy="0"/>
-        </a:xfrm>
-      </p:grpSpPr>
-      <p:sp>
-        <p:nvSpPr>
-          <p:cNvPr id="2" name="Title 1">
-            <a:extLst>
-              <a:ext uri="{FF2B5EF4-FFF2-40B4-BE49-F238E27FC236}">
-                <a16:creationId xmlns:a16="http://schemas.microsoft.com/office/drawing/2014/main" id="{0B9E15DC-F076-98D2-1BDF-BC01FEC9047B}"/>
-              </a:ext>
-            </a:extLst>
-          </p:cNvPr>
-          <p:cNvSpPr>
-            <a:spLocks noGrp="1"/>
-          </p:cNvSpPr>
-          <p:nvPr>
-            <p:ph type="title"/>
-          </p:nvPr>
-        </p:nvSpPr>
-        <p:spPr/>
-        <p:txBody>
-          <a:bodyPr anchor="ctr"/>
-          <a:lstStyle/>
-          <a:p>
-            <a:r>
-              <a:rPr lang="en-001" dirty="0"/>
-              <a:t>Document Updates Since IETF 12</a:t>
-            </a:r>
-            <a:r>
-              <a:rPr lang="de-CH" dirty="0"/>
-              <a:t>2</a:t>
-            </a:r>
-            <a:endParaRPr lang="en-US" dirty="0"/>
-          </a:p>
-        </p:txBody>
-      </p:sp>
-      <p:sp>
-        <p:nvSpPr>
-          <p:cNvPr id="4" name="Slide Number Placeholder 3">
-            <a:extLst>
-              <a:ext uri="{FF2B5EF4-FFF2-40B4-BE49-F238E27FC236}">
-                <a16:creationId xmlns:a16="http://schemas.microsoft.com/office/drawing/2014/main" id="{D216BDC7-4DE9-D9D5-0725-BBEF6CFE8DF1}"/>
-              </a:ext>
-            </a:extLst>
-          </p:cNvPr>
-          <p:cNvSpPr>
-            <a:spLocks noGrp="1"/>
-          </p:cNvSpPr>
-          <p:nvPr>
-            <p:ph type="sldNum" idx="12"/>
-          </p:nvPr>
-        </p:nvSpPr>
-        <p:spPr/>
-        <p:txBody>
-          <a:bodyPr/>
-          <a:lstStyle/>
-          <a:p>
-            <a:pPr marL="0" lvl="0" indent="0" algn="r" rtl="0">
-              <a:spcBef>
-                <a:spcPts val="0"/>
-              </a:spcBef>
-              <a:spcAft>
-                <a:spcPts val="0"/>
-              </a:spcAft>
-              <a:buNone/>
-            </a:pPr>
-            <a:fld id="{00000000-1234-1234-1234-123412341234}" type="slidenum">
-              <a:rPr lang="en-US" smtClean="0"/>
-              <a:t>9</a:t>
-            </a:fld>
-            <a:endParaRPr lang="en-US"/>
-          </a:p>
-        </p:txBody>
-      </p:sp>
-      <p:sp>
-        <p:nvSpPr>
-          <p:cNvPr id="3" name="Text Placeholder 2">
-            <a:extLst>
-              <a:ext uri="{FF2B5EF4-FFF2-40B4-BE49-F238E27FC236}">
-                <a16:creationId xmlns:a16="http://schemas.microsoft.com/office/drawing/2014/main" id="{FED4E835-D652-159B-D0CD-7FC58A509645}"/>
-              </a:ext>
-            </a:extLst>
-          </p:cNvPr>
-          <p:cNvSpPr>
-            <a:spLocks noGrp="1"/>
-          </p:cNvSpPr>
-          <p:nvPr>
-            <p:ph type="body" idx="1"/>
-          </p:nvPr>
-        </p:nvSpPr>
-        <p:spPr>
-          <a:xfrm>
-            <a:off x="471900" y="1919074"/>
-            <a:ext cx="8222100" cy="2710201"/>
-          </a:xfrm>
-        </p:spPr>
-        <p:txBody>
-          <a:bodyPr/>
-          <a:lstStyle/>
-          <a:p>
-            <a:r>
-              <a:rPr lang="de-CH" dirty="0"/>
-              <a:t>Text</a:t>
-            </a:r>
-            <a:endParaRPr lang="en-001" dirty="0"/>
-          </a:p>
-          <a:p>
-            <a:pPr lvl="1"/>
-            <a:r>
-              <a:rPr lang="de-CH" dirty="0"/>
-              <a:t>Text</a:t>
-            </a:r>
-            <a:endParaRPr lang="en-001" dirty="0"/>
-          </a:p>
-          <a:p>
-            <a:r>
-              <a:rPr lang="de-CH" dirty="0"/>
-              <a:t>Text</a:t>
-            </a:r>
-            <a:endParaRPr lang="en-001" dirty="0"/>
-          </a:p>
-          <a:p>
-            <a:pPr lvl="1"/>
-            <a:r>
-              <a:rPr lang="de-CH" dirty="0"/>
-              <a:t>Text</a:t>
-            </a:r>
-            <a:endParaRPr lang="en-001" dirty="0"/>
-          </a:p>
-          <a:p>
-            <a:r>
-              <a:rPr lang="de-CH" dirty="0"/>
-              <a:t>Text</a:t>
-            </a:r>
-            <a:endParaRPr lang="en-001" dirty="0"/>
-          </a:p>
-          <a:p>
-            <a:pPr lvl="1"/>
-            <a:r>
-              <a:rPr lang="de-CH" dirty="0"/>
-              <a:t>Text</a:t>
-            </a:r>
-            <a:endParaRPr lang="en-001" dirty="0"/>
-          </a:p>
-        </p:txBody>
-      </p:sp>
-    </p:spTree>
-    <p:extLst>
-      <p:ext uri="{BB962C8B-B14F-4D97-AF65-F5344CB8AC3E}">
-        <p14:creationId xmlns:p14="http://schemas.microsoft.com/office/powerpoint/2010/main" val="1372742302"/>
       </p:ext>
     </p:extLst>
   </p:cSld>

--- a/ietf123-Madrid/Slides/chair-slides-bmwg-ippm.pptx
+++ b/ietf123-Madrid/Slides/chair-slides-bmwg-ippm.pptx
@@ -19278,48 +19278,112 @@
           <a:lstStyle/>
           <a:p>
             <a:r>
-              <a:rPr lang="de-CH" dirty="0"/>
-              <a:t>Text</a:t>
+              <a:rPr lang="de-CH" sz="1400" b="1" dirty="0"/>
+              <a:t>draft-ietf-bmwg-mlrsearch </a:t>
             </a:r>
-            <a:endParaRPr lang="en-001" dirty="0"/>
+            <a:r>
+              <a:rPr lang="en-US" sz="1400" dirty="0"/>
+              <a:t>to be submitted to IESG for publication</a:t>
+            </a:r>
           </a:p>
           <a:p>
             <a:pPr lvl="1"/>
             <a:r>
-              <a:rPr lang="de-CH" dirty="0"/>
-              <a:t>Text</a:t>
+              <a:rPr lang="de-CH" sz="1400" dirty="0"/>
+              <a:t>AD Review addressed in the latest version </a:t>
             </a:r>
-            <a:endParaRPr lang="en-001" dirty="0"/>
           </a:p>
           <a:p>
             <a:r>
-              <a:rPr lang="de-CH" dirty="0"/>
-              <a:t>Text</a:t>
+              <a:rPr lang="de-CH" sz="1400" b="1" dirty="0"/>
+              <a:t>draft-ietf-bmwg-sr-bench-meth </a:t>
             </a:r>
-            <a:endParaRPr lang="en-001" dirty="0"/>
+            <a:r>
+              <a:rPr lang="de-CH" sz="1400" dirty="0"/>
+              <a:t>and </a:t>
+            </a:r>
+            <a:r>
+              <a:rPr lang="de-CH" sz="1400" b="1" dirty="0"/>
+              <a:t>draft-ietf-bmwg-network-tester-cfg</a:t>
+            </a:r>
+            <a:r>
+              <a:rPr lang="de-CH" sz="1400" dirty="0"/>
+              <a:t> preparing for the WGLC</a:t>
+            </a:r>
           </a:p>
           <a:p>
             <a:pPr lvl="1"/>
             <a:r>
-              <a:rPr lang="de-CH" dirty="0"/>
-              <a:t>Text</a:t>
+              <a:rPr lang="de-CH" sz="1400" dirty="0"/>
+              <a:t>Milestones to be revised accordingly</a:t>
             </a:r>
-            <a:endParaRPr lang="en-001" dirty="0"/>
           </a:p>
           <a:p>
             <a:r>
-              <a:rPr lang="de-CH" dirty="0"/>
-              <a:t>Text</a:t>
+              <a:rPr lang="de-CH" sz="1400" b="1" dirty="0"/>
+              <a:t>draft-cprjgf-bmwg-powerbench</a:t>
             </a:r>
-            <a:endParaRPr lang="en-001" dirty="0"/>
+            <a:r>
+              <a:rPr lang="de-CH" sz="1400" dirty="0"/>
+              <a:t>, </a:t>
+            </a:r>
+            <a:r>
+              <a:rPr lang="de-CH" sz="1400" b="1" dirty="0"/>
+              <a:t>draft-chen-bmwg-savnet-sav-benchmarking</a:t>
+            </a:r>
+            <a:r>
+              <a:rPr lang="de-CH" sz="1400" dirty="0"/>
+              <a:t> and </a:t>
+            </a:r>
+            <a:r>
+              <a:rPr lang="de-CH" sz="1400" b="1" dirty="0"/>
+              <a:t>draft-lencse-bmwg-multiple-ip-addresses</a:t>
+            </a:r>
+            <a:r>
+              <a:rPr lang="de-CH" sz="1400" dirty="0"/>
+              <a:t> candidate for adoption</a:t>
+            </a:r>
           </a:p>
           <a:p>
             <a:pPr lvl="1"/>
             <a:r>
-              <a:rPr lang="de-CH" dirty="0"/>
-              <a:t>Text</a:t>
+              <a:rPr lang="de-CH" sz="1400" dirty="0"/>
+              <a:t>R</a:t>
             </a:r>
-            <a:endParaRPr lang="en-001" dirty="0"/>
+            <a:r>
+              <a:rPr lang="de-CH" sz="1400"/>
+              <a:t>ecent </a:t>
+            </a:r>
+            <a:r>
+              <a:rPr lang="de-CH" sz="1400" dirty="0"/>
+              <a:t>discussion on the mailing list</a:t>
+            </a:r>
+          </a:p>
+          <a:p>
+            <a:r>
+              <a:rPr lang="de-CH" sz="1400" dirty="0"/>
+              <a:t>Proposals keep coming (see </a:t>
+            </a:r>
+            <a:r>
+              <a:rPr lang="de-CH" sz="1400" dirty="0">
+                <a:hlinkClick r:id="rId3"/>
+              </a:rPr>
+              <a:t>https://datatracker.ietf.org/wg/bmwg/documents/</a:t>
+            </a:r>
+            <a:r>
+              <a:rPr lang="de-CH" sz="1400" dirty="0"/>
+              <a:t>)</a:t>
+            </a:r>
+          </a:p>
+          <a:p>
+            <a:r>
+              <a:rPr lang="de-CH" sz="1400" dirty="0"/>
+              <a:t>Some discussion for revisiting BMWG RFCs in order to update RFC 2544</a:t>
+            </a:r>
+          </a:p>
+          <a:p>
+            <a:pPr lvl="1"/>
+            <a:endParaRPr lang="en-001" sz="1400" dirty="0"/>
           </a:p>
         </p:txBody>
       </p:sp>
@@ -19715,60 +19779,8 @@
           <a:p>
             <a:pPr lvl="1"/>
             <a:r>
-              <a:rPr lang="de-CH" dirty="0" err="1"/>
-              <a:t>Received</a:t>
-            </a:r>
-            <a:r>
               <a:rPr lang="de-CH" dirty="0"/>
-              <a:t> and </a:t>
-            </a:r>
-            <a:r>
-              <a:rPr lang="de-CH" dirty="0" err="1"/>
-              <a:t>addressed</a:t>
-            </a:r>
-            <a:r>
-              <a:rPr lang="de-CH" dirty="0"/>
-              <a:t> </a:t>
-            </a:r>
-            <a:r>
-              <a:rPr lang="de-CH" dirty="0" err="1"/>
-              <a:t>good</a:t>
-            </a:r>
-            <a:r>
-              <a:rPr lang="de-CH" dirty="0"/>
-              <a:t> </a:t>
-            </a:r>
-            <a:r>
-              <a:rPr lang="de-CH" dirty="0" err="1"/>
-              <a:t>feedback</a:t>
-            </a:r>
-            <a:r>
-              <a:rPr lang="de-CH"/>
-              <a:t>. Looking </a:t>
-            </a:r>
-            <a:r>
-              <a:rPr lang="de-CH" dirty="0" err="1"/>
-              <a:t>forward</a:t>
-            </a:r>
-            <a:r>
-              <a:rPr lang="de-CH" dirty="0"/>
-              <a:t> </a:t>
-            </a:r>
-            <a:r>
-              <a:rPr lang="de-CH" dirty="0" err="1"/>
-              <a:t>for</a:t>
-            </a:r>
-            <a:r>
-              <a:rPr lang="de-CH" dirty="0"/>
-              <a:t> </a:t>
-            </a:r>
-            <a:r>
-              <a:rPr lang="de-CH" dirty="0" err="1"/>
-              <a:t>more</a:t>
-            </a:r>
-            <a:r>
-              <a:rPr lang="de-CH" dirty="0"/>
-              <a:t>.</a:t>
+              <a:t>Received and addressed good feedback. Looking forward for more.</a:t>
             </a:r>
             <a:endParaRPr lang="en-001" dirty="0"/>
           </a:p>
@@ -22270,10 +22282,29 @@
                 <a:cs typeface="Inter"/>
                 <a:sym typeface="Inter"/>
               </a:rPr>
-              <a:t>The scope of BMWG has been extended to develop methods for virtual network functions (VNF) and their unique supporting infrastructure (such as SDN Controllers and </a:t>
+              <a:t>The set of relevant benchmarks will be developed with input from the community of users (network operators and testing organizations) and from those affected by the benchmarks when they are published (networking and test equipment manufacturers). </a:t>
             </a:r>
+          </a:p>
+          <a:p>
+            <a:pPr marL="457200" marR="0" lvl="0" indent="-311150" algn="l" rtl="0">
+              <a:lnSpc>
+                <a:spcPct val="115000"/>
+              </a:lnSpc>
+              <a:spcBef>
+                <a:spcPts val="600"/>
+              </a:spcBef>
+              <a:spcAft>
+                <a:spcPts val="0"/>
+              </a:spcAft>
+              <a:buClr>
+                <a:srgbClr val="434343"/>
+              </a:buClr>
+              <a:buSzPts val="1300"/>
+              <a:buFont typeface="Inter"/>
+              <a:buChar char="●"/>
+            </a:pPr>
             <a:r>
-              <a:rPr lang="en-US" sz="1300" dirty="0" err="1">
+              <a:rPr lang="en-US" sz="1300" dirty="0">
                 <a:solidFill>
                   <a:srgbClr val="434343"/>
                 </a:solidFill>
@@ -22282,19 +22313,7 @@
                 <a:cs typeface="Inter"/>
                 <a:sym typeface="Inter"/>
               </a:rPr>
-              <a:t>vSwitches</a:t>
-            </a:r>
-            <a:r>
-              <a:rPr lang="en-US" sz="1300" dirty="0">
-                <a:solidFill>
-                  <a:srgbClr val="434343"/>
-                </a:solidFill>
-                <a:latin typeface="Inter"/>
-                <a:ea typeface="Inter"/>
-                <a:cs typeface="Inter"/>
-                <a:sym typeface="Inter"/>
-              </a:rPr>
-              <a:t>). Benchmarks for platform capacity and performance characteristics of virtual routers, firewalls (and other security functions), signaling control gateways, and other forms of gateways are included. The benchmarks will foster comparisons between physical and virtual network functions, and also cover unique features of Network Function Virtualization systems. Also, with the emergence of virtualized test systems, specifications for test system calibration are also in-scope.</a:t>
+              <a:t>The scope of the BMWG is limited to the characterization of implementations of various internetworking technologies using controlled stimuli in a laboratory environment. Said differently, the BMWG does not attempt to produce benchmarks for live, operational networks.</a:t>
             </a:r>
           </a:p>
           <a:p>
@@ -23908,6 +23927,14 @@
 </file>
 
 <file path=customXml/item1.xml><?xml version="1.0" encoding="utf-8"?>
+<p:properties xmlns:p="http://schemas.microsoft.com/office/2006/metadata/properties" xmlns:xsi="http://www.w3.org/2001/XMLSchema-instance" xmlns:pc="http://schemas.microsoft.com/office/infopath/2007/PartnerControls">
+  <documentManagement>
+    <_activity xmlns="3e5e162a-5953-4fde-83b3-9639e6ab13bb" xsi:nil="true"/>
+  </documentManagement>
+</p:properties>
+</file>
+
+<file path=customXml/item2.xml><?xml version="1.0" encoding="utf-8"?>
 <ct:contentTypeSchema xmlns:ct="http://schemas.microsoft.com/office/2006/metadata/contentType" xmlns:ma="http://schemas.microsoft.com/office/2006/metadata/properties/metaAttributes" ct:_="" ma:_="" ma:contentTypeName="Dokument" ma:contentTypeID="0x01010028792A905D4FBE4781303B372FFF56B7" ma:contentTypeVersion="18" ma:contentTypeDescription="Ein neues Dokument erstellen." ma:contentTypeScope="" ma:versionID="1bed101c48ab8d637c0f10f3a19033d6">
   <xsd:schema xmlns:xsd="http://www.w3.org/2001/XMLSchema" xmlns:xs="http://www.w3.org/2001/XMLSchema" xmlns:p="http://schemas.microsoft.com/office/2006/metadata/properties" xmlns:ns3="3e5e162a-5953-4fde-83b3-9639e6ab13bb" xmlns:ns4="266fa233-377d-43d6-82a1-e70154e55ff7" targetNamespace="http://schemas.microsoft.com/office/2006/metadata/properties" ma:root="true" ma:fieldsID="ad54ca06dfd6fdd081bd33575dcf7e57" ns3:_="" ns4:_="">
     <xsd:import namespace="3e5e162a-5953-4fde-83b3-9639e6ab13bb"/>
@@ -24160,7 +24187,7 @@
 </ct:contentTypeSchema>
 </file>
 
-<file path=customXml/item2.xml><?xml version="1.0" encoding="utf-8"?>
+<file path=customXml/item3.xml><?xml version="1.0" encoding="utf-8"?>
 <?mso-contentType ?>
 <FormTemplates xmlns="http://schemas.microsoft.com/sharepoint/v3/contenttype/forms">
   <Display>DocumentLibraryForm</Display>
@@ -24169,15 +24196,24 @@
 </FormTemplates>
 </file>
 
-<file path=customXml/item3.xml><?xml version="1.0" encoding="utf-8"?>
-<p:properties xmlns:p="http://schemas.microsoft.com/office/2006/metadata/properties" xmlns:xsi="http://www.w3.org/2001/XMLSchema-instance" xmlns:pc="http://schemas.microsoft.com/office/infopath/2007/PartnerControls">
-  <documentManagement>
-    <_activity xmlns="3e5e162a-5953-4fde-83b3-9639e6ab13bb" xsi:nil="true"/>
-  </documentManagement>
-</p:properties>
+<file path=customXml/itemProps1.xml><?xml version="1.0" encoding="utf-8"?>
+<ds:datastoreItem xmlns:ds="http://schemas.openxmlformats.org/officeDocument/2006/customXml" ds:itemID="{3D7021EF-4D3D-4708-92FB-F2CD02CEF7A1}">
+  <ds:schemaRefs>
+    <ds:schemaRef ds:uri="http://schemas.openxmlformats.org/package/2006/metadata/core-properties"/>
+    <ds:schemaRef ds:uri="http://schemas.microsoft.com/office/2006/documentManagement/types"/>
+    <ds:schemaRef ds:uri="http://schemas.microsoft.com/office/infopath/2007/PartnerControls"/>
+    <ds:schemaRef ds:uri="http://purl.org/dc/elements/1.1/"/>
+    <ds:schemaRef ds:uri="http://schemas.microsoft.com/office/2006/metadata/properties"/>
+    <ds:schemaRef ds:uri="3e5e162a-5953-4fde-83b3-9639e6ab13bb"/>
+    <ds:schemaRef ds:uri="266fa233-377d-43d6-82a1-e70154e55ff7"/>
+    <ds:schemaRef ds:uri="http://purl.org/dc/terms/"/>
+    <ds:schemaRef ds:uri="http://www.w3.org/XML/1998/namespace"/>
+    <ds:schemaRef ds:uri="http://purl.org/dc/dcmitype/"/>
+  </ds:schemaRefs>
+</ds:datastoreItem>
 </file>
 
-<file path=customXml/itemProps1.xml><?xml version="1.0" encoding="utf-8"?>
+<file path=customXml/itemProps2.xml><?xml version="1.0" encoding="utf-8"?>
 <ds:datastoreItem xmlns:ds="http://schemas.openxmlformats.org/officeDocument/2006/customXml" ds:itemID="{F4805544-B524-4E4A-B7C1-6ABFC599928D}">
   <ds:schemaRefs>
     <ds:schemaRef ds:uri="http://schemas.microsoft.com/office/2006/metadata/contentType"/>
@@ -24196,27 +24232,10 @@
 </ds:datastoreItem>
 </file>
 
-<file path=customXml/itemProps2.xml><?xml version="1.0" encoding="utf-8"?>
+<file path=customXml/itemProps3.xml><?xml version="1.0" encoding="utf-8"?>
 <ds:datastoreItem xmlns:ds="http://schemas.openxmlformats.org/officeDocument/2006/customXml" ds:itemID="{9104BBC9-6B71-4DC1-A0E0-1E198363AC7F}">
   <ds:schemaRefs>
     <ds:schemaRef ds:uri="http://schemas.microsoft.com/sharepoint/v3/contenttype/forms"/>
-  </ds:schemaRefs>
-</ds:datastoreItem>
-</file>
-
-<file path=customXml/itemProps3.xml><?xml version="1.0" encoding="utf-8"?>
-<ds:datastoreItem xmlns:ds="http://schemas.openxmlformats.org/officeDocument/2006/customXml" ds:itemID="{3D7021EF-4D3D-4708-92FB-F2CD02CEF7A1}">
-  <ds:schemaRefs>
-    <ds:schemaRef ds:uri="http://schemas.openxmlformats.org/package/2006/metadata/core-properties"/>
-    <ds:schemaRef ds:uri="http://schemas.microsoft.com/office/2006/documentManagement/types"/>
-    <ds:schemaRef ds:uri="http://schemas.microsoft.com/office/infopath/2007/PartnerControls"/>
-    <ds:schemaRef ds:uri="http://purl.org/dc/elements/1.1/"/>
-    <ds:schemaRef ds:uri="http://schemas.microsoft.com/office/2006/metadata/properties"/>
-    <ds:schemaRef ds:uri="3e5e162a-5953-4fde-83b3-9639e6ab13bb"/>
-    <ds:schemaRef ds:uri="266fa233-377d-43d6-82a1-e70154e55ff7"/>
-    <ds:schemaRef ds:uri="http://purl.org/dc/terms/"/>
-    <ds:schemaRef ds:uri="http://www.w3.org/XML/1998/namespace"/>
-    <ds:schemaRef ds:uri="http://purl.org/dc/dcmitype/"/>
   </ds:schemaRefs>
 </ds:datastoreItem>
 </file>

--- a/ietf123-Madrid/Slides/chair-slides-bmwg-ippm.pptx
+++ b/ietf123-Madrid/Slides/chair-slides-bmwg-ippm.pptx
@@ -6,7 +6,7 @@
     <p:sldMasterId id="2147483665" r:id="rId5"/>
   </p:sldMasterIdLst>
   <p:notesMasterIdLst>
-    <p:notesMasterId r:id="rId19"/>
+    <p:notesMasterId r:id="rId20"/>
   </p:notesMasterIdLst>
   <p:sldIdLst>
     <p:sldId id="256" r:id="rId6"/>
@@ -19,52 +19,53 @@
     <p:sldId id="261" r:id="rId13"/>
     <p:sldId id="263" r:id="rId14"/>
     <p:sldId id="264" r:id="rId15"/>
-    <p:sldId id="266" r:id="rId16"/>
-    <p:sldId id="269" r:id="rId17"/>
-    <p:sldId id="260" r:id="rId18"/>
+    <p:sldId id="271" r:id="rId16"/>
+    <p:sldId id="266" r:id="rId17"/>
+    <p:sldId id="269" r:id="rId18"/>
+    <p:sldId id="260" r:id="rId19"/>
   </p:sldIdLst>
   <p:sldSz cx="9144000" cy="5143500" type="screen16x9"/>
   <p:notesSz cx="6858000" cy="9144000"/>
   <p:embeddedFontLst>
     <p:embeddedFont>
       <p:font typeface="Inter" panose="020B0604020202020204" charset="0"/>
-      <p:regular r:id="rId20"/>
-      <p:bold r:id="rId21"/>
-      <p:italic r:id="rId22"/>
-      <p:boldItalic r:id="rId23"/>
+      <p:regular r:id="rId21"/>
+      <p:bold r:id="rId22"/>
+      <p:italic r:id="rId23"/>
+      <p:boldItalic r:id="rId24"/>
     </p:embeddedFont>
     <p:embeddedFont>
       <p:font typeface="Montserrat" panose="00000500000000000000" pitchFamily="2" charset="0"/>
-      <p:regular r:id="rId24"/>
-      <p:bold r:id="rId25"/>
-      <p:italic r:id="rId26"/>
-      <p:boldItalic r:id="rId27"/>
+      <p:regular r:id="rId25"/>
+      <p:bold r:id="rId26"/>
+      <p:italic r:id="rId27"/>
+      <p:boldItalic r:id="rId28"/>
     </p:embeddedFont>
     <p:embeddedFont>
       <p:font typeface="Open Sans" panose="020B0606030504020204" pitchFamily="34" charset="0"/>
-      <p:regular r:id="rId28"/>
-      <p:bold r:id="rId29"/>
-      <p:italic r:id="rId30"/>
-      <p:boldItalic r:id="rId31"/>
+      <p:regular r:id="rId29"/>
+      <p:bold r:id="rId30"/>
+      <p:italic r:id="rId31"/>
+      <p:boldItalic r:id="rId32"/>
     </p:embeddedFont>
     <p:embeddedFont>
       <p:font typeface="Open Sans Medium" panose="020B0604020202020204" charset="0"/>
-      <p:regular r:id="rId32"/>
-      <p:bold r:id="rId33"/>
-      <p:italic r:id="rId34"/>
-      <p:boldItalic r:id="rId35"/>
+      <p:regular r:id="rId33"/>
+      <p:bold r:id="rId34"/>
+      <p:italic r:id="rId35"/>
+      <p:boldItalic r:id="rId36"/>
     </p:embeddedFont>
     <p:embeddedFont>
       <p:font typeface="Open Sans SemiBold" panose="020B0706030804020204" pitchFamily="34" charset="0"/>
-      <p:bold r:id="rId36"/>
-      <p:boldItalic r:id="rId37"/>
+      <p:bold r:id="rId37"/>
+      <p:boldItalic r:id="rId38"/>
     </p:embeddedFont>
     <p:embeddedFont>
       <p:font typeface="Roboto" panose="02000000000000000000" pitchFamily="2" charset="0"/>
-      <p:regular r:id="rId38"/>
-      <p:bold r:id="rId39"/>
-      <p:italic r:id="rId40"/>
-      <p:boldItalic r:id="rId41"/>
+      <p:regular r:id="rId39"/>
+      <p:bold r:id="rId40"/>
+      <p:italic r:id="rId41"/>
+      <p:boldItalic r:id="rId42"/>
     </p:embeddedFont>
   </p:embeddedFontLst>
   <p:defaultTextStyle>
@@ -328,7 +329,7 @@
   <pc:docChgLst>
     <pc:chgData name="Graf Thomas, SCS-INI-NET-VNC-E2E" userId="487bc3e3-9ce7-4cdd-b7b4-8899ea88d289" providerId="ADAL" clId="{4403439A-50EC-49D8-B7F6-3D7264685FDE}"/>
     <pc:docChg chg="undo custSel addSld modSld sldOrd">
-      <pc:chgData name="Graf Thomas, SCS-INI-NET-VNC-E2E" userId="487bc3e3-9ce7-4cdd-b7b4-8899ea88d289" providerId="ADAL" clId="{4403439A-50EC-49D8-B7F6-3D7264685FDE}" dt="2025-07-10T06:23:26.507" v="750" actId="20577"/>
+      <pc:chgData name="Graf Thomas, SCS-INI-NET-VNC-E2E" userId="487bc3e3-9ce7-4cdd-b7b4-8899ea88d289" providerId="ADAL" clId="{4403439A-50EC-49D8-B7F6-3D7264685FDE}" dt="2025-07-14T15:41:00.897" v="1005" actId="20577"/>
       <pc:docMkLst>
         <pc:docMk/>
       </pc:docMkLst>
@@ -385,7 +386,7 @@
         </pc:spChg>
       </pc:sldChg>
       <pc:sldChg chg="addSp delSp modSp mod">
-        <pc:chgData name="Graf Thomas, SCS-INI-NET-VNC-E2E" userId="487bc3e3-9ce7-4cdd-b7b4-8899ea88d289" providerId="ADAL" clId="{4403439A-50EC-49D8-B7F6-3D7264685FDE}" dt="2025-07-10T05:47:02.459" v="45" actId="1076"/>
+        <pc:chgData name="Graf Thomas, SCS-INI-NET-VNC-E2E" userId="487bc3e3-9ce7-4cdd-b7b4-8899ea88d289" providerId="ADAL" clId="{4403439A-50EC-49D8-B7F6-3D7264685FDE}" dt="2025-07-14T15:38:01.551" v="754" actId="1076"/>
         <pc:sldMkLst>
           <pc:docMk/>
           <pc:sldMk cId="2332748115" sldId="263"/>
@@ -398,6 +399,14 @@
             <ac:spMk id="2" creationId="{0B9E15DC-F076-98D2-1BDF-BC01FEC9047B}"/>
           </ac:spMkLst>
         </pc:spChg>
+        <pc:picChg chg="add mod">
+          <ac:chgData name="Graf Thomas, SCS-INI-NET-VNC-E2E" userId="487bc3e3-9ce7-4cdd-b7b4-8899ea88d289" providerId="ADAL" clId="{4403439A-50EC-49D8-B7F6-3D7264685FDE}" dt="2025-07-14T15:38:01.551" v="754" actId="1076"/>
+          <ac:picMkLst>
+            <pc:docMk/>
+            <pc:sldMk cId="2332748115" sldId="263"/>
+            <ac:picMk id="5" creationId="{D3B1A1F3-3D81-6490-3FFD-0EF242AB0EF3}"/>
+          </ac:picMkLst>
+        </pc:picChg>
         <pc:picChg chg="del mod">
           <ac:chgData name="Graf Thomas, SCS-INI-NET-VNC-E2E" userId="487bc3e3-9ce7-4cdd-b7b4-8899ea88d289" providerId="ADAL" clId="{4403439A-50EC-49D8-B7F6-3D7264685FDE}" dt="2025-07-10T05:46:54.659" v="41" actId="478"/>
           <ac:picMkLst>
@@ -406,8 +415,8 @@
             <ac:picMk id="6" creationId="{E833F0F5-1907-9B7C-9A9E-AEA3EFBD6C3D}"/>
           </ac:picMkLst>
         </pc:picChg>
-        <pc:picChg chg="add mod">
-          <ac:chgData name="Graf Thomas, SCS-INI-NET-VNC-E2E" userId="487bc3e3-9ce7-4cdd-b7b4-8899ea88d289" providerId="ADAL" clId="{4403439A-50EC-49D8-B7F6-3D7264685FDE}" dt="2025-07-10T05:47:02.459" v="45" actId="1076"/>
+        <pc:picChg chg="add del mod">
+          <ac:chgData name="Graf Thomas, SCS-INI-NET-VNC-E2E" userId="487bc3e3-9ce7-4cdd-b7b4-8899ea88d289" providerId="ADAL" clId="{4403439A-50EC-49D8-B7F6-3D7264685FDE}" dt="2025-07-14T15:37:55.565" v="751" actId="478"/>
           <ac:picMkLst>
             <pc:docMk/>
             <pc:sldMk cId="2332748115" sldId="263"/>
@@ -416,7 +425,7 @@
         </pc:picChg>
       </pc:sldChg>
       <pc:sldChg chg="addSp delSp modSp mod">
-        <pc:chgData name="Graf Thomas, SCS-INI-NET-VNC-E2E" userId="487bc3e3-9ce7-4cdd-b7b4-8899ea88d289" providerId="ADAL" clId="{4403439A-50EC-49D8-B7F6-3D7264685FDE}" dt="2025-07-10T05:47:54.996" v="67" actId="1076"/>
+        <pc:chgData name="Graf Thomas, SCS-INI-NET-VNC-E2E" userId="487bc3e3-9ce7-4cdd-b7b4-8899ea88d289" providerId="ADAL" clId="{4403439A-50EC-49D8-B7F6-3D7264685FDE}" dt="2025-07-14T15:38:27.636" v="757" actId="1076"/>
         <pc:sldMkLst>
           <pc:docMk/>
           <pc:sldMk cId="703495152" sldId="264"/>
@@ -438,7 +447,15 @@
           </ac:picMkLst>
         </pc:picChg>
         <pc:picChg chg="add mod">
-          <ac:chgData name="Graf Thomas, SCS-INI-NET-VNC-E2E" userId="487bc3e3-9ce7-4cdd-b7b4-8899ea88d289" providerId="ADAL" clId="{4403439A-50EC-49D8-B7F6-3D7264685FDE}" dt="2025-07-10T05:47:54.996" v="67" actId="1076"/>
+          <ac:chgData name="Graf Thomas, SCS-INI-NET-VNC-E2E" userId="487bc3e3-9ce7-4cdd-b7b4-8899ea88d289" providerId="ADAL" clId="{4403439A-50EC-49D8-B7F6-3D7264685FDE}" dt="2025-07-14T15:38:27.636" v="757" actId="1076"/>
+          <ac:picMkLst>
+            <pc:docMk/>
+            <pc:sldMk cId="703495152" sldId="264"/>
+            <ac:picMk id="7" creationId="{6908B6E2-39A5-0021-F9FA-09A16DCAD2EF}"/>
+          </ac:picMkLst>
+        </pc:picChg>
+        <pc:picChg chg="add del mod">
+          <ac:chgData name="Graf Thomas, SCS-INI-NET-VNC-E2E" userId="487bc3e3-9ce7-4cdd-b7b4-8899ea88d289" providerId="ADAL" clId="{4403439A-50EC-49D8-B7F6-3D7264685FDE}" dt="2025-07-14T15:38:23.903" v="755" actId="478"/>
           <ac:picMkLst>
             <pc:docMk/>
             <pc:sldMk cId="703495152" sldId="264"/>
@@ -523,7 +540,7 @@
         </pc:spChg>
       </pc:sldChg>
       <pc:sldChg chg="modSp add mod ord">
-        <pc:chgData name="Graf Thomas, SCS-INI-NET-VNC-E2E" userId="487bc3e3-9ce7-4cdd-b7b4-8899ea88d289" providerId="ADAL" clId="{4403439A-50EC-49D8-B7F6-3D7264685FDE}" dt="2025-07-10T06:23:26.507" v="750" actId="20577"/>
+        <pc:chgData name="Graf Thomas, SCS-INI-NET-VNC-E2E" userId="487bc3e3-9ce7-4cdd-b7b4-8899ea88d289" providerId="ADAL" clId="{4403439A-50EC-49D8-B7F6-3D7264685FDE}" dt="2025-07-14T15:41:00.897" v="1005" actId="20577"/>
         <pc:sldMkLst>
           <pc:docMk/>
           <pc:sldMk cId="2434865477" sldId="270"/>
@@ -537,13 +554,44 @@
           </ac:spMkLst>
         </pc:spChg>
         <pc:spChg chg="mod">
-          <ac:chgData name="Graf Thomas, SCS-INI-NET-VNC-E2E" userId="487bc3e3-9ce7-4cdd-b7b4-8899ea88d289" providerId="ADAL" clId="{4403439A-50EC-49D8-B7F6-3D7264685FDE}" dt="2025-07-10T06:23:26.507" v="750" actId="20577"/>
+          <ac:chgData name="Graf Thomas, SCS-INI-NET-VNC-E2E" userId="487bc3e3-9ce7-4cdd-b7b4-8899ea88d289" providerId="ADAL" clId="{4403439A-50EC-49D8-B7F6-3D7264685FDE}" dt="2025-07-14T15:41:00.897" v="1005" actId="20577"/>
           <ac:spMkLst>
             <pc:docMk/>
             <pc:sldMk cId="2434865477" sldId="270"/>
             <ac:spMk id="3" creationId="{DA4A6F5D-9442-B583-BAB9-5A102B90EC22}"/>
           </ac:spMkLst>
         </pc:spChg>
+      </pc:sldChg>
+      <pc:sldChg chg="addSp delSp modSp add mod">
+        <pc:chgData name="Graf Thomas, SCS-INI-NET-VNC-E2E" userId="487bc3e3-9ce7-4cdd-b7b4-8899ea88d289" providerId="ADAL" clId="{4403439A-50EC-49D8-B7F6-3D7264685FDE}" dt="2025-07-14T15:38:57.390" v="780" actId="1076"/>
+        <pc:sldMkLst>
+          <pc:docMk/>
+          <pc:sldMk cId="1859012803" sldId="271"/>
+        </pc:sldMkLst>
+        <pc:spChg chg="mod">
+          <ac:chgData name="Graf Thomas, SCS-INI-NET-VNC-E2E" userId="487bc3e3-9ce7-4cdd-b7b4-8899ea88d289" providerId="ADAL" clId="{4403439A-50EC-49D8-B7F6-3D7264685FDE}" dt="2025-07-14T15:38:38.557" v="777" actId="20577"/>
+          <ac:spMkLst>
+            <pc:docMk/>
+            <pc:sldMk cId="1859012803" sldId="271"/>
+            <ac:spMk id="2" creationId="{0B9E15DC-F076-98D2-1BDF-BC01FEC9047B}"/>
+          </ac:spMkLst>
+        </pc:spChg>
+        <pc:picChg chg="del">
+          <ac:chgData name="Graf Thomas, SCS-INI-NET-VNC-E2E" userId="487bc3e3-9ce7-4cdd-b7b4-8899ea88d289" providerId="ADAL" clId="{4403439A-50EC-49D8-B7F6-3D7264685FDE}" dt="2025-07-14T15:38:53.666" v="778" actId="478"/>
+          <ac:picMkLst>
+            <pc:docMk/>
+            <pc:sldMk cId="1859012803" sldId="271"/>
+            <ac:picMk id="7" creationId="{6908B6E2-39A5-0021-F9FA-09A16DCAD2EF}"/>
+          </ac:picMkLst>
+        </pc:picChg>
+        <pc:picChg chg="add mod">
+          <ac:chgData name="Graf Thomas, SCS-INI-NET-VNC-E2E" userId="487bc3e3-9ce7-4cdd-b7b4-8899ea88d289" providerId="ADAL" clId="{4403439A-50EC-49D8-B7F6-3D7264685FDE}" dt="2025-07-14T15:38:57.390" v="780" actId="1076"/>
+          <ac:picMkLst>
+            <pc:docMk/>
+            <pc:sldMk cId="1859012803" sldId="271"/>
+            <ac:picMk id="8" creationId="{697269CB-B267-81D6-58B2-8188C7BB4F46}"/>
+          </ac:picMkLst>
+        </pc:picChg>
       </pc:sldChg>
     </pc:docChg>
   </pc:docChgLst>
@@ -1201,7 +1249,7 @@
     </p:spTree>
     <p:extLst>
       <p:ext uri="{BB962C8B-B14F-4D97-AF65-F5344CB8AC3E}">
-        <p14:creationId xmlns:p14="http://schemas.microsoft.com/office/powerpoint/2010/main" val="708108404"/>
+        <p14:creationId xmlns:p14="http://schemas.microsoft.com/office/powerpoint/2010/main" val="3427204389"/>
       </p:ext>
     </p:extLst>
   </p:cSld>
@@ -1267,6 +1315,72 @@
     </p:spTree>
     <p:extLst>
       <p:ext uri="{BB962C8B-B14F-4D97-AF65-F5344CB8AC3E}">
+        <p14:creationId xmlns:p14="http://schemas.microsoft.com/office/powerpoint/2010/main" val="708108404"/>
+      </p:ext>
+    </p:extLst>
+  </p:cSld>
+  <p:clrMapOvr>
+    <a:masterClrMapping/>
+  </p:clrMapOvr>
+</p:notes>
+</file>
+
+<file path=ppt/notesSlides/notesSlide12.xml><?xml version="1.0" encoding="utf-8"?>
+<p:notes xmlns:a="http://schemas.openxmlformats.org/drawingml/2006/main" xmlns:r="http://schemas.openxmlformats.org/officeDocument/2006/relationships" xmlns:p="http://schemas.openxmlformats.org/presentationml/2006/main">
+  <p:cSld>
+    <p:spTree>
+      <p:nvGrpSpPr>
+        <p:cNvPr id="1" name=""/>
+        <p:cNvGrpSpPr/>
+        <p:nvPr/>
+      </p:nvGrpSpPr>
+      <p:grpSpPr>
+        <a:xfrm>
+          <a:off x="0" y="0"/>
+          <a:ext cx="0" cy="0"/>
+          <a:chOff x="0" y="0"/>
+          <a:chExt cx="0" cy="0"/>
+        </a:xfrm>
+      </p:grpSpPr>
+      <p:sp>
+        <p:nvSpPr>
+          <p:cNvPr id="2" name="Slide Image Placeholder 1"/>
+          <p:cNvSpPr>
+            <a:spLocks noGrp="1" noRot="1" noChangeAspect="1"/>
+          </p:cNvSpPr>
+          <p:nvPr>
+            <p:ph type="sldImg"/>
+          </p:nvPr>
+        </p:nvSpPr>
+        <p:spPr>
+          <a:xfrm>
+            <a:off x="381000" y="685800"/>
+            <a:ext cx="6096000" cy="3429000"/>
+          </a:xfrm>
+        </p:spPr>
+      </p:sp>
+      <p:sp>
+        <p:nvSpPr>
+          <p:cNvPr id="3" name="Notes Placeholder 2"/>
+          <p:cNvSpPr>
+            <a:spLocks noGrp="1"/>
+          </p:cNvSpPr>
+          <p:nvPr>
+            <p:ph type="body" idx="1"/>
+          </p:nvPr>
+        </p:nvSpPr>
+        <p:spPr/>
+        <p:txBody>
+          <a:bodyPr/>
+          <a:lstStyle/>
+          <a:p>
+            <a:endParaRPr lang="en-US" dirty="0"/>
+          </a:p>
+        </p:txBody>
+      </p:sp>
+    </p:spTree>
+    <p:extLst>
+      <p:ext uri="{BB962C8B-B14F-4D97-AF65-F5344CB8AC3E}">
         <p14:creationId xmlns:p14="http://schemas.microsoft.com/office/powerpoint/2010/main" val="2444723583"/>
       </p:ext>
     </p:extLst>
@@ -1277,7 +1391,7 @@
 </p:notes>
 </file>
 
-<file path=ppt/notesSlides/notesSlide12.xml><?xml version="1.0" encoding="utf-8"?>
+<file path=ppt/notesSlides/notesSlide13.xml><?xml version="1.0" encoding="utf-8"?>
 <p:notes xmlns:a="http://schemas.openxmlformats.org/drawingml/2006/main" xmlns:r="http://schemas.openxmlformats.org/officeDocument/2006/relationships" xmlns:p="http://schemas.openxmlformats.org/presentationml/2006/main" showMasterSp="0" showMasterPhAnim="0">
   <p:cSld>
     <p:spTree>
@@ -19113,10 +19227,10 @@
       </p:sp>
       <p:pic>
         <p:nvPicPr>
-          <p:cNvPr id="10" name="Picture 9">
+          <p:cNvPr id="7" name="Picture 6">
             <a:extLst>
               <a:ext uri="{FF2B5EF4-FFF2-40B4-BE49-F238E27FC236}">
-                <a16:creationId xmlns:a16="http://schemas.microsoft.com/office/drawing/2014/main" id="{2F01ACCD-F730-EE43-3E47-AC8C0118F619}"/>
+                <a16:creationId xmlns:a16="http://schemas.microsoft.com/office/drawing/2014/main" id="{6908B6E2-39A5-0021-F9FA-09A16DCAD2EF}"/>
               </a:ext>
             </a:extLst>
           </p:cNvPr>
@@ -19133,8 +19247,8 @@
         </p:blipFill>
         <p:spPr>
           <a:xfrm>
-            <a:off x="471900" y="2362298"/>
-            <a:ext cx="7973538" cy="2095792"/>
+            <a:off x="471900" y="2261602"/>
+            <a:ext cx="7716327" cy="2172003"/>
           </a:xfrm>
           <a:prstGeom prst="rect">
             <a:avLst/>
@@ -19155,6 +19269,281 @@
 </file>
 
 <file path=ppt/slides/slide11.xml><?xml version="1.0" encoding="utf-8"?>
+<p:sld xmlns:a="http://schemas.openxmlformats.org/drawingml/2006/main" xmlns:r="http://schemas.openxmlformats.org/officeDocument/2006/relationships" xmlns:p="http://schemas.openxmlformats.org/presentationml/2006/main">
+  <p:cSld>
+    <p:spTree>
+      <p:nvGrpSpPr>
+        <p:cNvPr id="1" name=""/>
+        <p:cNvGrpSpPr/>
+        <p:nvPr/>
+      </p:nvGrpSpPr>
+      <p:grpSpPr>
+        <a:xfrm>
+          <a:off x="0" y="0"/>
+          <a:ext cx="0" cy="0"/>
+          <a:chOff x="0" y="0"/>
+          <a:chExt cx="0" cy="0"/>
+        </a:xfrm>
+      </p:grpSpPr>
+      <p:sp>
+        <p:nvSpPr>
+          <p:cNvPr id="2" name="Title 1">
+            <a:extLst>
+              <a:ext uri="{FF2B5EF4-FFF2-40B4-BE49-F238E27FC236}">
+                <a16:creationId xmlns:a16="http://schemas.microsoft.com/office/drawing/2014/main" id="{0B9E15DC-F076-98D2-1BDF-BC01FEC9047B}"/>
+              </a:ext>
+            </a:extLst>
+          </p:cNvPr>
+          <p:cNvSpPr>
+            <a:spLocks noGrp="1"/>
+          </p:cNvSpPr>
+          <p:nvPr>
+            <p:ph type="title"/>
+          </p:nvPr>
+        </p:nvSpPr>
+        <p:spPr/>
+        <p:txBody>
+          <a:bodyPr anchor="ctr"/>
+          <a:lstStyle/>
+          <a:p>
+            <a:r>
+              <a:rPr lang="en-US" dirty="0"/>
+              <a:t>Agenda</a:t>
+            </a:r>
+            <a:r>
+              <a:rPr lang="en-001" dirty="0"/>
+              <a:t> – </a:t>
+            </a:r>
+            <a:r>
+              <a:rPr lang="de-CH" dirty="0" err="1"/>
+              <a:t>If</a:t>
+            </a:r>
+            <a:r>
+              <a:rPr lang="de-CH" dirty="0"/>
+              <a:t> Time Permits</a:t>
+            </a:r>
+            <a:endParaRPr lang="en-US" dirty="0"/>
+          </a:p>
+        </p:txBody>
+      </p:sp>
+      <p:sp>
+        <p:nvSpPr>
+          <p:cNvPr id="4" name="Slide Number Placeholder 3">
+            <a:extLst>
+              <a:ext uri="{FF2B5EF4-FFF2-40B4-BE49-F238E27FC236}">
+                <a16:creationId xmlns:a16="http://schemas.microsoft.com/office/drawing/2014/main" id="{D216BDC7-4DE9-D9D5-0725-BBEF6CFE8DF1}"/>
+              </a:ext>
+            </a:extLst>
+          </p:cNvPr>
+          <p:cNvSpPr>
+            <a:spLocks noGrp="1"/>
+          </p:cNvSpPr>
+          <p:nvPr>
+            <p:ph type="sldNum" idx="12"/>
+          </p:nvPr>
+        </p:nvSpPr>
+        <p:spPr/>
+        <p:txBody>
+          <a:bodyPr/>
+          <a:lstStyle/>
+          <a:p>
+            <a:pPr marL="0" lvl="0" indent="0" algn="r" rtl="0">
+              <a:spcBef>
+                <a:spcPts val="0"/>
+              </a:spcBef>
+              <a:spcAft>
+                <a:spcPts val="0"/>
+              </a:spcAft>
+              <a:buNone/>
+            </a:pPr>
+            <a:fld id="{00000000-1234-1234-1234-123412341234}" type="slidenum">
+              <a:rPr lang="en-US" smtClean="0"/>
+              <a:t>11</a:t>
+            </a:fld>
+            <a:endParaRPr lang="en-US"/>
+          </a:p>
+        </p:txBody>
+      </p:sp>
+      <p:sp>
+        <p:nvSpPr>
+          <p:cNvPr id="5" name="TextBox 4">
+            <a:extLst>
+              <a:ext uri="{FF2B5EF4-FFF2-40B4-BE49-F238E27FC236}">
+                <a16:creationId xmlns:a16="http://schemas.microsoft.com/office/drawing/2014/main" id="{4415A45C-D066-654C-3989-5671669230C8}"/>
+              </a:ext>
+            </a:extLst>
+          </p:cNvPr>
+          <p:cNvSpPr txBox="1"/>
+          <p:nvPr/>
+        </p:nvSpPr>
+        <p:spPr>
+          <a:xfrm>
+            <a:off x="1665297" y="3410195"/>
+            <a:ext cx="2657324" cy="246221"/>
+          </a:xfrm>
+          <a:prstGeom prst="rect">
+            <a:avLst/>
+          </a:prstGeom>
+          <a:noFill/>
+        </p:spPr>
+        <p:txBody>
+          <a:bodyPr wrap="square">
+            <a:spAutoFit/>
+          </a:bodyPr>
+          <a:lstStyle/>
+          <a:p>
+            <a:r>
+              <a:rPr lang="en-GB" sz="1000" dirty="0">
+                <a:solidFill>
+                  <a:schemeClr val="accent4"/>
+                </a:solidFill>
+                <a:latin typeface="Inter" panose="020B0604020202020204" charset="0"/>
+                <a:ea typeface="Inter" panose="020B0604020202020204" charset="0"/>
+              </a:rPr>
+              <a:t>draft-</a:t>
+            </a:r>
+            <a:r>
+              <a:rPr lang="en-GB" sz="1000" dirty="0" err="1">
+                <a:solidFill>
+                  <a:schemeClr val="accent4"/>
+                </a:solidFill>
+                <a:latin typeface="Inter" panose="020B0604020202020204" charset="0"/>
+                <a:ea typeface="Inter" panose="020B0604020202020204" charset="0"/>
+              </a:rPr>
+              <a:t>ietf</a:t>
+            </a:r>
+            <a:r>
+              <a:rPr lang="en-GB" sz="1000" dirty="0">
+                <a:solidFill>
+                  <a:schemeClr val="accent4"/>
+                </a:solidFill>
+                <a:latin typeface="Inter" panose="020B0604020202020204" charset="0"/>
+                <a:ea typeface="Inter" panose="020B0604020202020204" charset="0"/>
+              </a:rPr>
+              <a:t>-opsawg-</a:t>
+            </a:r>
+            <a:r>
+              <a:rPr lang="en-GB" sz="1000" dirty="0" err="1">
+                <a:solidFill>
+                  <a:schemeClr val="accent4"/>
+                </a:solidFill>
+                <a:latin typeface="Inter" panose="020B0604020202020204" charset="0"/>
+                <a:ea typeface="Inter" panose="020B0604020202020204" charset="0"/>
+              </a:rPr>
+              <a:t>oam</a:t>
+            </a:r>
+            <a:r>
+              <a:rPr lang="en-GB" sz="1000" dirty="0">
+                <a:solidFill>
+                  <a:schemeClr val="accent4"/>
+                </a:solidFill>
+                <a:latin typeface="Inter" panose="020B0604020202020204" charset="0"/>
+                <a:ea typeface="Inter" panose="020B0604020202020204" charset="0"/>
+              </a:rPr>
+              <a:t>-characterization</a:t>
+            </a:r>
+            <a:endParaRPr lang="de-CH" sz="1000" dirty="0">
+              <a:solidFill>
+                <a:schemeClr val="accent4"/>
+              </a:solidFill>
+              <a:latin typeface="Inter" panose="020B0604020202020204" charset="0"/>
+              <a:ea typeface="Inter" panose="020B0604020202020204" charset="0"/>
+            </a:endParaRPr>
+          </a:p>
+        </p:txBody>
+      </p:sp>
+      <p:sp>
+        <p:nvSpPr>
+          <p:cNvPr id="6" name="TextBox 5">
+            <a:extLst>
+              <a:ext uri="{FF2B5EF4-FFF2-40B4-BE49-F238E27FC236}">
+                <a16:creationId xmlns:a16="http://schemas.microsoft.com/office/drawing/2014/main" id="{56370054-45B6-FE84-EE9A-AAE2E1DB87A7}"/>
+              </a:ext>
+            </a:extLst>
+          </p:cNvPr>
+          <p:cNvSpPr txBox="1"/>
+          <p:nvPr/>
+        </p:nvSpPr>
+        <p:spPr>
+          <a:xfrm>
+            <a:off x="5431544" y="3410194"/>
+            <a:ext cx="939358" cy="246221"/>
+          </a:xfrm>
+          <a:prstGeom prst="rect">
+            <a:avLst/>
+          </a:prstGeom>
+          <a:noFill/>
+        </p:spPr>
+        <p:txBody>
+          <a:bodyPr wrap="square">
+            <a:spAutoFit/>
+          </a:bodyPr>
+          <a:lstStyle/>
+          <a:p>
+            <a:r>
+              <a:rPr lang="en-GB" sz="1000" dirty="0">
+                <a:solidFill>
+                  <a:schemeClr val="accent4"/>
+                </a:solidFill>
+                <a:latin typeface="Inter" panose="020B0604020202020204" charset="0"/>
+                <a:ea typeface="Inter" panose="020B0604020202020204" charset="0"/>
+              </a:rPr>
+              <a:t>T. Graf</a:t>
+            </a:r>
+            <a:endParaRPr lang="de-CH" sz="1000" dirty="0">
+              <a:solidFill>
+                <a:schemeClr val="accent4"/>
+              </a:solidFill>
+              <a:latin typeface="Inter" panose="020B0604020202020204" charset="0"/>
+              <a:ea typeface="Inter" panose="020B0604020202020204" charset="0"/>
+            </a:endParaRPr>
+          </a:p>
+        </p:txBody>
+      </p:sp>
+      <p:pic>
+        <p:nvPicPr>
+          <p:cNvPr id="8" name="Picture 7">
+            <a:extLst>
+              <a:ext uri="{FF2B5EF4-FFF2-40B4-BE49-F238E27FC236}">
+                <a16:creationId xmlns:a16="http://schemas.microsoft.com/office/drawing/2014/main" id="{697269CB-B267-81D6-58B2-8188C7BB4F46}"/>
+              </a:ext>
+            </a:extLst>
+          </p:cNvPr>
+          <p:cNvPicPr>
+            <a:picLocks noChangeAspect="1"/>
+          </p:cNvPicPr>
+          <p:nvPr/>
+        </p:nvPicPr>
+        <p:blipFill>
+          <a:blip r:embed="rId3"/>
+          <a:stretch>
+            <a:fillRect/>
+          </a:stretch>
+        </p:blipFill>
+        <p:spPr>
+          <a:xfrm>
+            <a:off x="471900" y="2250584"/>
+            <a:ext cx="7716327" cy="1133633"/>
+          </a:xfrm>
+          <a:prstGeom prst="rect">
+            <a:avLst/>
+          </a:prstGeom>
+        </p:spPr>
+      </p:pic>
+    </p:spTree>
+    <p:extLst>
+      <p:ext uri="{BB962C8B-B14F-4D97-AF65-F5344CB8AC3E}">
+        <p14:creationId xmlns:p14="http://schemas.microsoft.com/office/powerpoint/2010/main" val="1859012803"/>
+      </p:ext>
+    </p:extLst>
+  </p:cSld>
+  <p:clrMapOvr>
+    <a:masterClrMapping/>
+  </p:clrMapOvr>
+</p:sld>
+</file>
+
+<file path=ppt/slides/slide12.xml><?xml version="1.0" encoding="utf-8"?>
 <p:sld xmlns:a="http://schemas.openxmlformats.org/drawingml/2006/main" xmlns:r="http://schemas.openxmlformats.org/officeDocument/2006/relationships" xmlns:p="http://schemas.openxmlformats.org/presentationml/2006/main">
   <p:cSld>
     <p:spTree>
@@ -19245,7 +19634,7 @@
             </a:pPr>
             <a:fld id="{00000000-1234-1234-1234-123412341234}" type="slidenum">
               <a:rPr lang="en-US" smtClean="0"/>
-              <a:t>11</a:t>
+              <a:t>12</a:t>
             </a:fld>
             <a:endParaRPr lang="en-US"/>
           </a:p>
@@ -19400,7 +19789,7 @@
 </p:sld>
 </file>
 
-<file path=ppt/slides/slide12.xml><?xml version="1.0" encoding="utf-8"?>
+<file path=ppt/slides/slide13.xml><?xml version="1.0" encoding="utf-8"?>
 <p:sld xmlns:a="http://schemas.openxmlformats.org/drawingml/2006/main" xmlns:r="http://schemas.openxmlformats.org/officeDocument/2006/relationships" xmlns:p="http://schemas.openxmlformats.org/presentationml/2006/main">
   <p:cSld>
     <p:spTree>
@@ -19486,7 +19875,7 @@
             </a:pPr>
             <a:fld id="{00000000-1234-1234-1234-123412341234}" type="slidenum">
               <a:rPr lang="en-US" smtClean="0"/>
-              <a:t>12</a:t>
+              <a:t>13</a:t>
             </a:fld>
             <a:endParaRPr lang="en-US"/>
           </a:p>
@@ -19799,7 +20188,7 @@
 </p:sld>
 </file>
 
-<file path=ppt/slides/slide13.xml><?xml version="1.0" encoding="utf-8"?>
+<file path=ppt/slides/slide14.xml><?xml version="1.0" encoding="utf-8"?>
 <p:sld xmlns:a="http://schemas.openxmlformats.org/drawingml/2006/main" xmlns:r="http://schemas.openxmlformats.org/officeDocument/2006/relationships" xmlns:p="http://schemas.openxmlformats.org/presentationml/2006/main" show="0">
   <p:cSld>
     <p:spTree>
@@ -20146,7 +20535,7 @@
             </a:pPr>
             <a:fld id="{00000000-1234-1234-1234-123412341234}" type="slidenum">
               <a:rPr lang="en-US"/>
-              <a:t>13</a:t>
+              <a:t>14</a:t>
             </a:fld>
             <a:endParaRPr/>
           </a:p>
@@ -21024,7 +21413,7 @@
         <p:fade/>
       </p:transition>
     </mc:Choice>
-    <mc:Fallback xmlns:ahyp="http://schemas.microsoft.com/office/drawing/2018/hyperlinkcolor" xmlns:p15="http://schemas.microsoft.com/office/powerpoint/2012/main" xmlns:com="http://schemas.openxmlformats.org/drawingml/2006/compatibility" xmlns:pvml="urn:schemas-microsoft-com:office:powerpoint" xmlns:v="urn:schemas-microsoft-com:vml" xmlns:o="urn:schemas-microsoft-com:office:office" xmlns:dgm="http://schemas.openxmlformats.org/drawingml/2006/diagram" xmlns:c="http://schemas.openxmlformats.org/drawingml/2006/chart" xmlns:mv="urn:schemas-microsoft-com:mac:vml" xmlns="">
+    <mc:Fallback xmlns="" xmlns:mv="urn:schemas-microsoft-com:mac:vml" xmlns:c="http://schemas.openxmlformats.org/drawingml/2006/chart" xmlns:dgm="http://schemas.openxmlformats.org/drawingml/2006/diagram" xmlns:o="urn:schemas-microsoft-com:office:office" xmlns:v="urn:schemas-microsoft-com:vml" xmlns:pvml="urn:schemas-microsoft-com:office:powerpoint" xmlns:com="http://schemas.openxmlformats.org/drawingml/2006/compatibility" xmlns:p15="http://schemas.microsoft.com/office/powerpoint/2012/main" xmlns:ahyp="http://schemas.microsoft.com/office/drawing/2018/hyperlinkcolor">
       <p:transition spd="slow">
         <p:fade/>
       </p:transition>
@@ -21359,7 +21748,7 @@
         <p:fade/>
       </p:transition>
     </mc:Choice>
-    <mc:Fallback xmlns:ahyp="http://schemas.microsoft.com/office/drawing/2018/hyperlinkcolor" xmlns:p15="http://schemas.microsoft.com/office/powerpoint/2012/main" xmlns:com="http://schemas.openxmlformats.org/drawingml/2006/compatibility" xmlns:pvml="urn:schemas-microsoft-com:office:powerpoint" xmlns:v="urn:schemas-microsoft-com:vml" xmlns:o="urn:schemas-microsoft-com:office:office" xmlns:dgm="http://schemas.openxmlformats.org/drawingml/2006/diagram" xmlns:c="http://schemas.openxmlformats.org/drawingml/2006/chart" xmlns:mv="urn:schemas-microsoft-com:mac:vml" xmlns="">
+    <mc:Fallback xmlns="" xmlns:mv="urn:schemas-microsoft-com:mac:vml" xmlns:c="http://schemas.openxmlformats.org/drawingml/2006/chart" xmlns:dgm="http://schemas.openxmlformats.org/drawingml/2006/diagram" xmlns:o="urn:schemas-microsoft-com:office:office" xmlns:v="urn:schemas-microsoft-com:vml" xmlns:pvml="urn:schemas-microsoft-com:office:powerpoint" xmlns:com="http://schemas.openxmlformats.org/drawingml/2006/compatibility" xmlns:p15="http://schemas.microsoft.com/office/powerpoint/2012/main" xmlns:ahyp="http://schemas.microsoft.com/office/drawing/2018/hyperlinkcolor">
       <p:transition spd="slow">
         <p:fade/>
       </p:transition>
@@ -21968,11 +22357,11 @@
           <a:p>
             <a:r>
               <a:rPr lang="de-CH" dirty="0"/>
-              <a:t>A </a:t>
+              <a:t>Due </a:t>
             </a:r>
             <a:r>
               <a:rPr lang="de-CH" dirty="0" err="1"/>
-              <a:t>few</a:t>
+              <a:t>to</a:t>
             </a:r>
             <a:r>
               <a:rPr lang="de-CH" dirty="0"/>
@@ -21980,7 +22369,7 @@
             </a:r>
             <a:r>
               <a:rPr lang="de-CH" dirty="0" err="1"/>
-              <a:t>words</a:t>
+              <a:t>the</a:t>
             </a:r>
             <a:r>
               <a:rPr lang="de-CH" dirty="0"/>
@@ -21988,7 +22377,7 @@
             </a:r>
             <a:r>
               <a:rPr lang="de-CH" dirty="0" err="1"/>
-              <a:t>from</a:t>
+              <a:t>similar</a:t>
             </a:r>
             <a:r>
               <a:rPr lang="de-CH" dirty="0"/>
@@ -21996,7 +22385,7 @@
             </a:r>
             <a:r>
               <a:rPr lang="de-CH" dirty="0" err="1"/>
-              <a:t>our</a:t>
+              <a:t>topics</a:t>
             </a:r>
             <a:r>
               <a:rPr lang="de-CH" dirty="0"/>
@@ -22004,11 +22393,123 @@
             </a:r>
             <a:r>
               <a:rPr lang="de-CH" dirty="0" err="1"/>
-              <a:t>beloved</a:t>
+              <a:t>we</a:t>
             </a:r>
             <a:r>
               <a:rPr lang="de-CH" dirty="0"/>
-              <a:t> AD</a:t>
+              <a:t> </a:t>
+            </a:r>
+            <a:r>
+              <a:rPr lang="de-CH" dirty="0" err="1"/>
+              <a:t>wanted</a:t>
+            </a:r>
+            <a:r>
+              <a:rPr lang="de-CH" dirty="0"/>
+              <a:t> </a:t>
+            </a:r>
+            <a:r>
+              <a:rPr lang="de-CH" dirty="0" err="1"/>
+              <a:t>to</a:t>
+            </a:r>
+            <a:r>
+              <a:rPr lang="de-CH" dirty="0"/>
+              <a:t> </a:t>
+            </a:r>
+            <a:r>
+              <a:rPr lang="de-CH" dirty="0" err="1"/>
+              <a:t>facilitate</a:t>
+            </a:r>
+            <a:r>
+              <a:rPr lang="de-CH" dirty="0"/>
+              <a:t> </a:t>
+            </a:r>
+            <a:r>
+              <a:rPr lang="de-CH" dirty="0" err="1"/>
+              <a:t>the</a:t>
+            </a:r>
+            <a:r>
+              <a:rPr lang="de-CH" dirty="0"/>
+              <a:t> </a:t>
+            </a:r>
+            <a:r>
+              <a:rPr lang="de-CH" dirty="0" err="1"/>
+              <a:t>exchange</a:t>
+            </a:r>
+            <a:r>
+              <a:rPr lang="de-CH" dirty="0"/>
+              <a:t> and </a:t>
+            </a:r>
+            <a:r>
+              <a:rPr lang="de-CH" dirty="0" err="1"/>
+              <a:t>discussions</a:t>
+            </a:r>
+            <a:r>
+              <a:rPr lang="de-CH" dirty="0"/>
+              <a:t> </a:t>
+            </a:r>
+            <a:r>
+              <a:rPr lang="de-CH" dirty="0" err="1"/>
+              <a:t>between</a:t>
+            </a:r>
+            <a:r>
+              <a:rPr lang="de-CH" dirty="0"/>
+              <a:t> </a:t>
+            </a:r>
+            <a:r>
+              <a:rPr lang="de-CH" dirty="0" err="1"/>
+              <a:t>both</a:t>
+            </a:r>
+            <a:r>
+              <a:rPr lang="de-CH" dirty="0"/>
+              <a:t> </a:t>
+            </a:r>
+            <a:r>
+              <a:rPr lang="de-CH" dirty="0" err="1"/>
+              <a:t>working</a:t>
+            </a:r>
+            <a:r>
+              <a:rPr lang="de-CH" dirty="0"/>
+              <a:t> </a:t>
+            </a:r>
+            <a:r>
+              <a:rPr lang="de-CH" dirty="0" err="1"/>
+              <a:t>group</a:t>
+            </a:r>
+            <a:r>
+              <a:rPr lang="de-CH" dirty="0"/>
+              <a:t> </a:t>
+            </a:r>
+            <a:r>
+              <a:rPr lang="de-CH" dirty="0" err="1"/>
+              <a:t>by</a:t>
+            </a:r>
+            <a:r>
+              <a:rPr lang="de-CH" dirty="0"/>
+              <a:t> </a:t>
+            </a:r>
+            <a:r>
+              <a:rPr lang="de-CH" dirty="0" err="1"/>
+              <a:t>having</a:t>
+            </a:r>
+            <a:r>
+              <a:rPr lang="de-CH" dirty="0"/>
+              <a:t> a </a:t>
+            </a:r>
+            <a:r>
+              <a:rPr lang="de-CH" dirty="0" err="1"/>
+              <a:t>joint</a:t>
+            </a:r>
+            <a:r>
+              <a:rPr lang="de-CH" dirty="0"/>
+              <a:t> </a:t>
+            </a:r>
+            <a:r>
+              <a:rPr lang="de-CH" dirty="0" err="1"/>
+              <a:t>session</a:t>
+            </a:r>
+            <a:r>
+              <a:rPr lang="de-CH" dirty="0"/>
+              <a:t> at IETF 123.</a:t>
             </a:r>
             <a:endParaRPr lang="en-001" dirty="0"/>
           </a:p>
@@ -23042,10 +23543,10 @@
       </p:sp>
       <p:pic>
         <p:nvPicPr>
-          <p:cNvPr id="8" name="Picture 7">
+          <p:cNvPr id="5" name="Picture 4">
             <a:extLst>
               <a:ext uri="{FF2B5EF4-FFF2-40B4-BE49-F238E27FC236}">
-                <a16:creationId xmlns:a16="http://schemas.microsoft.com/office/drawing/2014/main" id="{3B423F61-D9C7-3A26-3D5D-A6278B860C6E}"/>
+                <a16:creationId xmlns:a16="http://schemas.microsoft.com/office/drawing/2014/main" id="{D3B1A1F3-3D81-6490-3FFD-0EF242AB0EF3}"/>
               </a:ext>
             </a:extLst>
           </p:cNvPr>
@@ -23062,8 +23563,8 @@
         </p:blipFill>
         <p:spPr>
           <a:xfrm>
-            <a:off x="471900" y="1858170"/>
-            <a:ext cx="6541074" cy="3067107"/>
+            <a:off x="471900" y="1906418"/>
+            <a:ext cx="5980508" cy="3034445"/>
           </a:xfrm>
           <a:prstGeom prst="rect">
             <a:avLst/>
@@ -23927,11 +24428,12 @@
 </file>
 
 <file path=customXml/item1.xml><?xml version="1.0" encoding="utf-8"?>
-<p:properties xmlns:p="http://schemas.microsoft.com/office/2006/metadata/properties" xmlns:xsi="http://www.w3.org/2001/XMLSchema-instance" xmlns:pc="http://schemas.microsoft.com/office/infopath/2007/PartnerControls">
-  <documentManagement>
-    <_activity xmlns="3e5e162a-5953-4fde-83b3-9639e6ab13bb" xsi:nil="true"/>
-  </documentManagement>
-</p:properties>
+<?mso-contentType ?>
+<FormTemplates xmlns="http://schemas.microsoft.com/sharepoint/v3/contenttype/forms">
+  <Display>DocumentLibraryForm</Display>
+  <Edit>DocumentLibraryForm</Edit>
+  <New>DocumentLibraryForm</New>
+</FormTemplates>
 </file>
 
 <file path=customXml/item2.xml><?xml version="1.0" encoding="utf-8"?>
@@ -24188,27 +24690,17 @@
 </file>
 
 <file path=customXml/item3.xml><?xml version="1.0" encoding="utf-8"?>
-<?mso-contentType ?>
-<FormTemplates xmlns="http://schemas.microsoft.com/sharepoint/v3/contenttype/forms">
-  <Display>DocumentLibraryForm</Display>
-  <Edit>DocumentLibraryForm</Edit>
-  <New>DocumentLibraryForm</New>
-</FormTemplates>
+<p:properties xmlns:p="http://schemas.microsoft.com/office/2006/metadata/properties" xmlns:xsi="http://www.w3.org/2001/XMLSchema-instance" xmlns:pc="http://schemas.microsoft.com/office/infopath/2007/PartnerControls">
+  <documentManagement>
+    <_activity xmlns="3e5e162a-5953-4fde-83b3-9639e6ab13bb" xsi:nil="true"/>
+  </documentManagement>
+</p:properties>
 </file>
 
 <file path=customXml/itemProps1.xml><?xml version="1.0" encoding="utf-8"?>
-<ds:datastoreItem xmlns:ds="http://schemas.openxmlformats.org/officeDocument/2006/customXml" ds:itemID="{3D7021EF-4D3D-4708-92FB-F2CD02CEF7A1}">
+<ds:datastoreItem xmlns:ds="http://schemas.openxmlformats.org/officeDocument/2006/customXml" ds:itemID="{9104BBC9-6B71-4DC1-A0E0-1E198363AC7F}">
   <ds:schemaRefs>
-    <ds:schemaRef ds:uri="http://schemas.openxmlformats.org/package/2006/metadata/core-properties"/>
-    <ds:schemaRef ds:uri="http://schemas.microsoft.com/office/2006/documentManagement/types"/>
-    <ds:schemaRef ds:uri="http://schemas.microsoft.com/office/infopath/2007/PartnerControls"/>
-    <ds:schemaRef ds:uri="http://purl.org/dc/elements/1.1/"/>
-    <ds:schemaRef ds:uri="http://schemas.microsoft.com/office/2006/metadata/properties"/>
-    <ds:schemaRef ds:uri="3e5e162a-5953-4fde-83b3-9639e6ab13bb"/>
-    <ds:schemaRef ds:uri="266fa233-377d-43d6-82a1-e70154e55ff7"/>
-    <ds:schemaRef ds:uri="http://purl.org/dc/terms/"/>
-    <ds:schemaRef ds:uri="http://www.w3.org/XML/1998/namespace"/>
-    <ds:schemaRef ds:uri="http://purl.org/dc/dcmitype/"/>
+    <ds:schemaRef ds:uri="http://schemas.microsoft.com/sharepoint/v3/contenttype/forms"/>
   </ds:schemaRefs>
 </ds:datastoreItem>
 </file>
@@ -24233,9 +24725,18 @@
 </file>
 
 <file path=customXml/itemProps3.xml><?xml version="1.0" encoding="utf-8"?>
-<ds:datastoreItem xmlns:ds="http://schemas.openxmlformats.org/officeDocument/2006/customXml" ds:itemID="{9104BBC9-6B71-4DC1-A0E0-1E198363AC7F}">
+<ds:datastoreItem xmlns:ds="http://schemas.openxmlformats.org/officeDocument/2006/customXml" ds:itemID="{3D7021EF-4D3D-4708-92FB-F2CD02CEF7A1}">
   <ds:schemaRefs>
-    <ds:schemaRef ds:uri="http://schemas.microsoft.com/sharepoint/v3/contenttype/forms"/>
+    <ds:schemaRef ds:uri="http://schemas.openxmlformats.org/package/2006/metadata/core-properties"/>
+    <ds:schemaRef ds:uri="http://schemas.microsoft.com/office/2006/documentManagement/types"/>
+    <ds:schemaRef ds:uri="http://schemas.microsoft.com/office/infopath/2007/PartnerControls"/>
+    <ds:schemaRef ds:uri="http://purl.org/dc/elements/1.1/"/>
+    <ds:schemaRef ds:uri="http://schemas.microsoft.com/office/2006/metadata/properties"/>
+    <ds:schemaRef ds:uri="3e5e162a-5953-4fde-83b3-9639e6ab13bb"/>
+    <ds:schemaRef ds:uri="266fa233-377d-43d6-82a1-e70154e55ff7"/>
+    <ds:schemaRef ds:uri="http://purl.org/dc/terms/"/>
+    <ds:schemaRef ds:uri="http://www.w3.org/XML/1998/namespace"/>
+    <ds:schemaRef ds:uri="http://purl.org/dc/dcmitype/"/>
   </ds:schemaRefs>
 </ds:datastoreItem>
 </file>

--- a/ietf123-Madrid/Slides/chair-slides-bmwg-ippm.pptx
+++ b/ietf123-Madrid/Slides/chair-slides-bmwg-ippm.pptx
@@ -329,7 +329,7 @@
   <pc:docChgLst>
     <pc:chgData name="Graf Thomas, SCS-INI-NET-VNC-E2E" userId="487bc3e3-9ce7-4cdd-b7b4-8899ea88d289" providerId="ADAL" clId="{4403439A-50EC-49D8-B7F6-3D7264685FDE}"/>
     <pc:docChg chg="undo custSel addSld modSld sldOrd">
-      <pc:chgData name="Graf Thomas, SCS-INI-NET-VNC-E2E" userId="487bc3e3-9ce7-4cdd-b7b4-8899ea88d289" providerId="ADAL" clId="{4403439A-50EC-49D8-B7F6-3D7264685FDE}" dt="2025-07-14T15:41:00.897" v="1005" actId="20577"/>
+      <pc:chgData name="Graf Thomas, SCS-INI-NET-VNC-E2E" userId="487bc3e3-9ce7-4cdd-b7b4-8899ea88d289" providerId="ADAL" clId="{4403439A-50EC-49D8-B7F6-3D7264685FDE}" dt="2025-07-15T09:01:50.650" v="1407" actId="20577"/>
       <pc:docMkLst>
         <pc:docMk/>
       </pc:docMkLst>
@@ -540,7 +540,7 @@
         </pc:spChg>
       </pc:sldChg>
       <pc:sldChg chg="modSp add mod ord">
-        <pc:chgData name="Graf Thomas, SCS-INI-NET-VNC-E2E" userId="487bc3e3-9ce7-4cdd-b7b4-8899ea88d289" providerId="ADAL" clId="{4403439A-50EC-49D8-B7F6-3D7264685FDE}" dt="2025-07-14T15:41:00.897" v="1005" actId="20577"/>
+        <pc:chgData name="Graf Thomas, SCS-INI-NET-VNC-E2E" userId="487bc3e3-9ce7-4cdd-b7b4-8899ea88d289" providerId="ADAL" clId="{4403439A-50EC-49D8-B7F6-3D7264685FDE}" dt="2025-07-15T09:01:50.650" v="1407" actId="20577"/>
         <pc:sldMkLst>
           <pc:docMk/>
           <pc:sldMk cId="2434865477" sldId="270"/>
@@ -554,7 +554,7 @@
           </ac:spMkLst>
         </pc:spChg>
         <pc:spChg chg="mod">
-          <ac:chgData name="Graf Thomas, SCS-INI-NET-VNC-E2E" userId="487bc3e3-9ce7-4cdd-b7b4-8899ea88d289" providerId="ADAL" clId="{4403439A-50EC-49D8-B7F6-3D7264685FDE}" dt="2025-07-14T15:41:00.897" v="1005" actId="20577"/>
+          <ac:chgData name="Graf Thomas, SCS-INI-NET-VNC-E2E" userId="487bc3e3-9ce7-4cdd-b7b4-8899ea88d289" providerId="ADAL" clId="{4403439A-50EC-49D8-B7F6-3D7264685FDE}" dt="2025-07-15T09:01:50.650" v="1407" actId="20577"/>
           <ac:spMkLst>
             <pc:docMk/>
             <pc:sldMk cId="2434865477" sldId="270"/>
@@ -21413,7 +21413,7 @@
         <p:fade/>
       </p:transition>
     </mc:Choice>
-    <mc:Fallback xmlns="" xmlns:mv="urn:schemas-microsoft-com:mac:vml" xmlns:c="http://schemas.openxmlformats.org/drawingml/2006/chart" xmlns:dgm="http://schemas.openxmlformats.org/drawingml/2006/diagram" xmlns:o="urn:schemas-microsoft-com:office:office" xmlns:v="urn:schemas-microsoft-com:vml" xmlns:pvml="urn:schemas-microsoft-com:office:powerpoint" xmlns:com="http://schemas.openxmlformats.org/drawingml/2006/compatibility" xmlns:p15="http://schemas.microsoft.com/office/powerpoint/2012/main" xmlns:ahyp="http://schemas.microsoft.com/office/drawing/2018/hyperlinkcolor">
+    <mc:Fallback xmlns:ahyp="http://schemas.microsoft.com/office/drawing/2018/hyperlinkcolor" xmlns:p15="http://schemas.microsoft.com/office/powerpoint/2012/main" xmlns:com="http://schemas.openxmlformats.org/drawingml/2006/compatibility" xmlns:pvml="urn:schemas-microsoft-com:office:powerpoint" xmlns:v="urn:schemas-microsoft-com:vml" xmlns:o="urn:schemas-microsoft-com:office:office" xmlns:dgm="http://schemas.openxmlformats.org/drawingml/2006/diagram" xmlns:c="http://schemas.openxmlformats.org/drawingml/2006/chart" xmlns:mv="urn:schemas-microsoft-com:mac:vml" xmlns="">
       <p:transition spd="slow">
         <p:fade/>
       </p:transition>
@@ -21748,7 +21748,7 @@
         <p:fade/>
       </p:transition>
     </mc:Choice>
-    <mc:Fallback xmlns="" xmlns:mv="urn:schemas-microsoft-com:mac:vml" xmlns:c="http://schemas.openxmlformats.org/drawingml/2006/chart" xmlns:dgm="http://schemas.openxmlformats.org/drawingml/2006/diagram" xmlns:o="urn:schemas-microsoft-com:office:office" xmlns:v="urn:schemas-microsoft-com:vml" xmlns:pvml="urn:schemas-microsoft-com:office:powerpoint" xmlns:com="http://schemas.openxmlformats.org/drawingml/2006/compatibility" xmlns:p15="http://schemas.microsoft.com/office/powerpoint/2012/main" xmlns:ahyp="http://schemas.microsoft.com/office/drawing/2018/hyperlinkcolor">
+    <mc:Fallback xmlns:ahyp="http://schemas.microsoft.com/office/drawing/2018/hyperlinkcolor" xmlns:p15="http://schemas.microsoft.com/office/powerpoint/2012/main" xmlns:com="http://schemas.openxmlformats.org/drawingml/2006/compatibility" xmlns:pvml="urn:schemas-microsoft-com:office:powerpoint" xmlns:v="urn:schemas-microsoft-com:vml" xmlns:o="urn:schemas-microsoft-com:office:office" xmlns:dgm="http://schemas.openxmlformats.org/drawingml/2006/diagram" xmlns:c="http://schemas.openxmlformats.org/drawingml/2006/chart" xmlns:mv="urn:schemas-microsoft-com:mac:vml" xmlns="">
       <p:transition spd="slow">
         <p:fade/>
       </p:transition>
@@ -22510,6 +22510,222 @@
             <a:r>
               <a:rPr lang="de-CH" dirty="0"/>
               <a:t> at IETF 123.</a:t>
+            </a:r>
+          </a:p>
+          <a:p>
+            <a:r>
+              <a:rPr lang="de-CH" dirty="0" err="1"/>
+              <a:t>Seeking</a:t>
+            </a:r>
+            <a:r>
+              <a:rPr lang="de-CH" dirty="0"/>
+              <a:t> </a:t>
+            </a:r>
+            <a:r>
+              <a:rPr lang="de-CH" dirty="0" err="1"/>
+              <a:t>feedback</a:t>
+            </a:r>
+            <a:r>
+              <a:rPr lang="de-CH" dirty="0"/>
+              <a:t> </a:t>
+            </a:r>
+            <a:r>
+              <a:rPr lang="de-CH" dirty="0" err="1"/>
+              <a:t>from</a:t>
+            </a:r>
+            <a:r>
+              <a:rPr lang="de-CH" dirty="0"/>
+              <a:t> </a:t>
+            </a:r>
+            <a:r>
+              <a:rPr lang="de-CH" dirty="0" err="1"/>
+              <a:t>both</a:t>
+            </a:r>
+            <a:r>
+              <a:rPr lang="de-CH" dirty="0"/>
+              <a:t> </a:t>
+            </a:r>
+            <a:r>
+              <a:rPr lang="de-CH" dirty="0" err="1"/>
+              <a:t>working</a:t>
+            </a:r>
+            <a:r>
+              <a:rPr lang="de-CH" dirty="0"/>
+              <a:t> </a:t>
+            </a:r>
+            <a:r>
+              <a:rPr lang="de-CH" dirty="0" err="1"/>
+              <a:t>groups</a:t>
+            </a:r>
+            <a:r>
+              <a:rPr lang="de-CH" dirty="0"/>
+              <a:t>. </a:t>
+            </a:r>
+          </a:p>
+          <a:p>
+            <a:pPr lvl="1"/>
+            <a:r>
+              <a:rPr lang="de-CH" dirty="0" err="1"/>
+              <a:t>Did</a:t>
+            </a:r>
+            <a:r>
+              <a:rPr lang="de-CH" dirty="0"/>
+              <a:t> </a:t>
+            </a:r>
+            <a:r>
+              <a:rPr lang="de-CH" dirty="0" err="1"/>
+              <a:t>help</a:t>
+            </a:r>
+            <a:r>
+              <a:rPr lang="de-CH" dirty="0"/>
+              <a:t> </a:t>
+            </a:r>
+            <a:r>
+              <a:rPr lang="de-CH" dirty="0" err="1"/>
+              <a:t>to</a:t>
+            </a:r>
+            <a:r>
+              <a:rPr lang="de-CH" dirty="0"/>
+              <a:t> </a:t>
+            </a:r>
+            <a:r>
+              <a:rPr lang="de-CH" dirty="0" err="1"/>
+              <a:t>familiarize</a:t>
+            </a:r>
+            <a:r>
+              <a:rPr lang="de-CH" dirty="0"/>
+              <a:t> </a:t>
+            </a:r>
+            <a:r>
+              <a:rPr lang="de-CH" dirty="0" err="1"/>
+              <a:t>which</a:t>
+            </a:r>
+            <a:r>
+              <a:rPr lang="de-CH" dirty="0"/>
+              <a:t> </a:t>
+            </a:r>
+            <a:r>
+              <a:rPr lang="de-CH" dirty="0" err="1"/>
+              <a:t>topics</a:t>
+            </a:r>
+            <a:r>
+              <a:rPr lang="de-CH" dirty="0"/>
+              <a:t> and </a:t>
+            </a:r>
+            <a:r>
+              <a:rPr lang="de-CH" dirty="0" err="1"/>
+              <a:t>documents</a:t>
+            </a:r>
+            <a:r>
+              <a:rPr lang="de-CH" dirty="0"/>
+              <a:t> </a:t>
+            </a:r>
+            <a:r>
+              <a:rPr lang="de-CH" dirty="0" err="1"/>
+              <a:t>are</a:t>
+            </a:r>
+            <a:r>
+              <a:rPr lang="de-CH" dirty="0"/>
+              <a:t> </a:t>
+            </a:r>
+            <a:r>
+              <a:rPr lang="de-CH" dirty="0" err="1"/>
+              <a:t>being</a:t>
+            </a:r>
+            <a:r>
+              <a:rPr lang="de-CH" dirty="0"/>
+              <a:t> </a:t>
+            </a:r>
+            <a:r>
+              <a:rPr lang="de-CH" dirty="0" err="1"/>
+              <a:t>discussed</a:t>
+            </a:r>
+            <a:r>
+              <a:rPr lang="de-CH" dirty="0"/>
+              <a:t> in </a:t>
+            </a:r>
+            <a:r>
+              <a:rPr lang="de-CH" dirty="0" err="1"/>
+              <a:t>each</a:t>
+            </a:r>
+            <a:r>
+              <a:rPr lang="de-CH" dirty="0"/>
+              <a:t> </a:t>
+            </a:r>
+            <a:r>
+              <a:rPr lang="de-CH" dirty="0" err="1"/>
+              <a:t>others</a:t>
+            </a:r>
+            <a:r>
+              <a:rPr lang="de-CH" dirty="0"/>
+              <a:t> </a:t>
+            </a:r>
+            <a:r>
+              <a:rPr lang="de-CH" dirty="0" err="1"/>
+              <a:t>working</a:t>
+            </a:r>
+            <a:r>
+              <a:rPr lang="de-CH" dirty="0"/>
+              <a:t> </a:t>
+            </a:r>
+            <a:r>
+              <a:rPr lang="de-CH" dirty="0" err="1"/>
+              <a:t>group</a:t>
+            </a:r>
+            <a:r>
+              <a:rPr lang="de-CH" dirty="0"/>
+              <a:t>? </a:t>
+            </a:r>
+          </a:p>
+          <a:p>
+            <a:pPr lvl="1"/>
+            <a:r>
+              <a:rPr lang="de-CH" dirty="0" err="1"/>
+              <a:t>Would</a:t>
+            </a:r>
+            <a:r>
+              <a:rPr lang="de-CH" dirty="0"/>
+              <a:t> </a:t>
+            </a:r>
+            <a:r>
+              <a:rPr lang="de-CH" dirty="0" err="1"/>
+              <a:t>you</a:t>
+            </a:r>
+            <a:r>
+              <a:rPr lang="de-CH" dirty="0"/>
+              <a:t> like </a:t>
+            </a:r>
+            <a:r>
+              <a:rPr lang="de-CH" dirty="0" err="1"/>
+              <a:t>to</a:t>
+            </a:r>
+            <a:r>
+              <a:rPr lang="de-CH" dirty="0"/>
+              <a:t> </a:t>
+            </a:r>
+            <a:r>
+              <a:rPr lang="de-CH" dirty="0" err="1"/>
+              <a:t>see</a:t>
+            </a:r>
+            <a:r>
+              <a:rPr lang="de-CH" dirty="0"/>
+              <a:t> </a:t>
+            </a:r>
+            <a:r>
+              <a:rPr lang="de-CH" dirty="0" err="1"/>
+              <a:t>more</a:t>
+            </a:r>
+            <a:r>
+              <a:rPr lang="de-CH" dirty="0"/>
+              <a:t> such </a:t>
+            </a:r>
+            <a:r>
+              <a:rPr lang="de-CH" dirty="0" err="1"/>
+              <a:t>activities</a:t>
+            </a:r>
+            <a:r>
+              <a:rPr lang="de-CH" dirty="0"/>
+              <a:t>?</a:t>
             </a:r>
             <a:endParaRPr lang="en-001" dirty="0"/>
           </a:p>
@@ -24428,15 +24644,6 @@
 </file>
 
 <file path=customXml/item1.xml><?xml version="1.0" encoding="utf-8"?>
-<?mso-contentType ?>
-<FormTemplates xmlns="http://schemas.microsoft.com/sharepoint/v3/contenttype/forms">
-  <Display>DocumentLibraryForm</Display>
-  <Edit>DocumentLibraryForm</Edit>
-  <New>DocumentLibraryForm</New>
-</FormTemplates>
-</file>
-
-<file path=customXml/item2.xml><?xml version="1.0" encoding="utf-8"?>
 <ct:contentTypeSchema xmlns:ct="http://schemas.microsoft.com/office/2006/metadata/contentType" xmlns:ma="http://schemas.microsoft.com/office/2006/metadata/properties/metaAttributes" ct:_="" ma:_="" ma:contentTypeName="Dokument" ma:contentTypeID="0x01010028792A905D4FBE4781303B372FFF56B7" ma:contentTypeVersion="18" ma:contentTypeDescription="Ein neues Dokument erstellen." ma:contentTypeScope="" ma:versionID="1bed101c48ab8d637c0f10f3a19033d6">
   <xsd:schema xmlns:xsd="http://www.w3.org/2001/XMLSchema" xmlns:xs="http://www.w3.org/2001/XMLSchema" xmlns:p="http://schemas.microsoft.com/office/2006/metadata/properties" xmlns:ns3="3e5e162a-5953-4fde-83b3-9639e6ab13bb" xmlns:ns4="266fa233-377d-43d6-82a1-e70154e55ff7" targetNamespace="http://schemas.microsoft.com/office/2006/metadata/properties" ma:root="true" ma:fieldsID="ad54ca06dfd6fdd081bd33575dcf7e57" ns3:_="" ns4:_="">
     <xsd:import namespace="3e5e162a-5953-4fde-83b3-9639e6ab13bb"/>
@@ -24689,6 +24896,15 @@
 </ct:contentTypeSchema>
 </file>
 
+<file path=customXml/item2.xml><?xml version="1.0" encoding="utf-8"?>
+<?mso-contentType ?>
+<FormTemplates xmlns="http://schemas.microsoft.com/sharepoint/v3/contenttype/forms">
+  <Display>DocumentLibraryForm</Display>
+  <Edit>DocumentLibraryForm</Edit>
+  <New>DocumentLibraryForm</New>
+</FormTemplates>
+</file>
+
 <file path=customXml/item3.xml><?xml version="1.0" encoding="utf-8"?>
 <p:properties xmlns:p="http://schemas.microsoft.com/office/2006/metadata/properties" xmlns:xsi="http://www.w3.org/2001/XMLSchema-instance" xmlns:pc="http://schemas.microsoft.com/office/infopath/2007/PartnerControls">
   <documentManagement>
@@ -24698,14 +24914,6 @@
 </file>
 
 <file path=customXml/itemProps1.xml><?xml version="1.0" encoding="utf-8"?>
-<ds:datastoreItem xmlns:ds="http://schemas.openxmlformats.org/officeDocument/2006/customXml" ds:itemID="{9104BBC9-6B71-4DC1-A0E0-1E198363AC7F}">
-  <ds:schemaRefs>
-    <ds:schemaRef ds:uri="http://schemas.microsoft.com/sharepoint/v3/contenttype/forms"/>
-  </ds:schemaRefs>
-</ds:datastoreItem>
-</file>
-
-<file path=customXml/itemProps2.xml><?xml version="1.0" encoding="utf-8"?>
 <ds:datastoreItem xmlns:ds="http://schemas.openxmlformats.org/officeDocument/2006/customXml" ds:itemID="{F4805544-B524-4E4A-B7C1-6ABFC599928D}">
   <ds:schemaRefs>
     <ds:schemaRef ds:uri="http://schemas.microsoft.com/office/2006/metadata/contentType"/>
@@ -24720,6 +24928,14 @@
     <ds:schemaRef ds:uri="http://purl.org/dc/elements/1.1/"/>
     <ds:schemaRef ds:uri="http://purl.org/dc/terms/"/>
     <ds:schemaRef ds:uri="http://schemas.microsoft.com/internal/obd"/>
+  </ds:schemaRefs>
+</ds:datastoreItem>
+</file>
+
+<file path=customXml/itemProps2.xml><?xml version="1.0" encoding="utf-8"?>
+<ds:datastoreItem xmlns:ds="http://schemas.openxmlformats.org/officeDocument/2006/customXml" ds:itemID="{9104BBC9-6B71-4DC1-A0E0-1E198363AC7F}">
+  <ds:schemaRefs>
+    <ds:schemaRef ds:uri="http://schemas.microsoft.com/sharepoint/v3/contenttype/forms"/>
   </ds:schemaRefs>
 </ds:datastoreItem>
 </file>

--- a/ietf123-Madrid/Slides/chair-slides-bmwg-ippm.pptx
+++ b/ietf123-Madrid/Slides/chair-slides-bmwg-ippm.pptx
@@ -6,7 +6,7 @@
     <p:sldMasterId id="2147483665" r:id="rId5"/>
   </p:sldMasterIdLst>
   <p:notesMasterIdLst>
-    <p:notesMasterId r:id="rId20"/>
+    <p:notesMasterId r:id="rId21"/>
   </p:notesMasterIdLst>
   <p:sldIdLst>
     <p:sldId id="256" r:id="rId6"/>
@@ -21,51 +21,52 @@
     <p:sldId id="264" r:id="rId15"/>
     <p:sldId id="271" r:id="rId16"/>
     <p:sldId id="266" r:id="rId17"/>
-    <p:sldId id="269" r:id="rId18"/>
-    <p:sldId id="260" r:id="rId19"/>
+    <p:sldId id="272" r:id="rId18"/>
+    <p:sldId id="269" r:id="rId19"/>
+    <p:sldId id="260" r:id="rId20"/>
   </p:sldIdLst>
   <p:sldSz cx="9144000" cy="5143500" type="screen16x9"/>
   <p:notesSz cx="6858000" cy="9144000"/>
   <p:embeddedFontLst>
     <p:embeddedFont>
       <p:font typeface="Inter" panose="020B0604020202020204" charset="0"/>
-      <p:regular r:id="rId21"/>
-      <p:bold r:id="rId22"/>
-      <p:italic r:id="rId23"/>
-      <p:boldItalic r:id="rId24"/>
+      <p:regular r:id="rId22"/>
+      <p:bold r:id="rId23"/>
+      <p:italic r:id="rId24"/>
+      <p:boldItalic r:id="rId25"/>
     </p:embeddedFont>
     <p:embeddedFont>
       <p:font typeface="Montserrat" panose="00000500000000000000" pitchFamily="2" charset="0"/>
-      <p:regular r:id="rId25"/>
-      <p:bold r:id="rId26"/>
-      <p:italic r:id="rId27"/>
-      <p:boldItalic r:id="rId28"/>
+      <p:regular r:id="rId26"/>
+      <p:bold r:id="rId27"/>
+      <p:italic r:id="rId28"/>
+      <p:boldItalic r:id="rId29"/>
     </p:embeddedFont>
     <p:embeddedFont>
       <p:font typeface="Open Sans" panose="020B0606030504020204" pitchFamily="34" charset="0"/>
-      <p:regular r:id="rId29"/>
-      <p:bold r:id="rId30"/>
-      <p:italic r:id="rId31"/>
-      <p:boldItalic r:id="rId32"/>
+      <p:regular r:id="rId30"/>
+      <p:bold r:id="rId31"/>
+      <p:italic r:id="rId32"/>
+      <p:boldItalic r:id="rId33"/>
     </p:embeddedFont>
     <p:embeddedFont>
       <p:font typeface="Open Sans Medium" panose="020B0604020202020204" charset="0"/>
-      <p:regular r:id="rId33"/>
-      <p:bold r:id="rId34"/>
-      <p:italic r:id="rId35"/>
-      <p:boldItalic r:id="rId36"/>
+      <p:regular r:id="rId34"/>
+      <p:bold r:id="rId35"/>
+      <p:italic r:id="rId36"/>
+      <p:boldItalic r:id="rId37"/>
     </p:embeddedFont>
     <p:embeddedFont>
       <p:font typeface="Open Sans SemiBold" panose="020B0706030804020204" pitchFamily="34" charset="0"/>
-      <p:bold r:id="rId37"/>
-      <p:boldItalic r:id="rId38"/>
+      <p:bold r:id="rId38"/>
+      <p:boldItalic r:id="rId39"/>
     </p:embeddedFont>
     <p:embeddedFont>
       <p:font typeface="Roboto" panose="02000000000000000000" pitchFamily="2" charset="0"/>
-      <p:regular r:id="rId39"/>
-      <p:bold r:id="rId40"/>
-      <p:italic r:id="rId41"/>
-      <p:boldItalic r:id="rId42"/>
+      <p:regular r:id="rId40"/>
+      <p:bold r:id="rId41"/>
+      <p:italic r:id="rId42"/>
+      <p:boldItalic r:id="rId43"/>
     </p:embeddedFont>
   </p:embeddedFontLst>
   <p:defaultTextStyle>
@@ -316,16 +317,32 @@
 </p:presentation>
 </file>
 
-<file path=ppt/revisionInfo.xml><?xml version="1.0" encoding="utf-8"?>
-<p1510:revInfo xmlns:a="http://schemas.openxmlformats.org/drawingml/2006/main" xmlns:r="http://schemas.openxmlformats.org/officeDocument/2006/relationships" xmlns:p1510="http://schemas.microsoft.com/office/powerpoint/2015/10/main">
-  <p1510:revLst>
-    <p1510:client id="{4403439A-50EC-49D8-B7F6-3D7264685FDE}" v="3" dt="2025-07-10T05:56:58.467"/>
-  </p1510:revLst>
-</p1510:revInfo>
-</file>
-
 <file path=ppt/changesInfos/changesInfo1.xml><?xml version="1.0" encoding="utf-8"?>
 <pc:chgInfo xmlns:a="http://schemas.openxmlformats.org/drawingml/2006/main" xmlns:r="http://schemas.openxmlformats.org/officeDocument/2006/relationships" xmlns:ac="http://schemas.microsoft.com/office/drawing/2013/main/command" xmlns:pc="http://schemas.microsoft.com/office/powerpoint/2013/main/command">
+  <pc:docChgLst>
+    <pc:chgData name="Marcus Ihlar" userId="3466507a-8f95-47f2-ae1b-ce7d6ca611a4" providerId="ADAL" clId="{AED546ED-D998-4FD7-8756-673BE2DDCF49}"/>
+    <pc:docChg chg="modSld">
+      <pc:chgData name="Marcus Ihlar" userId="3466507a-8f95-47f2-ae1b-ce7d6ca611a4" providerId="ADAL" clId="{AED546ED-D998-4FD7-8756-673BE2DDCF49}" dt="2025-07-16T10:18:57.833" v="8" actId="20577"/>
+      <pc:docMkLst>
+        <pc:docMk/>
+      </pc:docMkLst>
+      <pc:sldChg chg="modSp mod">
+        <pc:chgData name="Marcus Ihlar" userId="3466507a-8f95-47f2-ae1b-ce7d6ca611a4" providerId="ADAL" clId="{AED546ED-D998-4FD7-8756-673BE2DDCF49}" dt="2025-07-16T10:18:57.833" v="8" actId="20577"/>
+        <pc:sldMkLst>
+          <pc:docMk/>
+          <pc:sldMk cId="2128497270" sldId="269"/>
+        </pc:sldMkLst>
+        <pc:spChg chg="mod">
+          <ac:chgData name="Marcus Ihlar" userId="3466507a-8f95-47f2-ae1b-ce7d6ca611a4" providerId="ADAL" clId="{AED546ED-D998-4FD7-8756-673BE2DDCF49}" dt="2025-07-16T10:18:57.833" v="8" actId="20577"/>
+          <ac:spMkLst>
+            <pc:docMk/>
+            <pc:sldMk cId="2128497270" sldId="269"/>
+            <ac:spMk id="3" creationId="{FED4E835-D652-159B-D0CD-7FC58A509645}"/>
+          </ac:spMkLst>
+        </pc:spChg>
+      </pc:sldChg>
+    </pc:docChg>
+  </pc:docChgLst>
   <pc:docChgLst>
     <pc:chgData name="Graf Thomas, SCS-INI-NET-VNC-E2E" userId="487bc3e3-9ce7-4cdd-b7b4-8899ea88d289" providerId="ADAL" clId="{4403439A-50EC-49D8-B7F6-3D7264685FDE}"/>
     <pc:docChg chg="undo custSel addSld modSld sldOrd">
@@ -407,22 +424,6 @@
             <ac:picMk id="5" creationId="{D3B1A1F3-3D81-6490-3FFD-0EF242AB0EF3}"/>
           </ac:picMkLst>
         </pc:picChg>
-        <pc:picChg chg="del mod">
-          <ac:chgData name="Graf Thomas, SCS-INI-NET-VNC-E2E" userId="487bc3e3-9ce7-4cdd-b7b4-8899ea88d289" providerId="ADAL" clId="{4403439A-50EC-49D8-B7F6-3D7264685FDE}" dt="2025-07-10T05:46:54.659" v="41" actId="478"/>
-          <ac:picMkLst>
-            <pc:docMk/>
-            <pc:sldMk cId="2332748115" sldId="263"/>
-            <ac:picMk id="6" creationId="{E833F0F5-1907-9B7C-9A9E-AEA3EFBD6C3D}"/>
-          </ac:picMkLst>
-        </pc:picChg>
-        <pc:picChg chg="add del mod">
-          <ac:chgData name="Graf Thomas, SCS-INI-NET-VNC-E2E" userId="487bc3e3-9ce7-4cdd-b7b4-8899ea88d289" providerId="ADAL" clId="{4403439A-50EC-49D8-B7F6-3D7264685FDE}" dt="2025-07-14T15:37:55.565" v="751" actId="478"/>
-          <ac:picMkLst>
-            <pc:docMk/>
-            <pc:sldMk cId="2332748115" sldId="263"/>
-            <ac:picMk id="8" creationId="{3B423F61-D9C7-3A26-3D5D-A6278B860C6E}"/>
-          </ac:picMkLst>
-        </pc:picChg>
       </pc:sldChg>
       <pc:sldChg chg="addSp delSp modSp mod">
         <pc:chgData name="Graf Thomas, SCS-INI-NET-VNC-E2E" userId="487bc3e3-9ce7-4cdd-b7b4-8899ea88d289" providerId="ADAL" clId="{4403439A-50EC-49D8-B7F6-3D7264685FDE}" dt="2025-07-14T15:38:27.636" v="757" actId="1076"/>
@@ -438,28 +439,12 @@
             <ac:spMk id="2" creationId="{0B9E15DC-F076-98D2-1BDF-BC01FEC9047B}"/>
           </ac:spMkLst>
         </pc:spChg>
-        <pc:picChg chg="del">
-          <ac:chgData name="Graf Thomas, SCS-INI-NET-VNC-E2E" userId="487bc3e3-9ce7-4cdd-b7b4-8899ea88d289" providerId="ADAL" clId="{4403439A-50EC-49D8-B7F6-3D7264685FDE}" dt="2025-07-10T05:47:48.974" v="65" actId="478"/>
-          <ac:picMkLst>
-            <pc:docMk/>
-            <pc:sldMk cId="703495152" sldId="264"/>
-            <ac:picMk id="7" creationId="{4E9C04AB-B0FB-1396-8C26-C82F99A7F4D3}"/>
-          </ac:picMkLst>
-        </pc:picChg>
         <pc:picChg chg="add mod">
           <ac:chgData name="Graf Thomas, SCS-INI-NET-VNC-E2E" userId="487bc3e3-9ce7-4cdd-b7b4-8899ea88d289" providerId="ADAL" clId="{4403439A-50EC-49D8-B7F6-3D7264685FDE}" dt="2025-07-14T15:38:27.636" v="757" actId="1076"/>
           <ac:picMkLst>
             <pc:docMk/>
             <pc:sldMk cId="703495152" sldId="264"/>
             <ac:picMk id="7" creationId="{6908B6E2-39A5-0021-F9FA-09A16DCAD2EF}"/>
-          </ac:picMkLst>
-        </pc:picChg>
-        <pc:picChg chg="add del mod">
-          <ac:chgData name="Graf Thomas, SCS-INI-NET-VNC-E2E" userId="487bc3e3-9ce7-4cdd-b7b4-8899ea88d289" providerId="ADAL" clId="{4403439A-50EC-49D8-B7F6-3D7264685FDE}" dt="2025-07-14T15:38:23.903" v="755" actId="478"/>
-          <ac:picMkLst>
-            <pc:docMk/>
-            <pc:sldMk cId="703495152" sldId="264"/>
-            <ac:picMk id="10" creationId="{2F01ACCD-F730-EE43-3E47-AC8C0118F619}"/>
           </ac:picMkLst>
         </pc:picChg>
       </pc:sldChg>
@@ -576,14 +561,6 @@
             <ac:spMk id="2" creationId="{0B9E15DC-F076-98D2-1BDF-BC01FEC9047B}"/>
           </ac:spMkLst>
         </pc:spChg>
-        <pc:picChg chg="del">
-          <ac:chgData name="Graf Thomas, SCS-INI-NET-VNC-E2E" userId="487bc3e3-9ce7-4cdd-b7b4-8899ea88d289" providerId="ADAL" clId="{4403439A-50EC-49D8-B7F6-3D7264685FDE}" dt="2025-07-14T15:38:53.666" v="778" actId="478"/>
-          <ac:picMkLst>
-            <pc:docMk/>
-            <pc:sldMk cId="1859012803" sldId="271"/>
-            <ac:picMk id="7" creationId="{6908B6E2-39A5-0021-F9FA-09A16DCAD2EF}"/>
-          </ac:picMkLst>
-        </pc:picChg>
         <pc:picChg chg="add mod">
           <ac:chgData name="Graf Thomas, SCS-INI-NET-VNC-E2E" userId="487bc3e3-9ce7-4cdd-b7b4-8899ea88d289" providerId="ADAL" clId="{4403439A-50EC-49D8-B7F6-3D7264685FDE}" dt="2025-07-14T15:38:57.390" v="780" actId="1076"/>
           <ac:picMkLst>
@@ -1381,6 +1358,72 @@
     </p:spTree>
     <p:extLst>
       <p:ext uri="{BB962C8B-B14F-4D97-AF65-F5344CB8AC3E}">
+        <p14:creationId xmlns:p14="http://schemas.microsoft.com/office/powerpoint/2010/main" val="3041220016"/>
+      </p:ext>
+    </p:extLst>
+  </p:cSld>
+  <p:clrMapOvr>
+    <a:masterClrMapping/>
+  </p:clrMapOvr>
+</p:notes>
+</file>
+
+<file path=ppt/notesSlides/notesSlide13.xml><?xml version="1.0" encoding="utf-8"?>
+<p:notes xmlns:a="http://schemas.openxmlformats.org/drawingml/2006/main" xmlns:r="http://schemas.openxmlformats.org/officeDocument/2006/relationships" xmlns:p="http://schemas.openxmlformats.org/presentationml/2006/main">
+  <p:cSld>
+    <p:spTree>
+      <p:nvGrpSpPr>
+        <p:cNvPr id="1" name=""/>
+        <p:cNvGrpSpPr/>
+        <p:nvPr/>
+      </p:nvGrpSpPr>
+      <p:grpSpPr>
+        <a:xfrm>
+          <a:off x="0" y="0"/>
+          <a:ext cx="0" cy="0"/>
+          <a:chOff x="0" y="0"/>
+          <a:chExt cx="0" cy="0"/>
+        </a:xfrm>
+      </p:grpSpPr>
+      <p:sp>
+        <p:nvSpPr>
+          <p:cNvPr id="2" name="Slide Image Placeholder 1"/>
+          <p:cNvSpPr>
+            <a:spLocks noGrp="1" noRot="1" noChangeAspect="1"/>
+          </p:cNvSpPr>
+          <p:nvPr>
+            <p:ph type="sldImg"/>
+          </p:nvPr>
+        </p:nvSpPr>
+        <p:spPr>
+          <a:xfrm>
+            <a:off x="381000" y="685800"/>
+            <a:ext cx="6096000" cy="3429000"/>
+          </a:xfrm>
+        </p:spPr>
+      </p:sp>
+      <p:sp>
+        <p:nvSpPr>
+          <p:cNvPr id="3" name="Notes Placeholder 2"/>
+          <p:cNvSpPr>
+            <a:spLocks noGrp="1"/>
+          </p:cNvSpPr>
+          <p:nvPr>
+            <p:ph type="body" idx="1"/>
+          </p:nvPr>
+        </p:nvSpPr>
+        <p:spPr/>
+        <p:txBody>
+          <a:bodyPr/>
+          <a:lstStyle/>
+          <a:p>
+            <a:endParaRPr lang="en-US" dirty="0"/>
+          </a:p>
+        </p:txBody>
+      </p:sp>
+    </p:spTree>
+    <p:extLst>
+      <p:ext uri="{BB962C8B-B14F-4D97-AF65-F5344CB8AC3E}">
         <p14:creationId xmlns:p14="http://schemas.microsoft.com/office/powerpoint/2010/main" val="2444723583"/>
       </p:ext>
     </p:extLst>
@@ -1391,7 +1434,7 @@
 </p:notes>
 </file>
 
-<file path=ppt/notesSlides/notesSlide13.xml><?xml version="1.0" encoding="utf-8"?>
+<file path=ppt/notesSlides/notesSlide14.xml><?xml version="1.0" encoding="utf-8"?>
 <p:notes xmlns:a="http://schemas.openxmlformats.org/drawingml/2006/main" xmlns:r="http://schemas.openxmlformats.org/officeDocument/2006/relationships" xmlns:p="http://schemas.openxmlformats.org/presentationml/2006/main" showMasterSp="0" showMasterPhAnim="0">
   <p:cSld>
     <p:spTree>
@@ -19089,142 +19132,6 @@
           </a:p>
         </p:txBody>
       </p:sp>
-      <p:sp>
-        <p:nvSpPr>
-          <p:cNvPr id="5" name="TextBox 4">
-            <a:extLst>
-              <a:ext uri="{FF2B5EF4-FFF2-40B4-BE49-F238E27FC236}">
-                <a16:creationId xmlns:a16="http://schemas.microsoft.com/office/drawing/2014/main" id="{4415A45C-D066-654C-3989-5671669230C8}"/>
-              </a:ext>
-            </a:extLst>
-          </p:cNvPr>
-          <p:cNvSpPr txBox="1"/>
-          <p:nvPr/>
-        </p:nvSpPr>
-        <p:spPr>
-          <a:xfrm>
-            <a:off x="1665297" y="3410195"/>
-            <a:ext cx="2657324" cy="246221"/>
-          </a:xfrm>
-          <a:prstGeom prst="rect">
-            <a:avLst/>
-          </a:prstGeom>
-          <a:noFill/>
-        </p:spPr>
-        <p:txBody>
-          <a:bodyPr wrap="square">
-            <a:spAutoFit/>
-          </a:bodyPr>
-          <a:lstStyle/>
-          <a:p>
-            <a:r>
-              <a:rPr lang="en-GB" sz="1000" dirty="0">
-                <a:solidFill>
-                  <a:schemeClr val="accent4"/>
-                </a:solidFill>
-                <a:latin typeface="Inter" panose="020B0604020202020204" charset="0"/>
-                <a:ea typeface="Inter" panose="020B0604020202020204" charset="0"/>
-              </a:rPr>
-              <a:t>draft-</a:t>
-            </a:r>
-            <a:r>
-              <a:rPr lang="en-GB" sz="1000" dirty="0" err="1">
-                <a:solidFill>
-                  <a:schemeClr val="accent4"/>
-                </a:solidFill>
-                <a:latin typeface="Inter" panose="020B0604020202020204" charset="0"/>
-                <a:ea typeface="Inter" panose="020B0604020202020204" charset="0"/>
-              </a:rPr>
-              <a:t>ietf</a:t>
-            </a:r>
-            <a:r>
-              <a:rPr lang="en-GB" sz="1000" dirty="0">
-                <a:solidFill>
-                  <a:schemeClr val="accent4"/>
-                </a:solidFill>
-                <a:latin typeface="Inter" panose="020B0604020202020204" charset="0"/>
-                <a:ea typeface="Inter" panose="020B0604020202020204" charset="0"/>
-              </a:rPr>
-              <a:t>-opsawg-</a:t>
-            </a:r>
-            <a:r>
-              <a:rPr lang="en-GB" sz="1000" dirty="0" err="1">
-                <a:solidFill>
-                  <a:schemeClr val="accent4"/>
-                </a:solidFill>
-                <a:latin typeface="Inter" panose="020B0604020202020204" charset="0"/>
-                <a:ea typeface="Inter" panose="020B0604020202020204" charset="0"/>
-              </a:rPr>
-              <a:t>oam</a:t>
-            </a:r>
-            <a:r>
-              <a:rPr lang="en-GB" sz="1000" dirty="0">
-                <a:solidFill>
-                  <a:schemeClr val="accent4"/>
-                </a:solidFill>
-                <a:latin typeface="Inter" panose="020B0604020202020204" charset="0"/>
-                <a:ea typeface="Inter" panose="020B0604020202020204" charset="0"/>
-              </a:rPr>
-              <a:t>-characterization</a:t>
-            </a:r>
-            <a:endParaRPr lang="de-CH" sz="1000" dirty="0">
-              <a:solidFill>
-                <a:schemeClr val="accent4"/>
-              </a:solidFill>
-              <a:latin typeface="Inter" panose="020B0604020202020204" charset="0"/>
-              <a:ea typeface="Inter" panose="020B0604020202020204" charset="0"/>
-            </a:endParaRPr>
-          </a:p>
-        </p:txBody>
-      </p:sp>
-      <p:sp>
-        <p:nvSpPr>
-          <p:cNvPr id="6" name="TextBox 5">
-            <a:extLst>
-              <a:ext uri="{FF2B5EF4-FFF2-40B4-BE49-F238E27FC236}">
-                <a16:creationId xmlns:a16="http://schemas.microsoft.com/office/drawing/2014/main" id="{56370054-45B6-FE84-EE9A-AAE2E1DB87A7}"/>
-              </a:ext>
-            </a:extLst>
-          </p:cNvPr>
-          <p:cNvSpPr txBox="1"/>
-          <p:nvPr/>
-        </p:nvSpPr>
-        <p:spPr>
-          <a:xfrm>
-            <a:off x="5431544" y="3410194"/>
-            <a:ext cx="939358" cy="246221"/>
-          </a:xfrm>
-          <a:prstGeom prst="rect">
-            <a:avLst/>
-          </a:prstGeom>
-          <a:noFill/>
-        </p:spPr>
-        <p:txBody>
-          <a:bodyPr wrap="square">
-            <a:spAutoFit/>
-          </a:bodyPr>
-          <a:lstStyle/>
-          <a:p>
-            <a:r>
-              <a:rPr lang="en-GB" sz="1000" dirty="0">
-                <a:solidFill>
-                  <a:schemeClr val="accent4"/>
-                </a:solidFill>
-                <a:latin typeface="Inter" panose="020B0604020202020204" charset="0"/>
-                <a:ea typeface="Inter" panose="020B0604020202020204" charset="0"/>
-              </a:rPr>
-              <a:t>T. Graf</a:t>
-            </a:r>
-            <a:endParaRPr lang="de-CH" sz="1000" dirty="0">
-              <a:solidFill>
-                <a:schemeClr val="accent4"/>
-              </a:solidFill>
-              <a:latin typeface="Inter" panose="020B0604020202020204" charset="0"/>
-              <a:ea typeface="Inter" panose="020B0604020202020204" charset="0"/>
-            </a:endParaRPr>
-          </a:p>
-        </p:txBody>
-      </p:sp>
       <p:pic>
         <p:nvPicPr>
           <p:cNvPr id="7" name="Picture 6">
@@ -19361,142 +19268,6 @@
               <a:t>11</a:t>
             </a:fld>
             <a:endParaRPr lang="en-US"/>
-          </a:p>
-        </p:txBody>
-      </p:sp>
-      <p:sp>
-        <p:nvSpPr>
-          <p:cNvPr id="5" name="TextBox 4">
-            <a:extLst>
-              <a:ext uri="{FF2B5EF4-FFF2-40B4-BE49-F238E27FC236}">
-                <a16:creationId xmlns:a16="http://schemas.microsoft.com/office/drawing/2014/main" id="{4415A45C-D066-654C-3989-5671669230C8}"/>
-              </a:ext>
-            </a:extLst>
-          </p:cNvPr>
-          <p:cNvSpPr txBox="1"/>
-          <p:nvPr/>
-        </p:nvSpPr>
-        <p:spPr>
-          <a:xfrm>
-            <a:off x="1665297" y="3410195"/>
-            <a:ext cx="2657324" cy="246221"/>
-          </a:xfrm>
-          <a:prstGeom prst="rect">
-            <a:avLst/>
-          </a:prstGeom>
-          <a:noFill/>
-        </p:spPr>
-        <p:txBody>
-          <a:bodyPr wrap="square">
-            <a:spAutoFit/>
-          </a:bodyPr>
-          <a:lstStyle/>
-          <a:p>
-            <a:r>
-              <a:rPr lang="en-GB" sz="1000" dirty="0">
-                <a:solidFill>
-                  <a:schemeClr val="accent4"/>
-                </a:solidFill>
-                <a:latin typeface="Inter" panose="020B0604020202020204" charset="0"/>
-                <a:ea typeface="Inter" panose="020B0604020202020204" charset="0"/>
-              </a:rPr>
-              <a:t>draft-</a:t>
-            </a:r>
-            <a:r>
-              <a:rPr lang="en-GB" sz="1000" dirty="0" err="1">
-                <a:solidFill>
-                  <a:schemeClr val="accent4"/>
-                </a:solidFill>
-                <a:latin typeface="Inter" panose="020B0604020202020204" charset="0"/>
-                <a:ea typeface="Inter" panose="020B0604020202020204" charset="0"/>
-              </a:rPr>
-              <a:t>ietf</a:t>
-            </a:r>
-            <a:r>
-              <a:rPr lang="en-GB" sz="1000" dirty="0">
-                <a:solidFill>
-                  <a:schemeClr val="accent4"/>
-                </a:solidFill>
-                <a:latin typeface="Inter" panose="020B0604020202020204" charset="0"/>
-                <a:ea typeface="Inter" panose="020B0604020202020204" charset="0"/>
-              </a:rPr>
-              <a:t>-opsawg-</a:t>
-            </a:r>
-            <a:r>
-              <a:rPr lang="en-GB" sz="1000" dirty="0" err="1">
-                <a:solidFill>
-                  <a:schemeClr val="accent4"/>
-                </a:solidFill>
-                <a:latin typeface="Inter" panose="020B0604020202020204" charset="0"/>
-                <a:ea typeface="Inter" panose="020B0604020202020204" charset="0"/>
-              </a:rPr>
-              <a:t>oam</a:t>
-            </a:r>
-            <a:r>
-              <a:rPr lang="en-GB" sz="1000" dirty="0">
-                <a:solidFill>
-                  <a:schemeClr val="accent4"/>
-                </a:solidFill>
-                <a:latin typeface="Inter" panose="020B0604020202020204" charset="0"/>
-                <a:ea typeface="Inter" panose="020B0604020202020204" charset="0"/>
-              </a:rPr>
-              <a:t>-characterization</a:t>
-            </a:r>
-            <a:endParaRPr lang="de-CH" sz="1000" dirty="0">
-              <a:solidFill>
-                <a:schemeClr val="accent4"/>
-              </a:solidFill>
-              <a:latin typeface="Inter" panose="020B0604020202020204" charset="0"/>
-              <a:ea typeface="Inter" panose="020B0604020202020204" charset="0"/>
-            </a:endParaRPr>
-          </a:p>
-        </p:txBody>
-      </p:sp>
-      <p:sp>
-        <p:nvSpPr>
-          <p:cNvPr id="6" name="TextBox 5">
-            <a:extLst>
-              <a:ext uri="{FF2B5EF4-FFF2-40B4-BE49-F238E27FC236}">
-                <a16:creationId xmlns:a16="http://schemas.microsoft.com/office/drawing/2014/main" id="{56370054-45B6-FE84-EE9A-AAE2E1DB87A7}"/>
-              </a:ext>
-            </a:extLst>
-          </p:cNvPr>
-          <p:cNvSpPr txBox="1"/>
-          <p:nvPr/>
-        </p:nvSpPr>
-        <p:spPr>
-          <a:xfrm>
-            <a:off x="5431544" y="3410194"/>
-            <a:ext cx="939358" cy="246221"/>
-          </a:xfrm>
-          <a:prstGeom prst="rect">
-            <a:avLst/>
-          </a:prstGeom>
-          <a:noFill/>
-        </p:spPr>
-        <p:txBody>
-          <a:bodyPr wrap="square">
-            <a:spAutoFit/>
-          </a:bodyPr>
-          <a:lstStyle/>
-          <a:p>
-            <a:r>
-              <a:rPr lang="en-GB" sz="1000" dirty="0">
-                <a:solidFill>
-                  <a:schemeClr val="accent4"/>
-                </a:solidFill>
-                <a:latin typeface="Inter" panose="020B0604020202020204" charset="0"/>
-                <a:ea typeface="Inter" panose="020B0604020202020204" charset="0"/>
-              </a:rPr>
-              <a:t>T. Graf</a:t>
-            </a:r>
-            <a:endParaRPr lang="de-CH" sz="1000" dirty="0">
-              <a:solidFill>
-                <a:schemeClr val="accent4"/>
-              </a:solidFill>
-              <a:latin typeface="Inter" panose="020B0604020202020204" charset="0"/>
-              <a:ea typeface="Inter" panose="020B0604020202020204" charset="0"/>
-            </a:endParaRPr>
           </a:p>
         </p:txBody>
       </p:sp>
@@ -19737,15 +19508,7 @@
             <a:pPr lvl="1"/>
             <a:r>
               <a:rPr lang="de-CH" sz="1400" dirty="0"/>
-              <a:t>R</a:t>
-            </a:r>
-            <a:r>
-              <a:rPr lang="de-CH" sz="1400"/>
-              <a:t>ecent </a:t>
-            </a:r>
-            <a:r>
-              <a:rPr lang="de-CH" sz="1400" dirty="0"/>
-              <a:t>discussion on the mailing list</a:t>
+              <a:t>Recent discussion on the mailing list</a:t>
             </a:r>
           </a:p>
           <a:p>
@@ -19822,6 +19585,531 @@
             <p:ph type="title"/>
           </p:nvPr>
         </p:nvSpPr>
+        <p:spPr>
+          <a:xfrm>
+            <a:off x="471899" y="218223"/>
+            <a:ext cx="8395009" cy="1288203"/>
+          </a:xfrm>
+          <a:noFill/>
+          <a:ln>
+            <a:noFill/>
+          </a:ln>
+        </p:spPr>
+        <p:txBody>
+          <a:bodyPr spcFirstLastPara="1" wrap="square" lIns="91400" tIns="91400" rIns="91400" bIns="91400" anchor="ctr" anchorCtr="0">
+            <a:noAutofit/>
+          </a:bodyPr>
+          <a:lstStyle/>
+          <a:p>
+            <a:r>
+              <a:rPr lang="en-US" sz="3200" dirty="0"/>
+              <a:t>BMWG </a:t>
+            </a:r>
+            <a:r>
+              <a:rPr lang="en-US" sz="3200" dirty="0" err="1"/>
+              <a:t>MLRsearch</a:t>
+            </a:r>
+            <a:r>
+              <a:rPr lang="en-US" sz="3200" dirty="0"/>
+              <a:t> Update after WGLC</a:t>
+            </a:r>
+          </a:p>
+        </p:txBody>
+      </p:sp>
+      <p:sp>
+        <p:nvSpPr>
+          <p:cNvPr id="4" name="Slide Number Placeholder 3">
+            <a:extLst>
+              <a:ext uri="{FF2B5EF4-FFF2-40B4-BE49-F238E27FC236}">
+                <a16:creationId xmlns:a16="http://schemas.microsoft.com/office/drawing/2014/main" id="{D216BDC7-4DE9-D9D5-0725-BBEF6CFE8DF1}"/>
+              </a:ext>
+            </a:extLst>
+          </p:cNvPr>
+          <p:cNvSpPr>
+            <a:spLocks noGrp="1"/>
+          </p:cNvSpPr>
+          <p:nvPr>
+            <p:ph type="sldNum" idx="12"/>
+          </p:nvPr>
+        </p:nvSpPr>
+        <p:spPr/>
+        <p:txBody>
+          <a:bodyPr/>
+          <a:lstStyle/>
+          <a:p>
+            <a:pPr marL="0" lvl="0" indent="0" algn="r" rtl="0">
+              <a:spcBef>
+                <a:spcPts val="0"/>
+              </a:spcBef>
+              <a:spcAft>
+                <a:spcPts val="0"/>
+              </a:spcAft>
+              <a:buNone/>
+            </a:pPr>
+            <a:fld id="{00000000-1234-1234-1234-123412341234}" type="slidenum">
+              <a:rPr lang="en-US" smtClean="0"/>
+              <a:t>13</a:t>
+            </a:fld>
+            <a:endParaRPr lang="en-US"/>
+          </a:p>
+        </p:txBody>
+      </p:sp>
+      <p:sp>
+        <p:nvSpPr>
+          <p:cNvPr id="11" name="Content Placeholder 2">
+            <a:extLst>
+              <a:ext uri="{FF2B5EF4-FFF2-40B4-BE49-F238E27FC236}">
+                <a16:creationId xmlns:a16="http://schemas.microsoft.com/office/drawing/2014/main" id="{E9F6AFF0-EB64-476A-9819-34C50D74F1A0}"/>
+              </a:ext>
+            </a:extLst>
+          </p:cNvPr>
+          <p:cNvSpPr txBox="1">
+            <a:spLocks noGrp="1"/>
+          </p:cNvSpPr>
+          <p:nvPr>
+            <p:ph type="body" idx="1"/>
+          </p:nvPr>
+        </p:nvSpPr>
+        <p:spPr>
+          <a:xfrm>
+            <a:off x="471488" y="1919288"/>
+            <a:ext cx="8223250" cy="2709862"/>
+          </a:xfrm>
+        </p:spPr>
+        <p:txBody>
+          <a:bodyPr>
+            <a:noAutofit/>
+          </a:bodyPr>
+          <a:lstStyle/>
+          <a:p>
+            <a:pPr lvl="0">
+              <a:buFont typeface="Arial" panose="020B0604020202020204" pitchFamily="34" charset="0"/>
+              <a:buChar char="•"/>
+            </a:pPr>
+            <a:r>
+              <a:rPr lang="en-GB" sz="1000" i="1" dirty="0"/>
+              <a:t>draft-ietf-bmwg-mlrsearch-11</a:t>
+            </a:r>
+            <a:r>
+              <a:rPr lang="en-GB" sz="1000" dirty="0"/>
+              <a:t> posted on 2025-07-07.</a:t>
+            </a:r>
+            <a:endParaRPr lang="en-GB" sz="1000" dirty="0">
+              <a:ea typeface="Calibri"/>
+              <a:cs typeface="Calibri"/>
+            </a:endParaRPr>
+          </a:p>
+          <a:p>
+            <a:pPr lvl="0">
+              <a:buFont typeface="Arial" panose="020B0604020202020204" pitchFamily="34" charset="0"/>
+              <a:buChar char="•"/>
+            </a:pPr>
+            <a:r>
+              <a:rPr lang="en-GB" sz="1000" dirty="0">
+                <a:hlinkClick r:id="rId3"/>
+              </a:rPr>
+              <a:t>Changes</a:t>
+            </a:r>
+            <a:r>
+              <a:rPr lang="en-GB" sz="1000" dirty="0"/>
+              <a:t> from -10:</a:t>
+            </a:r>
+            <a:endParaRPr lang="en-GB" sz="1000" dirty="0">
+              <a:ea typeface="Calibri"/>
+              <a:cs typeface="Calibri"/>
+            </a:endParaRPr>
+          </a:p>
+          <a:p>
+            <a:pPr lvl="1">
+              <a:buFont typeface="Arial" panose="020B0604020202020204" pitchFamily="34" charset="0"/>
+              <a:buChar char="•"/>
+            </a:pPr>
+            <a:r>
+              <a:rPr lang="en-GB" sz="900" dirty="0">
+                <a:ea typeface="Calibri"/>
+                <a:cs typeface="Calibri"/>
+              </a:rPr>
+              <a:t>Addressed comments and suggestions from IETF AD review.</a:t>
+            </a:r>
+          </a:p>
+          <a:p>
+            <a:pPr lvl="2">
+              <a:buFont typeface="Arial" panose="020B0604020202020204" pitchFamily="34" charset="0"/>
+              <a:buChar char="•"/>
+            </a:pPr>
+            <a:r>
+              <a:rPr lang="en-GB" sz="800" dirty="0">
+                <a:ea typeface="Calibri"/>
+                <a:cs typeface="Calibri"/>
+              </a:rPr>
+              <a:t>Big Thanks to Mohamed Boucadair for a very thorough AD review - </a:t>
+            </a:r>
+            <a:r>
+              <a:rPr lang="en-GB" sz="800" dirty="0">
+                <a:ea typeface="Calibri"/>
+                <a:cs typeface="Calibri"/>
+                <a:hlinkClick r:id="rId4"/>
+              </a:rPr>
+              <a:t>PDF version</a:t>
+            </a:r>
+            <a:r>
+              <a:rPr lang="en-GB" sz="800" dirty="0">
+                <a:ea typeface="Calibri"/>
+                <a:cs typeface="Calibri"/>
+              </a:rPr>
+              <a:t> with 118 comments and improvement suggestions.</a:t>
+            </a:r>
+          </a:p>
+          <a:p>
+            <a:pPr lvl="2">
+              <a:buFont typeface="Arial" panose="020B0604020202020204" pitchFamily="34" charset="0"/>
+              <a:buChar char="•"/>
+            </a:pPr>
+            <a:r>
+              <a:rPr lang="en-GB" sz="800" dirty="0">
+                <a:ea typeface="Calibri"/>
+                <a:cs typeface="Calibri"/>
+              </a:rPr>
+              <a:t>Version -11 with notes and comments per each AD point available in </a:t>
+            </a:r>
+            <a:r>
+              <a:rPr lang="en-GB" sz="800" dirty="0" err="1">
+                <a:ea typeface="Calibri"/>
+                <a:cs typeface="Calibri"/>
+              </a:rPr>
+              <a:t>github</a:t>
+            </a:r>
+            <a:r>
+              <a:rPr lang="en-GB" sz="800" dirty="0">
+                <a:ea typeface="Calibri"/>
+                <a:cs typeface="Calibri"/>
+              </a:rPr>
+              <a:t> - </a:t>
+            </a:r>
+            <a:r>
+              <a:rPr lang="en-GB" sz="800" dirty="0" err="1">
+                <a:ea typeface="Calibri"/>
+                <a:cs typeface="Calibri"/>
+                <a:hlinkClick r:id="rId5"/>
+              </a:rPr>
+              <a:t>kramdown</a:t>
+            </a:r>
+            <a:r>
+              <a:rPr lang="en-GB" sz="800" dirty="0">
+                <a:ea typeface="Calibri"/>
+                <a:cs typeface="Calibri"/>
+                <a:hlinkClick r:id="rId5"/>
+              </a:rPr>
+              <a:t> md version</a:t>
+            </a:r>
+            <a:r>
+              <a:rPr lang="en-GB" sz="800" dirty="0">
+                <a:ea typeface="Calibri"/>
+                <a:cs typeface="Calibri"/>
+              </a:rPr>
+              <a:t>.</a:t>
+            </a:r>
+          </a:p>
+          <a:p>
+            <a:pPr lvl="1">
+              <a:buFont typeface="Arial" panose="020B0604020202020204" pitchFamily="34" charset="0"/>
+              <a:buChar char="•"/>
+            </a:pPr>
+            <a:r>
+              <a:rPr lang="en-GB" sz="900" dirty="0">
+                <a:ea typeface="Calibri"/>
+                <a:cs typeface="Calibri"/>
+              </a:rPr>
+              <a:t>Most other edits are minor improvements for clarity and general readability inspired by AD review.</a:t>
+            </a:r>
+          </a:p>
+          <a:p>
+            <a:pPr>
+              <a:buFont typeface="Arial" panose="020B0604020202020204" pitchFamily="34" charset="0"/>
+              <a:buChar char="•"/>
+            </a:pPr>
+            <a:r>
+              <a:rPr lang="en-GB" sz="1000" dirty="0">
+                <a:ea typeface="Calibri"/>
+                <a:cs typeface="Calibri"/>
+              </a:rPr>
+              <a:t>Two brand new sections:</a:t>
+            </a:r>
+          </a:p>
+          <a:p>
+            <a:pPr lvl="1">
+              <a:buFont typeface="Arial" panose="020B0604020202020204" pitchFamily="34" charset="0"/>
+              <a:buChar char="•"/>
+            </a:pPr>
+            <a:r>
+              <a:rPr lang="en-GB" sz="900" i="1" dirty="0">
+                <a:ea typeface="Calibri"/>
+                <a:cs typeface="Calibri"/>
+              </a:rPr>
+              <a:t>1.2. Positioning within BMWG Methodologies </a:t>
+            </a:r>
+            <a:r>
+              <a:rPr lang="en-GB" sz="900" dirty="0">
+                <a:ea typeface="Calibri"/>
+                <a:cs typeface="Calibri"/>
+              </a:rPr>
+              <a:t>– in the </a:t>
+            </a:r>
+            <a:r>
+              <a:rPr lang="en-GB" sz="900" i="1" dirty="0">
+                <a:ea typeface="Calibri"/>
+                <a:cs typeface="Calibri"/>
+              </a:rPr>
+              <a:t>Introduction</a:t>
+            </a:r>
+            <a:r>
+              <a:rPr lang="en-GB" sz="900" dirty="0">
+                <a:ea typeface="Calibri"/>
+                <a:cs typeface="Calibri"/>
+              </a:rPr>
+              <a:t> section.</a:t>
+            </a:r>
+          </a:p>
+          <a:p>
+            <a:pPr lvl="1">
+              <a:buFont typeface="Arial" panose="020B0604020202020204" pitchFamily="34" charset="0"/>
+              <a:buChar char="•"/>
+            </a:pPr>
+            <a:r>
+              <a:rPr lang="en-GB" sz="900" i="1" dirty="0">
+                <a:ea typeface="Calibri"/>
+                <a:cs typeface="Calibri"/>
+              </a:rPr>
+              <a:t>4.1. Scope </a:t>
+            </a:r>
+            <a:r>
+              <a:rPr lang="en-GB" sz="900" dirty="0">
+                <a:ea typeface="Calibri"/>
+                <a:cs typeface="Calibri"/>
+              </a:rPr>
+              <a:t>– in the </a:t>
+            </a:r>
+            <a:r>
+              <a:rPr lang="en-GB" sz="900" i="1" dirty="0" err="1">
+                <a:ea typeface="Calibri"/>
+                <a:cs typeface="Calibri"/>
+              </a:rPr>
+              <a:t>MLRsearch</a:t>
+            </a:r>
+            <a:r>
+              <a:rPr lang="en-GB" sz="900" i="1" dirty="0">
+                <a:ea typeface="Calibri"/>
+                <a:cs typeface="Calibri"/>
+              </a:rPr>
+              <a:t> Specification </a:t>
+            </a:r>
+            <a:r>
+              <a:rPr lang="en-GB" sz="900" dirty="0">
+                <a:ea typeface="Calibri"/>
+                <a:cs typeface="Calibri"/>
+              </a:rPr>
+              <a:t>section.</a:t>
+            </a:r>
+          </a:p>
+          <a:p>
+            <a:pPr lvl="1">
+              <a:buFont typeface="Arial" panose="020B0604020202020204" pitchFamily="34" charset="0"/>
+              <a:buChar char="•"/>
+            </a:pPr>
+            <a:r>
+              <a:rPr lang="en-GB" sz="900" dirty="0">
+                <a:ea typeface="Calibri"/>
+                <a:cs typeface="Calibri"/>
+              </a:rPr>
+              <a:t>Resulted from AD review and associated email thread re </a:t>
+            </a:r>
+            <a:r>
+              <a:rPr lang="en-GB" sz="900" dirty="0" err="1">
+                <a:ea typeface="Calibri"/>
+                <a:cs typeface="Calibri"/>
+              </a:rPr>
+              <a:t>mlrsearch</a:t>
+            </a:r>
+            <a:r>
+              <a:rPr lang="en-GB" sz="900" dirty="0">
+                <a:ea typeface="Calibri"/>
+                <a:cs typeface="Calibri"/>
+              </a:rPr>
+              <a:t> "positioning” with respect to the existing BMWG specs.</a:t>
+            </a:r>
+          </a:p>
+          <a:p>
+            <a:pPr>
+              <a:buFont typeface="Arial" panose="020B0604020202020204" pitchFamily="34" charset="0"/>
+              <a:buChar char="•"/>
+            </a:pPr>
+            <a:r>
+              <a:rPr lang="en-GB" sz="1000" dirty="0">
+                <a:ea typeface="Calibri"/>
+                <a:cs typeface="Calibri"/>
+                <a:hlinkClick r:id="rId6"/>
+              </a:rPr>
+              <a:t>"Revisiting BMWG RFCs” email thread</a:t>
+            </a:r>
+            <a:r>
+              <a:rPr lang="en-GB" sz="1000" dirty="0">
+                <a:ea typeface="Calibri"/>
+                <a:cs typeface="Calibri"/>
+              </a:rPr>
+              <a:t> that forked from </a:t>
+            </a:r>
+            <a:r>
+              <a:rPr lang="en-GB" sz="1000" dirty="0" err="1">
+                <a:ea typeface="Calibri"/>
+                <a:cs typeface="Calibri"/>
+              </a:rPr>
+              <a:t>mlrsearch</a:t>
+            </a:r>
+            <a:r>
+              <a:rPr lang="en-GB" sz="1000" dirty="0">
+                <a:ea typeface="Calibri"/>
+                <a:cs typeface="Calibri"/>
+              </a:rPr>
+              <a:t> AD review one:</a:t>
+            </a:r>
+          </a:p>
+          <a:p>
+            <a:pPr lvl="1">
+              <a:buFont typeface="Arial" panose="020B0604020202020204" pitchFamily="34" charset="0"/>
+              <a:buChar char="•"/>
+            </a:pPr>
+            <a:r>
+              <a:rPr lang="en-GB" sz="900" dirty="0">
+                <a:ea typeface="Calibri"/>
+                <a:cs typeface="Calibri"/>
+              </a:rPr>
+              <a:t>Larger discussion about potential shortcomings and gaps identified in a selection of BMWG RFCs.</a:t>
+            </a:r>
+          </a:p>
+          <a:p>
+            <a:pPr lvl="1">
+              <a:buFont typeface="Arial" panose="020B0604020202020204" pitchFamily="34" charset="0"/>
+              <a:buChar char="•"/>
+            </a:pPr>
+            <a:r>
+              <a:rPr lang="en-GB" sz="900" dirty="0">
+                <a:ea typeface="Calibri"/>
+                <a:cs typeface="Calibri"/>
+              </a:rPr>
+              <a:t>Including requirements language and security considerations boilerplate sections (see AD review comments to </a:t>
+            </a:r>
+            <a:r>
+              <a:rPr lang="en-GB" sz="900" dirty="0" err="1">
+                <a:ea typeface="Calibri"/>
+                <a:cs typeface="Calibri"/>
+              </a:rPr>
+              <a:t>mlrsearch</a:t>
+            </a:r>
+            <a:r>
+              <a:rPr lang="en-GB" sz="900" dirty="0">
+                <a:ea typeface="Calibri"/>
+                <a:cs typeface="Calibri"/>
+              </a:rPr>
+              <a:t>).</a:t>
+            </a:r>
+          </a:p>
+          <a:p>
+            <a:pPr>
+              <a:buFont typeface="Arial" panose="020B0604020202020204" pitchFamily="34" charset="0"/>
+              <a:buChar char="•"/>
+            </a:pPr>
+            <a:r>
+              <a:rPr lang="en-US" sz="1000" dirty="0"/>
+              <a:t>BMWG next steps</a:t>
+            </a:r>
+            <a:endParaRPr lang="en-US" sz="1000" dirty="0">
+              <a:ea typeface="Calibri"/>
+              <a:cs typeface="Calibri"/>
+            </a:endParaRPr>
+          </a:p>
+          <a:p>
+            <a:pPr lvl="1">
+              <a:buFont typeface="Arial" panose="020B0604020202020204" pitchFamily="34" charset="0"/>
+              <a:buChar char="•"/>
+            </a:pPr>
+            <a:r>
+              <a:rPr lang="en-US" sz="900" dirty="0">
+                <a:ea typeface="Calibri"/>
+                <a:cs typeface="Calibri"/>
+              </a:rPr>
+              <a:t>Based on AD decision, move it to IETF LC.</a:t>
+            </a:r>
+          </a:p>
+          <a:p>
+            <a:pPr lvl="1">
+              <a:buFont typeface="Arial" panose="020B0604020202020204" pitchFamily="34" charset="0"/>
+              <a:buChar char="•"/>
+            </a:pPr>
+            <a:r>
+              <a:rPr lang="en-US" sz="900" dirty="0">
+                <a:ea typeface="Calibri"/>
+                <a:cs typeface="Calibri"/>
+              </a:rPr>
+              <a:t>Publish.</a:t>
+            </a:r>
+          </a:p>
+          <a:p>
+            <a:pPr marL="114300" lvl="0" indent="0">
+              <a:buNone/>
+            </a:pPr>
+            <a:endParaRPr lang="en-US" sz="300" dirty="0">
+              <a:ea typeface="Calibri"/>
+              <a:cs typeface="Calibri"/>
+            </a:endParaRPr>
+          </a:p>
+        </p:txBody>
+      </p:sp>
+    </p:spTree>
+    <p:extLst>
+      <p:ext uri="{BB962C8B-B14F-4D97-AF65-F5344CB8AC3E}">
+        <p14:creationId xmlns:p14="http://schemas.microsoft.com/office/powerpoint/2010/main" val="333926329"/>
+      </p:ext>
+    </p:extLst>
+  </p:cSld>
+  <p:clrMapOvr>
+    <a:masterClrMapping/>
+  </p:clrMapOvr>
+</p:sld>
+</file>
+
+<file path=ppt/slides/slide14.xml><?xml version="1.0" encoding="utf-8"?>
+<p:sld xmlns:a="http://schemas.openxmlformats.org/drawingml/2006/main" xmlns:r="http://schemas.openxmlformats.org/officeDocument/2006/relationships" xmlns:p="http://schemas.openxmlformats.org/presentationml/2006/main">
+  <p:cSld>
+    <p:spTree>
+      <p:nvGrpSpPr>
+        <p:cNvPr id="1" name=""/>
+        <p:cNvGrpSpPr/>
+        <p:nvPr/>
+      </p:nvGrpSpPr>
+      <p:grpSpPr>
+        <a:xfrm>
+          <a:off x="0" y="0"/>
+          <a:ext cx="0" cy="0"/>
+          <a:chOff x="0" y="0"/>
+          <a:chExt cx="0" cy="0"/>
+        </a:xfrm>
+      </p:grpSpPr>
+      <p:sp>
+        <p:nvSpPr>
+          <p:cNvPr id="2" name="Title 1">
+            <a:extLst>
+              <a:ext uri="{FF2B5EF4-FFF2-40B4-BE49-F238E27FC236}">
+                <a16:creationId xmlns:a16="http://schemas.microsoft.com/office/drawing/2014/main" id="{0B9E15DC-F076-98D2-1BDF-BC01FEC9047B}"/>
+              </a:ext>
+            </a:extLst>
+          </p:cNvPr>
+          <p:cNvSpPr>
+            <a:spLocks noGrp="1"/>
+          </p:cNvSpPr>
+          <p:nvPr>
+            <p:ph type="title"/>
+          </p:nvPr>
+        </p:nvSpPr>
         <p:spPr/>
         <p:txBody>
           <a:bodyPr anchor="ctr"/>
@@ -19875,7 +20163,7 @@
             </a:pPr>
             <a:fld id="{00000000-1234-1234-1234-123412341234}" type="slidenum">
               <a:rPr lang="en-US" smtClean="0"/>
-              <a:t>13</a:t>
+              <a:t>14</a:t>
             </a:fld>
             <a:endParaRPr lang="en-US"/>
           </a:p>
@@ -20125,11 +20413,11 @@
             </a:r>
             <a:r>
               <a:rPr lang="de-CH" b="1" dirty="0"/>
-              <a:t>-ippm-</a:t>
+              <a:t>-</a:t>
             </a:r>
             <a:r>
               <a:rPr lang="de-CH" b="1" dirty="0" err="1"/>
-              <a:t>qoo</a:t>
+              <a:t>ippm-qoo</a:t>
             </a:r>
             <a:r>
               <a:rPr lang="de-CH" dirty="0"/>
@@ -20152,8 +20440,8 @@
               <a:t> </a:t>
             </a:r>
             <a:r>
-              <a:rPr lang="de-CH" dirty="0" err="1"/>
-              <a:t>adoption</a:t>
+              <a:rPr lang="en-001" dirty="0"/>
+              <a:t>last call</a:t>
             </a:r>
             <a:r>
               <a:rPr lang="de-CH" dirty="0"/>
@@ -20188,7 +20476,7 @@
 </p:sld>
 </file>
 
-<file path=ppt/slides/slide14.xml><?xml version="1.0" encoding="utf-8"?>
+<file path=ppt/slides/slide15.xml><?xml version="1.0" encoding="utf-8"?>
 <p:sld xmlns:a="http://schemas.openxmlformats.org/drawingml/2006/main" xmlns:r="http://schemas.openxmlformats.org/officeDocument/2006/relationships" xmlns:p="http://schemas.openxmlformats.org/presentationml/2006/main" show="0">
   <p:cSld>
     <p:spTree>
@@ -20535,7 +20823,7 @@
             </a:pPr>
             <a:fld id="{00000000-1234-1234-1234-123412341234}" type="slidenum">
               <a:rPr lang="en-US"/>
-              <a:t>14</a:t>
+              <a:t>15</a:t>
             </a:fld>
             <a:endParaRPr/>
           </a:p>
@@ -24897,20 +25185,20 @@
 </file>
 
 <file path=customXml/item2.xml><?xml version="1.0" encoding="utf-8"?>
+<p:properties xmlns:p="http://schemas.microsoft.com/office/2006/metadata/properties" xmlns:xsi="http://www.w3.org/2001/XMLSchema-instance" xmlns:pc="http://schemas.microsoft.com/office/infopath/2007/PartnerControls">
+  <documentManagement>
+    <_activity xmlns="3e5e162a-5953-4fde-83b3-9639e6ab13bb" xsi:nil="true"/>
+  </documentManagement>
+</p:properties>
+</file>
+
+<file path=customXml/item3.xml><?xml version="1.0" encoding="utf-8"?>
 <?mso-contentType ?>
 <FormTemplates xmlns="http://schemas.microsoft.com/sharepoint/v3/contenttype/forms">
   <Display>DocumentLibraryForm</Display>
   <Edit>DocumentLibraryForm</Edit>
   <New>DocumentLibraryForm</New>
 </FormTemplates>
-</file>
-
-<file path=customXml/item3.xml><?xml version="1.0" encoding="utf-8"?>
-<p:properties xmlns:p="http://schemas.microsoft.com/office/2006/metadata/properties" xmlns:xsi="http://www.w3.org/2001/XMLSchema-instance" xmlns:pc="http://schemas.microsoft.com/office/infopath/2007/PartnerControls">
-  <documentManagement>
-    <_activity xmlns="3e5e162a-5953-4fde-83b3-9639e6ab13bb" xsi:nil="true"/>
-  </documentManagement>
-</p:properties>
 </file>
 
 <file path=customXml/itemProps1.xml><?xml version="1.0" encoding="utf-8"?>
@@ -24933,14 +25221,6 @@
 </file>
 
 <file path=customXml/itemProps2.xml><?xml version="1.0" encoding="utf-8"?>
-<ds:datastoreItem xmlns:ds="http://schemas.openxmlformats.org/officeDocument/2006/customXml" ds:itemID="{9104BBC9-6B71-4DC1-A0E0-1E198363AC7F}">
-  <ds:schemaRefs>
-    <ds:schemaRef ds:uri="http://schemas.microsoft.com/sharepoint/v3/contenttype/forms"/>
-  </ds:schemaRefs>
-</ds:datastoreItem>
-</file>
-
-<file path=customXml/itemProps3.xml><?xml version="1.0" encoding="utf-8"?>
 <ds:datastoreItem xmlns:ds="http://schemas.openxmlformats.org/officeDocument/2006/customXml" ds:itemID="{3D7021EF-4D3D-4708-92FB-F2CD02CEF7A1}">
   <ds:schemaRefs>
     <ds:schemaRef ds:uri="http://schemas.openxmlformats.org/package/2006/metadata/core-properties"/>
@@ -24957,6 +25237,14 @@
 </ds:datastoreItem>
 </file>
 
+<file path=customXml/itemProps3.xml><?xml version="1.0" encoding="utf-8"?>
+<ds:datastoreItem xmlns:ds="http://schemas.openxmlformats.org/officeDocument/2006/customXml" ds:itemID="{9104BBC9-6B71-4DC1-A0E0-1E198363AC7F}">
+  <ds:schemaRefs>
+    <ds:schemaRef ds:uri="http://schemas.microsoft.com/sharepoint/v3/contenttype/forms"/>
+  </ds:schemaRefs>
+</ds:datastoreItem>
+</file>
+
 <file path=docMetadata/LabelInfo.xml><?xml version="1.0" encoding="utf-8"?>
 <clbl:labelList xmlns:clbl="http://schemas.microsoft.com/office/2020/mipLabelMetadata">
   <clbl:label id="{2e1fccfb-80ca-4fe1-a574-1516544edb53}" enabled="1" method="Standard" siteId="{364e5b87-c1c7-420d-9bee-c35d19b557a1}" removed="0"/>

--- a/ietf123-Madrid/Slides/chair-slides-bmwg-ippm.pptx
+++ b/ietf123-Madrid/Slides/chair-slides-bmwg-ippm.pptx
@@ -322,10 +322,25 @@
   <pc:docChgLst>
     <pc:chgData name="Marcus Ihlar" userId="3466507a-8f95-47f2-ae1b-ce7d6ca611a4" providerId="ADAL" clId="{AED546ED-D998-4FD7-8756-673BE2DDCF49}"/>
     <pc:docChg chg="modSld">
-      <pc:chgData name="Marcus Ihlar" userId="3466507a-8f95-47f2-ae1b-ce7d6ca611a4" providerId="ADAL" clId="{AED546ED-D998-4FD7-8756-673BE2DDCF49}" dt="2025-07-16T10:18:57.833" v="8" actId="20577"/>
+      <pc:chgData name="Marcus Ihlar" userId="3466507a-8f95-47f2-ae1b-ce7d6ca611a4" providerId="ADAL" clId="{AED546ED-D998-4FD7-8756-673BE2DDCF49}" dt="2025-07-16T10:35:22.434" v="10" actId="20577"/>
       <pc:docMkLst>
         <pc:docMk/>
       </pc:docMkLst>
+      <pc:sldChg chg="modSp mod">
+        <pc:chgData name="Marcus Ihlar" userId="3466507a-8f95-47f2-ae1b-ce7d6ca611a4" providerId="ADAL" clId="{AED546ED-D998-4FD7-8756-673BE2DDCF49}" dt="2025-07-16T10:35:22.434" v="10" actId="20577"/>
+        <pc:sldMkLst>
+          <pc:docMk/>
+          <pc:sldMk cId="0" sldId="256"/>
+        </pc:sldMkLst>
+        <pc:spChg chg="mod">
+          <ac:chgData name="Marcus Ihlar" userId="3466507a-8f95-47f2-ae1b-ce7d6ca611a4" providerId="ADAL" clId="{AED546ED-D998-4FD7-8756-673BE2DDCF49}" dt="2025-07-16T10:35:22.434" v="10" actId="20577"/>
+          <ac:spMkLst>
+            <pc:docMk/>
+            <pc:sldMk cId="0" sldId="256"/>
+            <ac:spMk id="100" creationId="{00000000-0000-0000-0000-000000000000}"/>
+          </ac:spMkLst>
+        </pc:spChg>
+      </pc:sldChg>
       <pc:sldChg chg="modSp mod">
         <pc:chgData name="Marcus Ihlar" userId="3466507a-8f95-47f2-ae1b-ce7d6ca611a4" providerId="ADAL" clId="{AED546ED-D998-4FD7-8756-673BE2DDCF49}" dt="2025-07-16T10:18:57.833" v="8" actId="20577"/>
         <pc:sldMkLst>
@@ -18843,7 +18858,7 @@
               <a:buNone/>
             </a:pPr>
             <a:r>
-              <a:rPr lang="en-US" sz="2100" dirty="0">
+              <a:rPr lang="en-US" sz="2100">
                 <a:solidFill>
                   <a:srgbClr val="FFFFFF"/>
                 </a:solidFill>
@@ -18852,7 +18867,19 @@
                 <a:cs typeface="Inter"/>
                 <a:sym typeface="Inter"/>
               </a:rPr>
-              <a:t>24 July 2025</a:t>
+              <a:t>21 </a:t>
+            </a:r>
+            <a:r>
+              <a:rPr lang="en-US" sz="2100" dirty="0">
+                <a:solidFill>
+                  <a:srgbClr val="FFFFFF"/>
+                </a:solidFill>
+                <a:latin typeface="Inter"/>
+                <a:ea typeface="Inter"/>
+                <a:cs typeface="Inter"/>
+                <a:sym typeface="Inter"/>
+              </a:rPr>
+              <a:t>July 2025</a:t>
             </a:r>
             <a:endParaRPr sz="1100" dirty="0">
               <a:latin typeface="Inter"/>
@@ -21701,7 +21728,7 @@
         <p:fade/>
       </p:transition>
     </mc:Choice>
-    <mc:Fallback xmlns:ahyp="http://schemas.microsoft.com/office/drawing/2018/hyperlinkcolor" xmlns:p15="http://schemas.microsoft.com/office/powerpoint/2012/main" xmlns:com="http://schemas.openxmlformats.org/drawingml/2006/compatibility" xmlns:pvml="urn:schemas-microsoft-com:office:powerpoint" xmlns:v="urn:schemas-microsoft-com:vml" xmlns:o="urn:schemas-microsoft-com:office:office" xmlns:dgm="http://schemas.openxmlformats.org/drawingml/2006/diagram" xmlns:c="http://schemas.openxmlformats.org/drawingml/2006/chart" xmlns:mv="urn:schemas-microsoft-com:mac:vml" xmlns="">
+    <mc:Fallback xmlns="" xmlns:mv="urn:schemas-microsoft-com:mac:vml" xmlns:c="http://schemas.openxmlformats.org/drawingml/2006/chart" xmlns:dgm="http://schemas.openxmlformats.org/drawingml/2006/diagram" xmlns:o="urn:schemas-microsoft-com:office:office" xmlns:v="urn:schemas-microsoft-com:vml" xmlns:pvml="urn:schemas-microsoft-com:office:powerpoint" xmlns:com="http://schemas.openxmlformats.org/drawingml/2006/compatibility" xmlns:p15="http://schemas.microsoft.com/office/powerpoint/2012/main" xmlns:ahyp="http://schemas.microsoft.com/office/drawing/2018/hyperlinkcolor">
       <p:transition spd="slow">
         <p:fade/>
       </p:transition>
@@ -22036,7 +22063,7 @@
         <p:fade/>
       </p:transition>
     </mc:Choice>
-    <mc:Fallback xmlns:ahyp="http://schemas.microsoft.com/office/drawing/2018/hyperlinkcolor" xmlns:p15="http://schemas.microsoft.com/office/powerpoint/2012/main" xmlns:com="http://schemas.openxmlformats.org/drawingml/2006/compatibility" xmlns:pvml="urn:schemas-microsoft-com:office:powerpoint" xmlns:v="urn:schemas-microsoft-com:vml" xmlns:o="urn:schemas-microsoft-com:office:office" xmlns:dgm="http://schemas.openxmlformats.org/drawingml/2006/diagram" xmlns:c="http://schemas.openxmlformats.org/drawingml/2006/chart" xmlns:mv="urn:schemas-microsoft-com:mac:vml" xmlns="">
+    <mc:Fallback xmlns="" xmlns:mv="urn:schemas-microsoft-com:mac:vml" xmlns:c="http://schemas.openxmlformats.org/drawingml/2006/chart" xmlns:dgm="http://schemas.openxmlformats.org/drawingml/2006/diagram" xmlns:o="urn:schemas-microsoft-com:office:office" xmlns:v="urn:schemas-microsoft-com:vml" xmlns:pvml="urn:schemas-microsoft-com:office:powerpoint" xmlns:com="http://schemas.openxmlformats.org/drawingml/2006/compatibility" xmlns:p15="http://schemas.microsoft.com/office/powerpoint/2012/main" xmlns:ahyp="http://schemas.microsoft.com/office/drawing/2018/hyperlinkcolor">
       <p:transition spd="slow">
         <p:fade/>
       </p:transition>
@@ -25185,20 +25212,20 @@
 </file>
 
 <file path=customXml/item2.xml><?xml version="1.0" encoding="utf-8"?>
-<p:properties xmlns:p="http://schemas.microsoft.com/office/2006/metadata/properties" xmlns:xsi="http://www.w3.org/2001/XMLSchema-instance" xmlns:pc="http://schemas.microsoft.com/office/infopath/2007/PartnerControls">
-  <documentManagement>
-    <_activity xmlns="3e5e162a-5953-4fde-83b3-9639e6ab13bb" xsi:nil="true"/>
-  </documentManagement>
-</p:properties>
-</file>
-
-<file path=customXml/item3.xml><?xml version="1.0" encoding="utf-8"?>
 <?mso-contentType ?>
 <FormTemplates xmlns="http://schemas.microsoft.com/sharepoint/v3/contenttype/forms">
   <Display>DocumentLibraryForm</Display>
   <Edit>DocumentLibraryForm</Edit>
   <New>DocumentLibraryForm</New>
 </FormTemplates>
+</file>
+
+<file path=customXml/item3.xml><?xml version="1.0" encoding="utf-8"?>
+<p:properties xmlns:p="http://schemas.microsoft.com/office/2006/metadata/properties" xmlns:xsi="http://www.w3.org/2001/XMLSchema-instance" xmlns:pc="http://schemas.microsoft.com/office/infopath/2007/PartnerControls">
+  <documentManagement>
+    <_activity xmlns="3e5e162a-5953-4fde-83b3-9639e6ab13bb" xsi:nil="true"/>
+  </documentManagement>
+</p:properties>
 </file>
 
 <file path=customXml/itemProps1.xml><?xml version="1.0" encoding="utf-8"?>
@@ -25221,6 +25248,14 @@
 </file>
 
 <file path=customXml/itemProps2.xml><?xml version="1.0" encoding="utf-8"?>
+<ds:datastoreItem xmlns:ds="http://schemas.openxmlformats.org/officeDocument/2006/customXml" ds:itemID="{9104BBC9-6B71-4DC1-A0E0-1E198363AC7F}">
+  <ds:schemaRefs>
+    <ds:schemaRef ds:uri="http://schemas.microsoft.com/sharepoint/v3/contenttype/forms"/>
+  </ds:schemaRefs>
+</ds:datastoreItem>
+</file>
+
+<file path=customXml/itemProps3.xml><?xml version="1.0" encoding="utf-8"?>
 <ds:datastoreItem xmlns:ds="http://schemas.openxmlformats.org/officeDocument/2006/customXml" ds:itemID="{3D7021EF-4D3D-4708-92FB-F2CD02CEF7A1}">
   <ds:schemaRefs>
     <ds:schemaRef ds:uri="http://schemas.openxmlformats.org/package/2006/metadata/core-properties"/>
@@ -25237,14 +25272,6 @@
 </ds:datastoreItem>
 </file>
 
-<file path=customXml/itemProps3.xml><?xml version="1.0" encoding="utf-8"?>
-<ds:datastoreItem xmlns:ds="http://schemas.openxmlformats.org/officeDocument/2006/customXml" ds:itemID="{9104BBC9-6B71-4DC1-A0E0-1E198363AC7F}">
-  <ds:schemaRefs>
-    <ds:schemaRef ds:uri="http://schemas.microsoft.com/sharepoint/v3/contenttype/forms"/>
-  </ds:schemaRefs>
-</ds:datastoreItem>
-</file>
-
 <file path=docMetadata/LabelInfo.xml><?xml version="1.0" encoding="utf-8"?>
 <clbl:labelList xmlns:clbl="http://schemas.microsoft.com/office/2020/mipLabelMetadata">
   <clbl:label id="{2e1fccfb-80ca-4fe1-a574-1516544edb53}" enabled="1" method="Standard" siteId="{364e5b87-c1c7-420d-9bee-c35d19b557a1}" removed="0"/>

--- a/ietf123-Madrid/Slides/chair-slides-bmwg-ippm.pptx
+++ b/ietf123-Madrid/Slides/chair-slides-bmwg-ippm.pptx
@@ -361,7 +361,7 @@
   <pc:docChgLst>
     <pc:chgData name="Graf Thomas, SCS-INI-NET-VNC-E2E" userId="487bc3e3-9ce7-4cdd-b7b4-8899ea88d289" providerId="ADAL" clId="{4403439A-50EC-49D8-B7F6-3D7264685FDE}"/>
     <pc:docChg chg="undo custSel addSld modSld sldOrd">
-      <pc:chgData name="Graf Thomas, SCS-INI-NET-VNC-E2E" userId="487bc3e3-9ce7-4cdd-b7b4-8899ea88d289" providerId="ADAL" clId="{4403439A-50EC-49D8-B7F6-3D7264685FDE}" dt="2025-07-15T09:01:50.650" v="1407" actId="20577"/>
+      <pc:chgData name="Graf Thomas, SCS-INI-NET-VNC-E2E" userId="487bc3e3-9ce7-4cdd-b7b4-8899ea88d289" providerId="ADAL" clId="{4403439A-50EC-49D8-B7F6-3D7264685FDE}" dt="2025-07-21T05:25:01.641" v="1423" actId="1076"/>
       <pc:docMkLst>
         <pc:docMk/>
       </pc:docMkLst>
@@ -418,7 +418,7 @@
         </pc:spChg>
       </pc:sldChg>
       <pc:sldChg chg="addSp delSp modSp mod">
-        <pc:chgData name="Graf Thomas, SCS-INI-NET-VNC-E2E" userId="487bc3e3-9ce7-4cdd-b7b4-8899ea88d289" providerId="ADAL" clId="{4403439A-50EC-49D8-B7F6-3D7264685FDE}" dt="2025-07-14T15:38:01.551" v="754" actId="1076"/>
+        <pc:chgData name="Graf Thomas, SCS-INI-NET-VNC-E2E" userId="487bc3e3-9ce7-4cdd-b7b4-8899ea88d289" providerId="ADAL" clId="{4403439A-50EC-49D8-B7F6-3D7264685FDE}" dt="2025-07-21T05:25:01.641" v="1423" actId="1076"/>
         <pc:sldMkLst>
           <pc:docMk/>
           <pc:sldMk cId="2332748115" sldId="263"/>
@@ -431,12 +431,28 @@
             <ac:spMk id="2" creationId="{0B9E15DC-F076-98D2-1BDF-BC01FEC9047B}"/>
           </ac:spMkLst>
         </pc:spChg>
-        <pc:picChg chg="add mod">
-          <ac:chgData name="Graf Thomas, SCS-INI-NET-VNC-E2E" userId="487bc3e3-9ce7-4cdd-b7b4-8899ea88d289" providerId="ADAL" clId="{4403439A-50EC-49D8-B7F6-3D7264685FDE}" dt="2025-07-14T15:38:01.551" v="754" actId="1076"/>
+        <pc:picChg chg="add del mod">
+          <ac:chgData name="Graf Thomas, SCS-INI-NET-VNC-E2E" userId="487bc3e3-9ce7-4cdd-b7b4-8899ea88d289" providerId="ADAL" clId="{4403439A-50EC-49D8-B7F6-3D7264685FDE}" dt="2025-07-21T05:24:59.612" v="1422" actId="478"/>
           <ac:picMkLst>
             <pc:docMk/>
             <pc:sldMk cId="2332748115" sldId="263"/>
             <ac:picMk id="5" creationId="{D3B1A1F3-3D81-6490-3FFD-0EF242AB0EF3}"/>
+          </ac:picMkLst>
+        </pc:picChg>
+        <pc:picChg chg="add del mod">
+          <ac:chgData name="Graf Thomas, SCS-INI-NET-VNC-E2E" userId="487bc3e3-9ce7-4cdd-b7b4-8899ea88d289" providerId="ADAL" clId="{4403439A-50EC-49D8-B7F6-3D7264685FDE}" dt="2025-07-21T05:24:18.513" v="1411" actId="478"/>
+          <ac:picMkLst>
+            <pc:docMk/>
+            <pc:sldMk cId="2332748115" sldId="263"/>
+            <ac:picMk id="6" creationId="{399F01CF-D8ED-6B9B-6F68-E9E3EDFB133E}"/>
+          </ac:picMkLst>
+        </pc:picChg>
+        <pc:picChg chg="add mod">
+          <ac:chgData name="Graf Thomas, SCS-INI-NET-VNC-E2E" userId="487bc3e3-9ce7-4cdd-b7b4-8899ea88d289" providerId="ADAL" clId="{4403439A-50EC-49D8-B7F6-3D7264685FDE}" dt="2025-07-21T05:25:01.641" v="1423" actId="1076"/>
+          <ac:picMkLst>
+            <pc:docMk/>
+            <pc:sldMk cId="2332748115" sldId="263"/>
+            <ac:picMk id="8" creationId="{0FE2E727-241A-266F-6298-ED3732DB7159}"/>
           </ac:picMkLst>
         </pc:picChg>
       </pc:sldChg>
@@ -21728,7 +21744,7 @@
         <p:fade/>
       </p:transition>
     </mc:Choice>
-    <mc:Fallback xmlns="" xmlns:mv="urn:schemas-microsoft-com:mac:vml" xmlns:c="http://schemas.openxmlformats.org/drawingml/2006/chart" xmlns:dgm="http://schemas.openxmlformats.org/drawingml/2006/diagram" xmlns:o="urn:schemas-microsoft-com:office:office" xmlns:v="urn:schemas-microsoft-com:vml" xmlns:pvml="urn:schemas-microsoft-com:office:powerpoint" xmlns:com="http://schemas.openxmlformats.org/drawingml/2006/compatibility" xmlns:p15="http://schemas.microsoft.com/office/powerpoint/2012/main" xmlns:ahyp="http://schemas.microsoft.com/office/drawing/2018/hyperlinkcolor">
+    <mc:Fallback xmlns:ahyp="http://schemas.microsoft.com/office/drawing/2018/hyperlinkcolor" xmlns:p15="http://schemas.microsoft.com/office/powerpoint/2012/main" xmlns:com="http://schemas.openxmlformats.org/drawingml/2006/compatibility" xmlns:pvml="urn:schemas-microsoft-com:office:powerpoint" xmlns:v="urn:schemas-microsoft-com:vml" xmlns:o="urn:schemas-microsoft-com:office:office" xmlns:dgm="http://schemas.openxmlformats.org/drawingml/2006/diagram" xmlns:c="http://schemas.openxmlformats.org/drawingml/2006/chart" xmlns:mv="urn:schemas-microsoft-com:mac:vml" xmlns="">
       <p:transition spd="slow">
         <p:fade/>
       </p:transition>
@@ -22063,7 +22079,7 @@
         <p:fade/>
       </p:transition>
     </mc:Choice>
-    <mc:Fallback xmlns="" xmlns:mv="urn:schemas-microsoft-com:mac:vml" xmlns:c="http://schemas.openxmlformats.org/drawingml/2006/chart" xmlns:dgm="http://schemas.openxmlformats.org/drawingml/2006/diagram" xmlns:o="urn:schemas-microsoft-com:office:office" xmlns:v="urn:schemas-microsoft-com:vml" xmlns:pvml="urn:schemas-microsoft-com:office:powerpoint" xmlns:com="http://schemas.openxmlformats.org/drawingml/2006/compatibility" xmlns:p15="http://schemas.microsoft.com/office/powerpoint/2012/main" xmlns:ahyp="http://schemas.microsoft.com/office/drawing/2018/hyperlinkcolor">
+    <mc:Fallback xmlns:ahyp="http://schemas.microsoft.com/office/drawing/2018/hyperlinkcolor" xmlns:p15="http://schemas.microsoft.com/office/powerpoint/2012/main" xmlns:com="http://schemas.openxmlformats.org/drawingml/2006/compatibility" xmlns:pvml="urn:schemas-microsoft-com:office:powerpoint" xmlns:v="urn:schemas-microsoft-com:vml" xmlns:o="urn:schemas-microsoft-com:office:office" xmlns:dgm="http://schemas.openxmlformats.org/drawingml/2006/diagram" xmlns:c="http://schemas.openxmlformats.org/drawingml/2006/chart" xmlns:mv="urn:schemas-microsoft-com:mac:vml" xmlns="">
       <p:transition spd="slow">
         <p:fade/>
       </p:transition>
@@ -24074,10 +24090,10 @@
       </p:sp>
       <p:pic>
         <p:nvPicPr>
-          <p:cNvPr id="5" name="Picture 4">
+          <p:cNvPr id="8" name="Picture 7">
             <a:extLst>
               <a:ext uri="{FF2B5EF4-FFF2-40B4-BE49-F238E27FC236}">
-                <a16:creationId xmlns:a16="http://schemas.microsoft.com/office/drawing/2014/main" id="{D3B1A1F3-3D81-6490-3FFD-0EF242AB0EF3}"/>
+                <a16:creationId xmlns:a16="http://schemas.microsoft.com/office/drawing/2014/main" id="{0FE2E727-241A-266F-6298-ED3732DB7159}"/>
               </a:ext>
             </a:extLst>
           </p:cNvPr>
@@ -24094,8 +24110,8 @@
         </p:blipFill>
         <p:spPr>
           <a:xfrm>
-            <a:off x="471900" y="1906418"/>
-            <a:ext cx="5980508" cy="3034445"/>
+            <a:off x="471900" y="1935218"/>
+            <a:ext cx="5489700" cy="3047730"/>
           </a:xfrm>
           <a:prstGeom prst="rect">
             <a:avLst/>
@@ -24959,6 +24975,23 @@
 </file>
 
 <file path=customXml/item1.xml><?xml version="1.0" encoding="utf-8"?>
+<p:properties xmlns:p="http://schemas.microsoft.com/office/2006/metadata/properties" xmlns:xsi="http://www.w3.org/2001/XMLSchema-instance" xmlns:pc="http://schemas.microsoft.com/office/infopath/2007/PartnerControls">
+  <documentManagement>
+    <_activity xmlns="3e5e162a-5953-4fde-83b3-9639e6ab13bb" xsi:nil="true"/>
+  </documentManagement>
+</p:properties>
+</file>
+
+<file path=customXml/item2.xml><?xml version="1.0" encoding="utf-8"?>
+<?mso-contentType ?>
+<FormTemplates xmlns="http://schemas.microsoft.com/sharepoint/v3/contenttype/forms">
+  <Display>DocumentLibraryForm</Display>
+  <Edit>DocumentLibraryForm</Edit>
+  <New>DocumentLibraryForm</New>
+</FormTemplates>
+</file>
+
+<file path=customXml/item3.xml><?xml version="1.0" encoding="utf-8"?>
 <ct:contentTypeSchema xmlns:ct="http://schemas.microsoft.com/office/2006/metadata/contentType" xmlns:ma="http://schemas.microsoft.com/office/2006/metadata/properties/metaAttributes" ct:_="" ma:_="" ma:contentTypeName="Dokument" ma:contentTypeID="0x01010028792A905D4FBE4781303B372FFF56B7" ma:contentTypeVersion="18" ma:contentTypeDescription="Ein neues Dokument erstellen." ma:contentTypeScope="" ma:versionID="1bed101c48ab8d637c0f10f3a19033d6">
   <xsd:schema xmlns:xsd="http://www.w3.org/2001/XMLSchema" xmlns:xs="http://www.w3.org/2001/XMLSchema" xmlns:p="http://schemas.microsoft.com/office/2006/metadata/properties" xmlns:ns3="3e5e162a-5953-4fde-83b3-9639e6ab13bb" xmlns:ns4="266fa233-377d-43d6-82a1-e70154e55ff7" targetNamespace="http://schemas.microsoft.com/office/2006/metadata/properties" ma:root="true" ma:fieldsID="ad54ca06dfd6fdd081bd33575dcf7e57" ns3:_="" ns4:_="">
     <xsd:import namespace="3e5e162a-5953-4fde-83b3-9639e6ab13bb"/>
@@ -25211,24 +25244,32 @@
 </ct:contentTypeSchema>
 </file>
 
-<file path=customXml/item2.xml><?xml version="1.0" encoding="utf-8"?>
-<?mso-contentType ?>
-<FormTemplates xmlns="http://schemas.microsoft.com/sharepoint/v3/contenttype/forms">
-  <Display>DocumentLibraryForm</Display>
-  <Edit>DocumentLibraryForm</Edit>
-  <New>DocumentLibraryForm</New>
-</FormTemplates>
+<file path=customXml/itemProps1.xml><?xml version="1.0" encoding="utf-8"?>
+<ds:datastoreItem xmlns:ds="http://schemas.openxmlformats.org/officeDocument/2006/customXml" ds:itemID="{3D7021EF-4D3D-4708-92FB-F2CD02CEF7A1}">
+  <ds:schemaRefs>
+    <ds:schemaRef ds:uri="http://schemas.openxmlformats.org/package/2006/metadata/core-properties"/>
+    <ds:schemaRef ds:uri="http://schemas.microsoft.com/office/2006/documentManagement/types"/>
+    <ds:schemaRef ds:uri="http://schemas.microsoft.com/office/infopath/2007/PartnerControls"/>
+    <ds:schemaRef ds:uri="http://purl.org/dc/elements/1.1/"/>
+    <ds:schemaRef ds:uri="http://schemas.microsoft.com/office/2006/metadata/properties"/>
+    <ds:schemaRef ds:uri="3e5e162a-5953-4fde-83b3-9639e6ab13bb"/>
+    <ds:schemaRef ds:uri="266fa233-377d-43d6-82a1-e70154e55ff7"/>
+    <ds:schemaRef ds:uri="http://purl.org/dc/terms/"/>
+    <ds:schemaRef ds:uri="http://www.w3.org/XML/1998/namespace"/>
+    <ds:schemaRef ds:uri="http://purl.org/dc/dcmitype/"/>
+  </ds:schemaRefs>
+</ds:datastoreItem>
 </file>
 
-<file path=customXml/item3.xml><?xml version="1.0" encoding="utf-8"?>
-<p:properties xmlns:p="http://schemas.microsoft.com/office/2006/metadata/properties" xmlns:xsi="http://www.w3.org/2001/XMLSchema-instance" xmlns:pc="http://schemas.microsoft.com/office/infopath/2007/PartnerControls">
-  <documentManagement>
-    <_activity xmlns="3e5e162a-5953-4fde-83b3-9639e6ab13bb" xsi:nil="true"/>
-  </documentManagement>
-</p:properties>
+<file path=customXml/itemProps2.xml><?xml version="1.0" encoding="utf-8"?>
+<ds:datastoreItem xmlns:ds="http://schemas.openxmlformats.org/officeDocument/2006/customXml" ds:itemID="{9104BBC9-6B71-4DC1-A0E0-1E198363AC7F}">
+  <ds:schemaRefs>
+    <ds:schemaRef ds:uri="http://schemas.microsoft.com/sharepoint/v3/contenttype/forms"/>
+  </ds:schemaRefs>
+</ds:datastoreItem>
 </file>
 
-<file path=customXml/itemProps1.xml><?xml version="1.0" encoding="utf-8"?>
+<file path=customXml/itemProps3.xml><?xml version="1.0" encoding="utf-8"?>
 <ds:datastoreItem xmlns:ds="http://schemas.openxmlformats.org/officeDocument/2006/customXml" ds:itemID="{F4805544-B524-4E4A-B7C1-6ABFC599928D}">
   <ds:schemaRefs>
     <ds:schemaRef ds:uri="http://schemas.microsoft.com/office/2006/metadata/contentType"/>
@@ -25247,31 +25288,6 @@
 </ds:datastoreItem>
 </file>
 
-<file path=customXml/itemProps2.xml><?xml version="1.0" encoding="utf-8"?>
-<ds:datastoreItem xmlns:ds="http://schemas.openxmlformats.org/officeDocument/2006/customXml" ds:itemID="{9104BBC9-6B71-4DC1-A0E0-1E198363AC7F}">
-  <ds:schemaRefs>
-    <ds:schemaRef ds:uri="http://schemas.microsoft.com/sharepoint/v3/contenttype/forms"/>
-  </ds:schemaRefs>
-</ds:datastoreItem>
-</file>
-
-<file path=customXml/itemProps3.xml><?xml version="1.0" encoding="utf-8"?>
-<ds:datastoreItem xmlns:ds="http://schemas.openxmlformats.org/officeDocument/2006/customXml" ds:itemID="{3D7021EF-4D3D-4708-92FB-F2CD02CEF7A1}">
-  <ds:schemaRefs>
-    <ds:schemaRef ds:uri="http://schemas.openxmlformats.org/package/2006/metadata/core-properties"/>
-    <ds:schemaRef ds:uri="http://schemas.microsoft.com/office/2006/documentManagement/types"/>
-    <ds:schemaRef ds:uri="http://schemas.microsoft.com/office/infopath/2007/PartnerControls"/>
-    <ds:schemaRef ds:uri="http://purl.org/dc/elements/1.1/"/>
-    <ds:schemaRef ds:uri="http://schemas.microsoft.com/office/2006/metadata/properties"/>
-    <ds:schemaRef ds:uri="3e5e162a-5953-4fde-83b3-9639e6ab13bb"/>
-    <ds:schemaRef ds:uri="266fa233-377d-43d6-82a1-e70154e55ff7"/>
-    <ds:schemaRef ds:uri="http://purl.org/dc/terms/"/>
-    <ds:schemaRef ds:uri="http://www.w3.org/XML/1998/namespace"/>
-    <ds:schemaRef ds:uri="http://purl.org/dc/dcmitype/"/>
-  </ds:schemaRefs>
-</ds:datastoreItem>
-</file>
-
 <file path=docMetadata/LabelInfo.xml><?xml version="1.0" encoding="utf-8"?>
 <clbl:labelList xmlns:clbl="http://schemas.microsoft.com/office/2020/mipLabelMetadata">
   <clbl:label id="{2e1fccfb-80ca-4fe1-a574-1516544edb53}" enabled="1" method="Standard" siteId="{364e5b87-c1c7-420d-9bee-c35d19b557a1}" removed="0"/>
